--- a/docs/figures.pptx
+++ b/docs/figures.pptx
@@ -9,7 +9,12 @@
     <p:sldId id="259" r:id="rId3"/>
     <p:sldId id="261" r:id="rId4"/>
     <p:sldId id="256" r:id="rId5"/>
-    <p:sldId id="258" r:id="rId6"/>
+    <p:sldId id="268" r:id="rId6"/>
+    <p:sldId id="269" r:id="rId7"/>
+    <p:sldId id="263" r:id="rId8"/>
+    <p:sldId id="270" r:id="rId9"/>
+    <p:sldId id="266" r:id="rId10"/>
+    <p:sldId id="267" r:id="rId11"/>
   </p:sldIdLst>
   <p:sldSz cx="12192000" cy="6858000"/>
   <p:notesSz cx="6858000" cy="9144000"/>
@@ -247,7 +252,7 @@
           <a:p>
             <a:fld id="{4F523166-D0D9-4475-8C7F-810DD22D5DC3}" type="datetimeFigureOut">
               <a:rPr lang="en-GB" smtClean="0"/>
-              <a:t>08/03/2022</a:t>
+              <a:t>15/03/2022</a:t>
             </a:fld>
             <a:endParaRPr lang="en-GB"/>
           </a:p>
@@ -417,7 +422,7 @@
           <a:p>
             <a:fld id="{4F523166-D0D9-4475-8C7F-810DD22D5DC3}" type="datetimeFigureOut">
               <a:rPr lang="en-GB" smtClean="0"/>
-              <a:t>08/03/2022</a:t>
+              <a:t>15/03/2022</a:t>
             </a:fld>
             <a:endParaRPr lang="en-GB"/>
           </a:p>
@@ -597,7 +602,7 @@
           <a:p>
             <a:fld id="{4F523166-D0D9-4475-8C7F-810DD22D5DC3}" type="datetimeFigureOut">
               <a:rPr lang="en-GB" smtClean="0"/>
-              <a:t>08/03/2022</a:t>
+              <a:t>15/03/2022</a:t>
             </a:fld>
             <a:endParaRPr lang="en-GB"/>
           </a:p>
@@ -767,7 +772,7 @@
           <a:p>
             <a:fld id="{4F523166-D0D9-4475-8C7F-810DD22D5DC3}" type="datetimeFigureOut">
               <a:rPr lang="en-GB" smtClean="0"/>
-              <a:t>08/03/2022</a:t>
+              <a:t>15/03/2022</a:t>
             </a:fld>
             <a:endParaRPr lang="en-GB"/>
           </a:p>
@@ -1013,7 +1018,7 @@
           <a:p>
             <a:fld id="{4F523166-D0D9-4475-8C7F-810DD22D5DC3}" type="datetimeFigureOut">
               <a:rPr lang="en-GB" smtClean="0"/>
-              <a:t>08/03/2022</a:t>
+              <a:t>15/03/2022</a:t>
             </a:fld>
             <a:endParaRPr lang="en-GB"/>
           </a:p>
@@ -1245,7 +1250,7 @@
           <a:p>
             <a:fld id="{4F523166-D0D9-4475-8C7F-810DD22D5DC3}" type="datetimeFigureOut">
               <a:rPr lang="en-GB" smtClean="0"/>
-              <a:t>08/03/2022</a:t>
+              <a:t>15/03/2022</a:t>
             </a:fld>
             <a:endParaRPr lang="en-GB"/>
           </a:p>
@@ -1612,7 +1617,7 @@
           <a:p>
             <a:fld id="{4F523166-D0D9-4475-8C7F-810DD22D5DC3}" type="datetimeFigureOut">
               <a:rPr lang="en-GB" smtClean="0"/>
-              <a:t>08/03/2022</a:t>
+              <a:t>15/03/2022</a:t>
             </a:fld>
             <a:endParaRPr lang="en-GB"/>
           </a:p>
@@ -1730,7 +1735,7 @@
           <a:p>
             <a:fld id="{4F523166-D0D9-4475-8C7F-810DD22D5DC3}" type="datetimeFigureOut">
               <a:rPr lang="en-GB" smtClean="0"/>
-              <a:t>08/03/2022</a:t>
+              <a:t>15/03/2022</a:t>
             </a:fld>
             <a:endParaRPr lang="en-GB"/>
           </a:p>
@@ -1825,7 +1830,7 @@
           <a:p>
             <a:fld id="{4F523166-D0D9-4475-8C7F-810DD22D5DC3}" type="datetimeFigureOut">
               <a:rPr lang="en-GB" smtClean="0"/>
-              <a:t>08/03/2022</a:t>
+              <a:t>15/03/2022</a:t>
             </a:fld>
             <a:endParaRPr lang="en-GB"/>
           </a:p>
@@ -2102,7 +2107,7 @@
           <a:p>
             <a:fld id="{4F523166-D0D9-4475-8C7F-810DD22D5DC3}" type="datetimeFigureOut">
               <a:rPr lang="en-GB" smtClean="0"/>
-              <a:t>08/03/2022</a:t>
+              <a:t>15/03/2022</a:t>
             </a:fld>
             <a:endParaRPr lang="en-GB"/>
           </a:p>
@@ -2355,7 +2360,7 @@
           <a:p>
             <a:fld id="{4F523166-D0D9-4475-8C7F-810DD22D5DC3}" type="datetimeFigureOut">
               <a:rPr lang="en-GB" smtClean="0"/>
-              <a:t>08/03/2022</a:t>
+              <a:t>15/03/2022</a:t>
             </a:fld>
             <a:endParaRPr lang="en-GB"/>
           </a:p>
@@ -2568,7 +2573,7 @@
           <a:p>
             <a:fld id="{4F523166-D0D9-4475-8C7F-810DD22D5DC3}" type="datetimeFigureOut">
               <a:rPr lang="en-GB" smtClean="0"/>
-              <a:t>08/03/2022</a:t>
+              <a:t>15/03/2022</a:t>
             </a:fld>
             <a:endParaRPr lang="en-GB"/>
           </a:p>
@@ -3300,13 +3305,6 @@
                 </a:rPr>
                 <a:t>/</a:t>
               </a:r>
-              <a:endParaRPr lang="en-GB" sz="2800" dirty="0">
-                <a:solidFill>
-                  <a:srgbClr val="FF0066"/>
-                </a:solidFill>
-                <a:latin typeface="Arial" panose="020B0604020202020204" pitchFamily="34" charset="0"/>
-                <a:cs typeface="Arial" panose="020B0604020202020204" pitchFamily="34" charset="0"/>
-              </a:endParaRPr>
             </a:p>
           </p:txBody>
         </p:sp>
@@ -3328,6 +3326,36 @@
       </p:par>
     </p:tnLst>
   </p:timing>
+</p:sld>
+</file>
+
+<file path=ppt/slides/slide10.xml><?xml version="1.0" encoding="utf-8"?>
+<p:sld xmlns:a="http://schemas.openxmlformats.org/drawingml/2006/main" xmlns:r="http://schemas.openxmlformats.org/officeDocument/2006/relationships" xmlns:p="http://schemas.openxmlformats.org/presentationml/2006/main">
+  <p:cSld>
+    <p:spTree>
+      <p:nvGrpSpPr>
+        <p:cNvPr id="1" name=""/>
+        <p:cNvGrpSpPr/>
+        <p:nvPr/>
+      </p:nvGrpSpPr>
+      <p:grpSpPr>
+        <a:xfrm>
+          <a:off x="0" y="0"/>
+          <a:ext cx="0" cy="0"/>
+          <a:chOff x="0" y="0"/>
+          <a:chExt cx="0" cy="0"/>
+        </a:xfrm>
+      </p:grpSpPr>
+    </p:spTree>
+    <p:extLst>
+      <p:ext uri="{BB962C8B-B14F-4D97-AF65-F5344CB8AC3E}">
+        <p14:creationId xmlns:p14="http://schemas.microsoft.com/office/powerpoint/2010/main" val="3268377855"/>
+      </p:ext>
+    </p:extLst>
+  </p:cSld>
+  <p:clrMapOvr>
+    <a:masterClrMapping/>
+  </p:clrMapOvr>
 </p:sld>
 </file>
 
@@ -3404,7 +3432,7 @@
             <a:lstStyle/>
             <a:p>
               <a:pPr algn="ctr"/>
-              <a:endParaRPr lang="en-GB"/>
+              <a:endParaRPr lang="en-GB" sz="2000"/>
             </a:p>
           </p:txBody>
         </p:sp>
@@ -3417,7 +3445,7 @@
           <p:spPr>
             <a:xfrm>
               <a:off x="2252748" y="753968"/>
-              <a:ext cx="1210588" cy="400110"/>
+              <a:ext cx="1848231" cy="461665"/>
             </a:xfrm>
             <a:prstGeom prst="rect">
               <a:avLst/>
@@ -3431,13 +3459,13 @@
             <a:lstStyle/>
             <a:p>
               <a:r>
-                <a:rPr lang="en-GB" sz="2000" dirty="0" smtClean="0">
+                <a:rPr lang="en-GB" sz="2400" dirty="0" smtClean="0">
                   <a:latin typeface="Arial" panose="020B0604020202020204" pitchFamily="34" charset="0"/>
                   <a:cs typeface="Arial" panose="020B0604020202020204" pitchFamily="34" charset="0"/>
                 </a:rPr>
                 <a:t>concepts</a:t>
               </a:r>
-              <a:endParaRPr lang="en-GB" sz="2000" dirty="0">
+              <a:endParaRPr lang="en-GB" sz="2400" dirty="0">
                 <a:latin typeface="Arial" panose="020B0604020202020204" pitchFamily="34" charset="0"/>
                 <a:cs typeface="Arial" panose="020B0604020202020204" pitchFamily="34" charset="0"/>
               </a:endParaRPr>
@@ -3454,9 +3482,9 @@
         <p:grpSpPr>
           <a:xfrm>
             <a:off x="3135086" y="2855167"/>
-            <a:ext cx="5775649" cy="3541222"/>
+            <a:ext cx="5775649" cy="3602777"/>
             <a:chOff x="2252748" y="3200400"/>
-            <a:chExt cx="7531333" cy="3541222"/>
+            <a:chExt cx="7531333" cy="3602777"/>
           </a:xfrm>
         </p:grpSpPr>
         <p:sp>
@@ -3501,7 +3529,7 @@
             <a:lstStyle/>
             <a:p>
               <a:pPr algn="ctr"/>
-              <a:endParaRPr lang="en-GB"/>
+              <a:endParaRPr lang="en-GB" sz="2000"/>
             </a:p>
           </p:txBody>
         </p:sp>
@@ -3514,7 +3542,7 @@
           <p:spPr>
             <a:xfrm>
               <a:off x="2252748" y="6341512"/>
-              <a:ext cx="1465467" cy="400110"/>
+              <a:ext cx="2249564" cy="461665"/>
             </a:xfrm>
             <a:prstGeom prst="rect">
               <a:avLst/>
@@ -3528,13 +3556,13 @@
             <a:lstStyle/>
             <a:p>
               <a:r>
-                <a:rPr lang="en-GB" sz="2000" dirty="0" smtClean="0">
+                <a:rPr lang="en-GB" sz="2400" dirty="0" smtClean="0">
                   <a:latin typeface="Arial" panose="020B0604020202020204" pitchFamily="34" charset="0"/>
                   <a:cs typeface="Arial" panose="020B0604020202020204" pitchFamily="34" charset="0"/>
                 </a:rPr>
                 <a:t>word-forms</a:t>
               </a:r>
-              <a:endParaRPr lang="en-GB" sz="2000" dirty="0">
+              <a:endParaRPr lang="en-GB" sz="2400" dirty="0">
                 <a:latin typeface="Arial" panose="020B0604020202020204" pitchFamily="34" charset="0"/>
                 <a:cs typeface="Arial" panose="020B0604020202020204" pitchFamily="34" charset="0"/>
               </a:endParaRPr>
@@ -3550,8 +3578,8 @@
         </p:nvSpPr>
         <p:spPr>
           <a:xfrm>
-            <a:off x="6707875" y="1179351"/>
-            <a:ext cx="1849271" cy="338554"/>
+            <a:off x="6439877" y="952030"/>
+            <a:ext cx="2051201" cy="369332"/>
           </a:xfrm>
           <a:prstGeom prst="rect">
             <a:avLst/>
@@ -3565,20 +3593,13 @@
           <a:lstStyle/>
           <a:p>
             <a:r>
-              <a:rPr lang="es-ES" sz="1600" dirty="0" smtClean="0">
+              <a:rPr lang="es-ES" dirty="0" smtClean="0">
                 <a:latin typeface="Arial" panose="020B0604020202020204" pitchFamily="34" charset="0"/>
                 <a:cs typeface="Arial" panose="020B0604020202020204" pitchFamily="34" charset="0"/>
               </a:rPr>
-              <a:t>Conceptual </a:t>
+              <a:t>Conceptual route</a:t>
             </a:r>
-            <a:r>
-              <a:rPr lang="es-ES" sz="1600" dirty="0" err="1" smtClean="0">
-                <a:latin typeface="Arial" panose="020B0604020202020204" pitchFamily="34" charset="0"/>
-                <a:cs typeface="Arial" panose="020B0604020202020204" pitchFamily="34" charset="0"/>
-              </a:rPr>
-              <a:t>route</a:t>
-            </a:r>
-            <a:endParaRPr lang="en-GB" sz="1600" dirty="0">
+            <a:endParaRPr lang="en-GB" dirty="0">
               <a:latin typeface="Arial" panose="020B0604020202020204" pitchFamily="34" charset="0"/>
               <a:cs typeface="Arial" panose="020B0604020202020204" pitchFamily="34" charset="0"/>
             </a:endParaRPr>
@@ -3623,9 +3644,9 @@
         <p:grpSpPr>
           <a:xfrm>
             <a:off x="3614434" y="1664863"/>
-            <a:ext cx="4709932" cy="2195101"/>
+            <a:ext cx="4876644" cy="2256656"/>
             <a:chOff x="3614434" y="1664863"/>
-            <a:chExt cx="4709932" cy="2195101"/>
+            <a:chExt cx="4876644" cy="2256656"/>
           </a:xfrm>
         </p:grpSpPr>
         <p:cxnSp>
@@ -3640,12 +3661,12 @@
           <p:spPr>
             <a:xfrm>
               <a:off x="6439877" y="1664863"/>
-              <a:ext cx="1192633" cy="1671881"/>
+              <a:ext cx="1275989" cy="1671881"/>
             </a:xfrm>
             <a:prstGeom prst="bentConnector2">
               <a:avLst/>
             </a:prstGeom>
-            <a:ln w="38100">
+            <a:ln w="76200">
               <a:solidFill>
                 <a:srgbClr val="3399FF"/>
               </a:solidFill>
@@ -3676,7 +3697,7 @@
           <p:spPr>
             <a:xfrm>
               <a:off x="6940654" y="3336744"/>
-              <a:ext cx="1383712" cy="523220"/>
+              <a:ext cx="1550424" cy="584775"/>
             </a:xfrm>
             <a:prstGeom prst="rect">
               <a:avLst/>
@@ -3690,42 +3711,15 @@
             <a:lstStyle/>
             <a:p>
               <a:r>
-                <a:rPr lang="en-GB" sz="2800" dirty="0">
+                <a:rPr lang="en-GB" sz="3200" dirty="0">
                   <a:solidFill>
                     <a:srgbClr val="3399FF"/>
                   </a:solidFill>
                   <a:latin typeface="Arial" panose="020B0604020202020204" pitchFamily="34" charset="0"/>
                   <a:cs typeface="Arial" panose="020B0604020202020204" pitchFamily="34" charset="0"/>
                 </a:rPr>
-                <a:t>/ˈ</a:t>
+                <a:t>/ˈbɒ.təl/</a:t>
               </a:r>
-              <a:r>
-                <a:rPr lang="en-GB" sz="2800" dirty="0" err="1">
-                  <a:solidFill>
-                    <a:srgbClr val="3399FF"/>
-                  </a:solidFill>
-                  <a:latin typeface="Arial" panose="020B0604020202020204" pitchFamily="34" charset="0"/>
-                  <a:cs typeface="Arial" panose="020B0604020202020204" pitchFamily="34" charset="0"/>
-                </a:rPr>
-                <a:t>bɒ.təl</a:t>
-              </a:r>
-              <a:r>
-                <a:rPr lang="en-GB" sz="2800" dirty="0">
-                  <a:solidFill>
-                    <a:srgbClr val="3399FF"/>
-                  </a:solidFill>
-                  <a:latin typeface="Arial" panose="020B0604020202020204" pitchFamily="34" charset="0"/>
-                  <a:cs typeface="Arial" panose="020B0604020202020204" pitchFamily="34" charset="0"/>
-                </a:rPr>
-                <a:t>/</a:t>
-              </a:r>
-              <a:endParaRPr lang="en-GB" sz="2800" dirty="0">
-                <a:solidFill>
-                  <a:srgbClr val="3399FF"/>
-                </a:solidFill>
-                <a:latin typeface="Arial" panose="020B0604020202020204" pitchFamily="34" charset="0"/>
-                <a:cs typeface="Arial" panose="020B0604020202020204" pitchFamily="34" charset="0"/>
-              </a:endParaRPr>
             </a:p>
           </p:txBody>
         </p:sp>
@@ -3740,13 +3734,13 @@
           </p:nvCxnSpPr>
           <p:spPr>
             <a:xfrm rot="5400000" flipH="1" flipV="1">
-              <a:off x="4167712" y="1885195"/>
-              <a:ext cx="1671881" cy="1231219"/>
+              <a:off x="4215001" y="1932484"/>
+              <a:ext cx="1671881" cy="1136641"/>
             </a:xfrm>
             <a:prstGeom prst="bentConnector2">
               <a:avLst/>
             </a:prstGeom>
-            <a:ln w="38100">
+            <a:ln w="76200">
               <a:solidFill>
                 <a:srgbClr val="FF0066"/>
               </a:solidFill>
@@ -3777,7 +3771,7 @@
           <p:spPr>
             <a:xfrm>
               <a:off x="3614434" y="3336744"/>
-              <a:ext cx="1547218" cy="523220"/>
+              <a:ext cx="1736373" cy="584775"/>
             </a:xfrm>
             <a:prstGeom prst="rect">
               <a:avLst/>
@@ -3791,42 +3785,15 @@
             <a:lstStyle/>
             <a:p>
               <a:r>
-                <a:rPr lang="en-GB" sz="2800" dirty="0">
+                <a:rPr lang="en-GB" sz="3200" dirty="0">
                   <a:solidFill>
                     <a:srgbClr val="FF0066"/>
                   </a:solidFill>
                   <a:latin typeface="Arial" panose="020B0604020202020204" pitchFamily="34" charset="0"/>
                   <a:cs typeface="Arial" panose="020B0604020202020204" pitchFamily="34" charset="0"/>
                 </a:rPr>
-                <a:t>/</a:t>
+                <a:t>/boˈteʝa/</a:t>
               </a:r>
-              <a:r>
-                <a:rPr lang="en-GB" sz="2800" dirty="0" err="1">
-                  <a:solidFill>
-                    <a:srgbClr val="FF0066"/>
-                  </a:solidFill>
-                  <a:latin typeface="Arial" panose="020B0604020202020204" pitchFamily="34" charset="0"/>
-                  <a:cs typeface="Arial" panose="020B0604020202020204" pitchFamily="34" charset="0"/>
-                </a:rPr>
-                <a:t>boˈteʝa</a:t>
-              </a:r>
-              <a:r>
-                <a:rPr lang="en-GB" sz="2800" dirty="0">
-                  <a:solidFill>
-                    <a:srgbClr val="FF0066"/>
-                  </a:solidFill>
-                  <a:latin typeface="Arial" panose="020B0604020202020204" pitchFamily="34" charset="0"/>
-                  <a:cs typeface="Arial" panose="020B0604020202020204" pitchFamily="34" charset="0"/>
-                </a:rPr>
-                <a:t>/</a:t>
-              </a:r>
-              <a:endParaRPr lang="en-GB" sz="2800" dirty="0">
-                <a:solidFill>
-                  <a:srgbClr val="FF0066"/>
-                </a:solidFill>
-                <a:latin typeface="Arial" panose="020B0604020202020204" pitchFamily="34" charset="0"/>
-                <a:cs typeface="Arial" panose="020B0604020202020204" pitchFamily="34" charset="0"/>
-              </a:endParaRPr>
             </a:p>
           </p:txBody>
         </p:sp>
@@ -4089,14 +4056,7 @@
                 <a:latin typeface="Arial" panose="020B0604020202020204" pitchFamily="34" charset="0"/>
                 <a:cs typeface="Arial" panose="020B0604020202020204" pitchFamily="34" charset="0"/>
               </a:rPr>
-              <a:t>Conceptual </a:t>
-            </a:r>
-            <a:r>
-              <a:rPr lang="es-ES" sz="1600" dirty="0" err="1" smtClean="0">
-                <a:latin typeface="Arial" panose="020B0604020202020204" pitchFamily="34" charset="0"/>
-                <a:cs typeface="Arial" panose="020B0604020202020204" pitchFamily="34" charset="0"/>
-              </a:rPr>
-              <a:t>route</a:t>
+              <a:t>Conceptual route</a:t>
             </a:r>
             <a:endParaRPr lang="en-GB" sz="1600" dirty="0">
               <a:latin typeface="Arial" panose="020B0604020202020204" pitchFamily="34" charset="0"/>
@@ -4165,7 +4125,7 @@
             <a:prstGeom prst="bentConnector2">
               <a:avLst/>
             </a:prstGeom>
-            <a:ln w="38100">
+            <a:ln w="57150">
               <a:solidFill>
                 <a:srgbClr val="3399FF"/>
               </a:solidFill>
@@ -4217,35 +4177,8 @@
                   <a:latin typeface="Arial" panose="020B0604020202020204" pitchFamily="34" charset="0"/>
                   <a:cs typeface="Arial" panose="020B0604020202020204" pitchFamily="34" charset="0"/>
                 </a:rPr>
-                <a:t>/ˈ</a:t>
+                <a:t>/ˈbɒ.təl/</a:t>
               </a:r>
-              <a:r>
-                <a:rPr lang="en-GB" sz="2800" dirty="0" err="1">
-                  <a:solidFill>
-                    <a:srgbClr val="3399FF"/>
-                  </a:solidFill>
-                  <a:latin typeface="Arial" panose="020B0604020202020204" pitchFamily="34" charset="0"/>
-                  <a:cs typeface="Arial" panose="020B0604020202020204" pitchFamily="34" charset="0"/>
-                </a:rPr>
-                <a:t>bɒ.təl</a:t>
-              </a:r>
-              <a:r>
-                <a:rPr lang="en-GB" sz="2800" dirty="0">
-                  <a:solidFill>
-                    <a:srgbClr val="3399FF"/>
-                  </a:solidFill>
-                  <a:latin typeface="Arial" panose="020B0604020202020204" pitchFamily="34" charset="0"/>
-                  <a:cs typeface="Arial" panose="020B0604020202020204" pitchFamily="34" charset="0"/>
-                </a:rPr>
-                <a:t>/</a:t>
-              </a:r>
-              <a:endParaRPr lang="en-GB" sz="2800" dirty="0">
-                <a:solidFill>
-                  <a:srgbClr val="3399FF"/>
-                </a:solidFill>
-                <a:latin typeface="Arial" panose="020B0604020202020204" pitchFamily="34" charset="0"/>
-                <a:cs typeface="Arial" panose="020B0604020202020204" pitchFamily="34" charset="0"/>
-              </a:endParaRPr>
             </a:p>
           </p:txBody>
         </p:sp>
@@ -4266,7 +4199,7 @@
             <a:prstGeom prst="bentConnector2">
               <a:avLst/>
             </a:prstGeom>
-            <a:ln w="38100">
+            <a:ln w="57150">
               <a:solidFill>
                 <a:srgbClr val="FF0066"/>
               </a:solidFill>
@@ -4340,13 +4273,6 @@
                 </a:rPr>
                 <a:t>/</a:t>
               </a:r>
-              <a:endParaRPr lang="en-GB" sz="2800" dirty="0">
-                <a:solidFill>
-                  <a:srgbClr val="FF0066"/>
-                </a:solidFill>
-                <a:latin typeface="Arial" panose="020B0604020202020204" pitchFamily="34" charset="0"/>
-                <a:cs typeface="Arial" panose="020B0604020202020204" pitchFamily="34" charset="0"/>
-              </a:endParaRPr>
             </a:p>
           </p:txBody>
         </p:sp>
@@ -4444,7 +4370,7 @@
             <a:lstStyle/>
             <a:p>
               <a:pPr algn="ctr"/>
-              <a:endParaRPr lang="en-GB"/>
+              <a:endParaRPr lang="en-GB" sz="2000"/>
             </a:p>
           </p:txBody>
         </p:sp>
@@ -4457,7 +4383,7 @@
           <p:spPr>
             <a:xfrm>
               <a:off x="2252748" y="753968"/>
-              <a:ext cx="1210588" cy="400110"/>
+              <a:ext cx="1848231" cy="461665"/>
             </a:xfrm>
             <a:prstGeom prst="rect">
               <a:avLst/>
@@ -4471,13 +4397,13 @@
             <a:lstStyle/>
             <a:p>
               <a:r>
-                <a:rPr lang="en-GB" sz="2000" dirty="0" smtClean="0">
+                <a:rPr lang="en-GB" sz="2400" dirty="0" smtClean="0">
                   <a:latin typeface="Arial" panose="020B0604020202020204" pitchFamily="34" charset="0"/>
                   <a:cs typeface="Arial" panose="020B0604020202020204" pitchFamily="34" charset="0"/>
                 </a:rPr>
                 <a:t>concepts</a:t>
               </a:r>
-              <a:endParaRPr lang="en-GB" sz="2000" dirty="0">
+              <a:endParaRPr lang="en-GB" sz="2400" dirty="0">
                 <a:latin typeface="Arial" panose="020B0604020202020204" pitchFamily="34" charset="0"/>
                 <a:cs typeface="Arial" panose="020B0604020202020204" pitchFamily="34" charset="0"/>
               </a:endParaRPr>
@@ -4494,9 +4420,9 @@
         <p:grpSpPr>
           <a:xfrm>
             <a:off x="3135086" y="2855167"/>
-            <a:ext cx="5775649" cy="3541222"/>
+            <a:ext cx="5775649" cy="3602777"/>
             <a:chOff x="2252748" y="3200400"/>
-            <a:chExt cx="7531333" cy="3541222"/>
+            <a:chExt cx="7531333" cy="3602777"/>
           </a:xfrm>
         </p:grpSpPr>
         <p:sp>
@@ -4541,7 +4467,7 @@
             <a:lstStyle/>
             <a:p>
               <a:pPr algn="ctr"/>
-              <a:endParaRPr lang="en-GB"/>
+              <a:endParaRPr lang="en-GB" sz="2000"/>
             </a:p>
           </p:txBody>
         </p:sp>
@@ -4554,7 +4480,7 @@
           <p:spPr>
             <a:xfrm>
               <a:off x="2252748" y="6341512"/>
-              <a:ext cx="1465466" cy="400110"/>
+              <a:ext cx="2249564" cy="461665"/>
             </a:xfrm>
             <a:prstGeom prst="rect">
               <a:avLst/>
@@ -4568,13 +4494,13 @@
             <a:lstStyle/>
             <a:p>
               <a:r>
-                <a:rPr lang="en-GB" sz="2000" dirty="0" smtClean="0">
+                <a:rPr lang="en-GB" sz="2400" dirty="0" smtClean="0">
                   <a:latin typeface="Arial" panose="020B0604020202020204" pitchFamily="34" charset="0"/>
                   <a:cs typeface="Arial" panose="020B0604020202020204" pitchFamily="34" charset="0"/>
                 </a:rPr>
                 <a:t>word-forms</a:t>
               </a:r>
-              <a:endParaRPr lang="en-GB" sz="2000" dirty="0">
+              <a:endParaRPr lang="en-GB" sz="2400" dirty="0">
                 <a:latin typeface="Arial" panose="020B0604020202020204" pitchFamily="34" charset="0"/>
                 <a:cs typeface="Arial" panose="020B0604020202020204" pitchFamily="34" charset="0"/>
               </a:endParaRPr>
@@ -4611,50 +4537,6 @@
           </a:prstGeom>
         </p:spPr>
       </p:pic>
-      <p:sp>
-        <p:nvSpPr>
-          <p:cNvPr id="95" name="CuadroTexto 94"/>
-          <p:cNvSpPr txBox="1"/>
-          <p:nvPr/>
-        </p:nvSpPr>
-        <p:spPr>
-          <a:xfrm>
-            <a:off x="5182127" y="3117499"/>
-            <a:ext cx="1694883" cy="338554"/>
-          </a:xfrm>
-          <a:prstGeom prst="rect">
-            <a:avLst/>
-          </a:prstGeom>
-          <a:noFill/>
-        </p:spPr>
-        <p:txBody>
-          <a:bodyPr wrap="square" rtlCol="0">
-            <a:spAutoFit/>
-          </a:bodyPr>
-          <a:lstStyle/>
-          <a:p>
-            <a:pPr algn="ctr"/>
-            <a:r>
-              <a:rPr lang="es-ES" sz="1600" dirty="0" smtClean="0">
-                <a:latin typeface="Arial" panose="020B0604020202020204" pitchFamily="34" charset="0"/>
-                <a:cs typeface="Arial" panose="020B0604020202020204" pitchFamily="34" charset="0"/>
-              </a:rPr>
-              <a:t>Lexical </a:t>
-            </a:r>
-            <a:r>
-              <a:rPr lang="es-ES" sz="1600" dirty="0" err="1" smtClean="0">
-                <a:latin typeface="Arial" panose="020B0604020202020204" pitchFamily="34" charset="0"/>
-                <a:cs typeface="Arial" panose="020B0604020202020204" pitchFamily="34" charset="0"/>
-              </a:rPr>
-              <a:t>route</a:t>
-            </a:r>
-            <a:endParaRPr lang="en-GB" sz="1600" dirty="0">
-              <a:latin typeface="Arial" panose="020B0604020202020204" pitchFamily="34" charset="0"/>
-              <a:cs typeface="Arial" panose="020B0604020202020204" pitchFamily="34" charset="0"/>
-            </a:endParaRPr>
-          </a:p>
-        </p:txBody>
-      </p:sp>
       <p:grpSp>
         <p:nvGrpSpPr>
           <p:cNvPr id="96" name="Grupo 95"/>
@@ -4663,10 +4545,10 @@
         </p:nvGrpSpPr>
         <p:grpSpPr>
           <a:xfrm>
-            <a:off x="5153325" y="4165415"/>
-            <a:ext cx="2171950" cy="2113496"/>
-            <a:chOff x="4948052" y="3676859"/>
-            <a:chExt cx="2171950" cy="2621880"/>
+            <a:off x="5179264" y="3985712"/>
+            <a:ext cx="2146011" cy="2432338"/>
+            <a:chOff x="4973991" y="3676859"/>
+            <a:chExt cx="2146011" cy="2794486"/>
           </a:xfrm>
         </p:grpSpPr>
         <p:grpSp>
@@ -4677,10 +4559,10 @@
           </p:nvGrpSpPr>
           <p:grpSpPr>
             <a:xfrm>
-              <a:off x="4948052" y="3676859"/>
-              <a:ext cx="2171950" cy="2621880"/>
-              <a:chOff x="4948052" y="3676859"/>
-              <a:chExt cx="2171950" cy="2621880"/>
+              <a:off x="4973991" y="3676859"/>
+              <a:ext cx="2146011" cy="2794486"/>
+              <a:chOff x="4973991" y="3676859"/>
+              <a:chExt cx="2146011" cy="2794486"/>
             </a:xfrm>
           </p:grpSpPr>
           <p:sp>
@@ -4737,7 +4619,7 @@
               <a:lstStyle/>
               <a:p>
                 <a:pPr algn="ctr"/>
-                <a:endParaRPr lang="en-GB"/>
+                <a:endParaRPr lang="en-GB" sz="2000"/>
               </a:p>
             </p:txBody>
           </p:sp>
@@ -4749,10 +4631,10 @@
             </p:nvGrpSpPr>
             <p:grpSpPr>
               <a:xfrm>
-                <a:off x="4948052" y="3676859"/>
-                <a:ext cx="2171950" cy="2621880"/>
-                <a:chOff x="4589008" y="4119742"/>
-                <a:chExt cx="2171950" cy="2621880"/>
+                <a:off x="4973991" y="3676859"/>
+                <a:ext cx="2146011" cy="2794486"/>
+                <a:chOff x="4614947" y="4119742"/>
+                <a:chExt cx="2146011" cy="2794486"/>
               </a:xfrm>
             </p:grpSpPr>
             <p:grpSp>
@@ -4764,9 +4646,9 @@
               <p:grpSpPr>
                 <a:xfrm>
                   <a:off x="4682357" y="4119742"/>
-                  <a:ext cx="2078601" cy="778216"/>
+                  <a:ext cx="2078601" cy="929381"/>
                   <a:chOff x="4682357" y="4119742"/>
-                  <a:chExt cx="2078601" cy="778216"/>
+                  <a:chExt cx="2078601" cy="929381"/>
                 </a:xfrm>
               </p:grpSpPr>
               <p:sp>
@@ -4819,7 +4701,7 @@
                   <a:lstStyle/>
                   <a:p>
                     <a:pPr algn="ctr"/>
-                    <a:endParaRPr lang="en-GB"/>
+                    <a:endParaRPr lang="en-GB" sz="2000"/>
                   </a:p>
                 </p:txBody>
               </p:sp>
@@ -4831,8 +4713,8 @@
                 </p:nvSpPr>
                 <p:spPr>
                   <a:xfrm>
-                    <a:off x="4894343" y="4119742"/>
-                    <a:ext cx="327334" cy="400111"/>
+                    <a:off x="4879916" y="4119742"/>
+                    <a:ext cx="356188" cy="572715"/>
                   </a:xfrm>
                   <a:prstGeom prst="rect">
                     <a:avLst/>
@@ -4847,13 +4729,13 @@
                   <a:p>
                     <a:pPr algn="ctr"/>
                     <a:r>
-                      <a:rPr lang="es-ES" sz="2000" dirty="0">
+                      <a:rPr lang="es-ES" sz="2400" dirty="0">
                         <a:latin typeface="Arial" panose="020B0604020202020204" pitchFamily="34" charset="0"/>
                         <a:cs typeface="Arial" panose="020B0604020202020204" pitchFamily="34" charset="0"/>
                       </a:rPr>
                       <a:t>b</a:t>
                     </a:r>
-                    <a:endParaRPr lang="en-GB" sz="2000" dirty="0">
+                    <a:endParaRPr lang="en-GB" sz="2400" dirty="0">
                       <a:latin typeface="Arial" panose="020B0604020202020204" pitchFamily="34" charset="0"/>
                       <a:cs typeface="Arial" panose="020B0604020202020204" pitchFamily="34" charset="0"/>
                     </a:endParaRPr>
@@ -4868,8 +4750,8 @@
                 </p:nvSpPr>
                 <p:spPr>
                   <a:xfrm>
-                    <a:off x="6127413" y="4497848"/>
-                    <a:ext cx="327334" cy="400110"/>
+                    <a:off x="6112986" y="4476408"/>
+                    <a:ext cx="356188" cy="572715"/>
                   </a:xfrm>
                   <a:prstGeom prst="rect">
                     <a:avLst/>
@@ -4884,13 +4766,13 @@
                   <a:p>
                     <a:pPr algn="ctr"/>
                     <a:r>
-                      <a:rPr lang="es-ES" sz="2000" dirty="0" smtClean="0">
+                      <a:rPr lang="es-ES" sz="2400" dirty="0" smtClean="0">
                         <a:latin typeface="Arial" panose="020B0604020202020204" pitchFamily="34" charset="0"/>
                         <a:cs typeface="Arial" panose="020B0604020202020204" pitchFamily="34" charset="0"/>
                       </a:rPr>
                       <a:t>b</a:t>
                     </a:r>
-                    <a:endParaRPr lang="en-GB" sz="2000" dirty="0">
+                    <a:endParaRPr lang="en-GB" sz="2400" dirty="0">
                       <a:latin typeface="Arial" panose="020B0604020202020204" pitchFamily="34" charset="0"/>
                       <a:cs typeface="Arial" panose="020B0604020202020204" pitchFamily="34" charset="0"/>
                     </a:endParaRPr>
@@ -4906,10 +4788,10 @@
               </p:nvGrpSpPr>
               <p:grpSpPr>
                 <a:xfrm>
-                  <a:off x="4654773" y="4429438"/>
-                  <a:ext cx="2104540" cy="784532"/>
-                  <a:chOff x="7439143" y="4289861"/>
-                  <a:chExt cx="2104540" cy="784532"/>
+                  <a:off x="4644338" y="4429438"/>
+                  <a:ext cx="2078601" cy="903533"/>
+                  <a:chOff x="7428708" y="4289861"/>
+                  <a:chExt cx="2078601" cy="903533"/>
                 </a:xfrm>
               </p:grpSpPr>
               <p:sp>
@@ -4920,7 +4802,7 @@
                 </p:nvSpPr>
                 <p:spPr>
                   <a:xfrm rot="732889">
-                    <a:off x="7465082" y="4523792"/>
+                    <a:off x="7428708" y="4557199"/>
                     <a:ext cx="2078601" cy="418515"/>
                   </a:xfrm>
                   <a:prstGeom prst="ellipse">
@@ -4966,65 +4848,7 @@
                   <a:lstStyle/>
                   <a:p>
                     <a:pPr algn="ctr"/>
-                    <a:endParaRPr lang="en-GB"/>
-                  </a:p>
-                </p:txBody>
-              </p:sp>
-              <p:sp>
-                <p:nvSpPr>
-                  <p:cNvPr id="119" name="Elipse 118"/>
-                  <p:cNvSpPr/>
-                  <p:nvPr/>
-                </p:nvSpPr>
-                <p:spPr>
-                  <a:xfrm rot="732889">
-                    <a:off x="7439143" y="4526261"/>
-                    <a:ext cx="2078601" cy="418515"/>
-                  </a:xfrm>
-                  <a:prstGeom prst="ellipse">
-                    <a:avLst/>
-                  </a:prstGeom>
-                  <a:gradFill>
-                    <a:gsLst>
-                      <a:gs pos="0">
-                        <a:srgbClr val="FF0066">
-                          <a:alpha val="0"/>
-                        </a:srgbClr>
-                      </a:gs>
-                      <a:gs pos="100000">
-                        <a:srgbClr val="3399FF">
-                          <a:alpha val="47000"/>
-                        </a:srgbClr>
-                      </a:gs>
-                    </a:gsLst>
-                    <a:lin ang="0" scaled="1"/>
-                  </a:gradFill>
-                  <a:ln>
-                    <a:noFill/>
-                  </a:ln>
-                </p:spPr>
-                <p:style>
-                  <a:lnRef idx="2">
-                    <a:schemeClr val="accent1">
-                      <a:shade val="50000"/>
-                    </a:schemeClr>
-                  </a:lnRef>
-                  <a:fillRef idx="1">
-                    <a:schemeClr val="accent1"/>
-                  </a:fillRef>
-                  <a:effectRef idx="0">
-                    <a:schemeClr val="accent1"/>
-                  </a:effectRef>
-                  <a:fontRef idx="minor">
-                    <a:schemeClr val="lt1"/>
-                  </a:fontRef>
-                </p:style>
-                <p:txBody>
-                  <a:bodyPr rtlCol="0" anchor="ctr"/>
-                  <a:lstStyle/>
-                  <a:p>
-                    <a:pPr algn="ctr"/>
-                    <a:endParaRPr lang="en-GB"/>
+                    <a:endParaRPr lang="en-GB" sz="2000"/>
                   </a:p>
                 </p:txBody>
               </p:sp>
@@ -5036,8 +4860,8 @@
                 </p:nvSpPr>
                 <p:spPr>
                   <a:xfrm>
-                    <a:off x="7678713" y="4289861"/>
-                    <a:ext cx="327334" cy="400111"/>
+                    <a:off x="7664286" y="4289861"/>
+                    <a:ext cx="356188" cy="572715"/>
                   </a:xfrm>
                   <a:prstGeom prst="rect">
                     <a:avLst/>
@@ -5052,13 +4876,13 @@
                   <a:p>
                     <a:pPr algn="ctr"/>
                     <a:r>
-                      <a:rPr lang="en-GB" sz="2000" dirty="0" smtClean="0">
+                      <a:rPr lang="en-GB" sz="2400" dirty="0" smtClean="0">
                         <a:latin typeface="Arial" panose="020B0604020202020204" pitchFamily="34" charset="0"/>
                         <a:cs typeface="Arial" panose="020B0604020202020204" pitchFamily="34" charset="0"/>
                       </a:rPr>
                       <a:t>o</a:t>
                     </a:r>
-                    <a:endParaRPr lang="en-GB" sz="2000" dirty="0">
+                    <a:endParaRPr lang="en-GB" sz="2400" dirty="0">
                       <a:latin typeface="Arial" panose="020B0604020202020204" pitchFamily="34" charset="0"/>
                       <a:cs typeface="Arial" panose="020B0604020202020204" pitchFamily="34" charset="0"/>
                     </a:endParaRPr>
@@ -5073,8 +4897,8 @@
                 </p:nvSpPr>
                 <p:spPr>
                   <a:xfrm>
-                    <a:off x="8921030" y="4674283"/>
-                    <a:ext cx="327334" cy="400110"/>
+                    <a:off x="8906603" y="4620680"/>
+                    <a:ext cx="356188" cy="572714"/>
                   </a:xfrm>
                   <a:prstGeom prst="rect">
                     <a:avLst/>
@@ -5089,16 +4913,12 @@
                   <a:p>
                     <a:pPr algn="ctr"/>
                     <a:r>
-                      <a:rPr lang="en-GB" sz="2000" dirty="0">
+                      <a:rPr lang="en-GB" sz="2400" dirty="0">
                         <a:latin typeface="Arial" panose="020B0604020202020204" pitchFamily="34" charset="0"/>
                         <a:cs typeface="Arial" panose="020B0604020202020204" pitchFamily="34" charset="0"/>
                       </a:rPr>
                       <a:t>ɒ</a:t>
                     </a:r>
-                    <a:endParaRPr lang="en-GB" sz="2000" dirty="0">
-                      <a:latin typeface="Arial" panose="020B0604020202020204" pitchFamily="34" charset="0"/>
-                      <a:cs typeface="Arial" panose="020B0604020202020204" pitchFamily="34" charset="0"/>
-                    </a:endParaRPr>
                   </a:p>
                 </p:txBody>
               </p:sp>
@@ -5111,10 +4931,10 @@
               </p:nvGrpSpPr>
               <p:grpSpPr>
                 <a:xfrm>
-                  <a:off x="4589008" y="4929343"/>
-                  <a:ext cx="2104540" cy="603810"/>
-                  <a:chOff x="4667794" y="4931287"/>
-                  <a:chExt cx="2104540" cy="603810"/>
+                  <a:off x="4614947" y="4929343"/>
+                  <a:ext cx="2078601" cy="776414"/>
+                  <a:chOff x="4693733" y="4931287"/>
+                  <a:chExt cx="2078601" cy="776414"/>
                 </a:xfrm>
               </p:grpSpPr>
               <p:sp>
@@ -5125,7 +4945,7 @@
                 </p:nvSpPr>
                 <p:spPr>
                   <a:xfrm rot="465407">
-                    <a:off x="4693733" y="5046957"/>
+                    <a:off x="4693733" y="5089838"/>
                     <a:ext cx="2078601" cy="418515"/>
                   </a:xfrm>
                   <a:prstGeom prst="ellipse">
@@ -5167,61 +4987,7 @@
                   <a:lstStyle/>
                   <a:p>
                     <a:pPr algn="ctr"/>
-                    <a:endParaRPr lang="en-GB"/>
-                  </a:p>
-                </p:txBody>
-              </p:sp>
-              <p:sp>
-                <p:nvSpPr>
-                  <p:cNvPr id="115" name="Elipse 114"/>
-                  <p:cNvSpPr/>
-                  <p:nvPr/>
-                </p:nvSpPr>
-                <p:spPr>
-                  <a:xfrm rot="465407">
-                    <a:off x="4667794" y="5049426"/>
-                    <a:ext cx="2078601" cy="418515"/>
-                  </a:xfrm>
-                  <a:prstGeom prst="ellipse">
-                    <a:avLst/>
-                  </a:prstGeom>
-                  <a:gradFill>
-                    <a:gsLst>
-                      <a:gs pos="0">
-                        <a:srgbClr val="FF0066"/>
-                      </a:gs>
-                      <a:gs pos="100000">
-                        <a:srgbClr val="3399FF"/>
-                      </a:gs>
-                    </a:gsLst>
-                    <a:lin ang="0" scaled="1"/>
-                  </a:gradFill>
-                  <a:ln>
-                    <a:noFill/>
-                  </a:ln>
-                </p:spPr>
-                <p:style>
-                  <a:lnRef idx="2">
-                    <a:schemeClr val="accent1">
-                      <a:shade val="50000"/>
-                    </a:schemeClr>
-                  </a:lnRef>
-                  <a:fillRef idx="1">
-                    <a:schemeClr val="accent1"/>
-                  </a:fillRef>
-                  <a:effectRef idx="0">
-                    <a:schemeClr val="accent1"/>
-                  </a:effectRef>
-                  <a:fontRef idx="minor">
-                    <a:schemeClr val="lt1"/>
-                  </a:fontRef>
-                </p:style>
-                <p:txBody>
-                  <a:bodyPr rtlCol="0" anchor="ctr"/>
-                  <a:lstStyle/>
-                  <a:p>
-                    <a:pPr algn="ctr"/>
-                    <a:endParaRPr lang="en-GB"/>
+                    <a:endParaRPr lang="en-GB" sz="2000"/>
                   </a:p>
                 </p:txBody>
               </p:sp>
@@ -5233,8 +4999,8 @@
                 </p:nvSpPr>
                 <p:spPr>
                   <a:xfrm>
-                    <a:off x="5005688" y="4931287"/>
-                    <a:ext cx="255198" cy="400111"/>
+                    <a:off x="4998474" y="4931287"/>
+                    <a:ext cx="269626" cy="572715"/>
                   </a:xfrm>
                   <a:prstGeom prst="rect">
                     <a:avLst/>
@@ -5249,13 +5015,13 @@
                   <a:p>
                     <a:pPr algn="ctr"/>
                     <a:r>
-                      <a:rPr lang="en-GB" sz="2000" dirty="0" smtClean="0">
+                      <a:rPr lang="en-GB" sz="2400" dirty="0" smtClean="0">
                         <a:latin typeface="Arial" panose="020B0604020202020204" pitchFamily="34" charset="0"/>
                         <a:cs typeface="Arial" panose="020B0604020202020204" pitchFamily="34" charset="0"/>
                       </a:rPr>
                       <a:t>t</a:t>
                     </a:r>
-                    <a:endParaRPr lang="en-GB" sz="2000" dirty="0">
+                    <a:endParaRPr lang="en-GB" sz="2400" dirty="0">
                       <a:latin typeface="Arial" panose="020B0604020202020204" pitchFamily="34" charset="0"/>
                       <a:cs typeface="Arial" panose="020B0604020202020204" pitchFamily="34" charset="0"/>
                     </a:endParaRPr>
@@ -5270,8 +5036,8 @@
                 </p:nvSpPr>
                 <p:spPr>
                   <a:xfrm>
-                    <a:off x="6227156" y="5134987"/>
-                    <a:ext cx="255198" cy="400110"/>
+                    <a:off x="6219942" y="5134986"/>
+                    <a:ext cx="269626" cy="572715"/>
                   </a:xfrm>
                   <a:prstGeom prst="rect">
                     <a:avLst/>
@@ -5286,13 +5052,13 @@
                   <a:p>
                     <a:pPr algn="ctr"/>
                     <a:r>
-                      <a:rPr lang="en-GB" sz="2000" dirty="0" smtClean="0">
+                      <a:rPr lang="en-GB" sz="2400" dirty="0" smtClean="0">
                         <a:latin typeface="Arial" panose="020B0604020202020204" pitchFamily="34" charset="0"/>
                         <a:cs typeface="Arial" panose="020B0604020202020204" pitchFamily="34" charset="0"/>
                       </a:rPr>
                       <a:t>t</a:t>
                     </a:r>
-                    <a:endParaRPr lang="en-GB" sz="2000" dirty="0">
+                    <a:endParaRPr lang="en-GB" sz="2400" dirty="0">
                       <a:latin typeface="Arial" panose="020B0604020202020204" pitchFamily="34" charset="0"/>
                       <a:cs typeface="Arial" panose="020B0604020202020204" pitchFamily="34" charset="0"/>
                     </a:endParaRPr>
@@ -5308,10 +5074,10 @@
               </p:nvGrpSpPr>
               <p:grpSpPr>
                 <a:xfrm>
-                  <a:off x="4601192" y="5369558"/>
-                  <a:ext cx="2104540" cy="522013"/>
-                  <a:chOff x="4652404" y="5346083"/>
-                  <a:chExt cx="2104540" cy="522013"/>
+                  <a:off x="4627131" y="5369558"/>
+                  <a:ext cx="2078601" cy="650811"/>
+                  <a:chOff x="4678343" y="5346083"/>
+                  <a:chExt cx="2078601" cy="650811"/>
                 </a:xfrm>
               </p:grpSpPr>
               <p:sp>
@@ -5368,19 +5134,1183 @@
                   <a:lstStyle/>
                   <a:p>
                     <a:pPr algn="ctr"/>
-                    <a:endParaRPr lang="en-GB"/>
+                    <a:endParaRPr lang="en-GB" sz="2000"/>
                   </a:p>
                 </p:txBody>
               </p:sp>
               <p:sp>
                 <p:nvSpPr>
-                  <p:cNvPr id="111" name="Elipse 110"/>
+                  <p:cNvPr id="112" name="CuadroTexto 111"/>
+                  <p:cNvSpPr txBox="1"/>
+                  <p:nvPr/>
+                </p:nvSpPr>
+                <p:spPr>
+                  <a:xfrm>
+                    <a:off x="4931128" y="5346083"/>
+                    <a:ext cx="356188" cy="572715"/>
+                  </a:xfrm>
+                  <a:prstGeom prst="rect">
+                    <a:avLst/>
+                  </a:prstGeom>
+                  <a:noFill/>
+                </p:spPr>
+                <p:txBody>
+                  <a:bodyPr wrap="none" rtlCol="0">
+                    <a:spAutoFit/>
+                  </a:bodyPr>
+                  <a:lstStyle/>
+                  <a:p>
+                    <a:pPr algn="ctr"/>
+                    <a:r>
+                      <a:rPr lang="en-GB" sz="2400" dirty="0">
+                        <a:latin typeface="Arial" panose="020B0604020202020204" pitchFamily="34" charset="0"/>
+                        <a:cs typeface="Arial" panose="020B0604020202020204" pitchFamily="34" charset="0"/>
+                      </a:rPr>
+                      <a:t>e</a:t>
+                    </a:r>
+                  </a:p>
+                </p:txBody>
+              </p:sp>
+              <p:sp>
+                <p:nvSpPr>
+                  <p:cNvPr id="113" name="CuadroTexto 112"/>
+                  <p:cNvSpPr txBox="1"/>
+                  <p:nvPr/>
+                </p:nvSpPr>
+                <p:spPr>
+                  <a:xfrm>
+                    <a:off x="6159524" y="5424179"/>
+                    <a:ext cx="356188" cy="572715"/>
+                  </a:xfrm>
+                  <a:prstGeom prst="rect">
+                    <a:avLst/>
+                  </a:prstGeom>
+                  <a:noFill/>
+                </p:spPr>
+                <p:txBody>
+                  <a:bodyPr wrap="none" rtlCol="0">
+                    <a:spAutoFit/>
+                  </a:bodyPr>
+                  <a:lstStyle/>
+                  <a:p>
+                    <a:pPr algn="ctr"/>
+                    <a:r>
+                      <a:rPr lang="en-GB" sz="2400" dirty="0">
+                        <a:latin typeface="Arial" panose="020B0604020202020204" pitchFamily="34" charset="0"/>
+                        <a:cs typeface="Arial" panose="020B0604020202020204" pitchFamily="34" charset="0"/>
+                      </a:rPr>
+                      <a:t>ə</a:t>
+                    </a:r>
+                  </a:p>
+                </p:txBody>
+              </p:sp>
+            </p:grpSp>
+            <p:sp>
+              <p:nvSpPr>
+                <p:cNvPr id="109" name="CuadroTexto 108"/>
+                <p:cNvSpPr txBox="1"/>
+                <p:nvPr/>
+              </p:nvSpPr>
+              <p:spPr>
+                <a:xfrm>
+                  <a:off x="6219879" y="6341513"/>
+                  <a:ext cx="184731" cy="572715"/>
+                </a:xfrm>
+                <a:prstGeom prst="rect">
+                  <a:avLst/>
+                </a:prstGeom>
+                <a:noFill/>
+              </p:spPr>
+              <p:txBody>
+                <a:bodyPr wrap="none" rtlCol="0">
+                  <a:spAutoFit/>
+                </a:bodyPr>
+                <a:lstStyle/>
+                <a:p>
+                  <a:pPr algn="ctr"/>
+                  <a:endParaRPr lang="en-GB" sz="2400" dirty="0">
+                    <a:latin typeface="Arial" panose="020B0604020202020204" pitchFamily="34" charset="0"/>
+                    <a:cs typeface="Arial" panose="020B0604020202020204" pitchFamily="34" charset="0"/>
+                  </a:endParaRPr>
+                </a:p>
+              </p:txBody>
+            </p:sp>
+          </p:grpSp>
+          <p:sp>
+            <p:nvSpPr>
+              <p:cNvPr id="103" name="CuadroTexto 102"/>
+              <p:cNvSpPr txBox="1"/>
+              <p:nvPr/>
+            </p:nvSpPr>
+            <p:spPr>
+              <a:xfrm>
+                <a:off x="5250340" y="5328075"/>
+                <a:ext cx="306495" cy="572715"/>
+              </a:xfrm>
+              <a:prstGeom prst="rect">
+                <a:avLst/>
+              </a:prstGeom>
+              <a:noFill/>
+            </p:spPr>
+            <p:txBody>
+              <a:bodyPr wrap="none" rtlCol="0">
+                <a:spAutoFit/>
+              </a:bodyPr>
+              <a:lstStyle/>
+              <a:p>
+                <a:pPr algn="ctr"/>
+                <a:r>
+                  <a:rPr lang="en-GB" sz="2400" dirty="0">
+                    <a:latin typeface="Arial" panose="020B0604020202020204" pitchFamily="34" charset="0"/>
+                    <a:cs typeface="Arial" panose="020B0604020202020204" pitchFamily="34" charset="0"/>
+                  </a:rPr>
+                  <a:t>ʝ</a:t>
+                </a:r>
+              </a:p>
+            </p:txBody>
+          </p:sp>
+          <p:sp>
+            <p:nvSpPr>
+              <p:cNvPr id="104" name="Rectángulo 103"/>
+              <p:cNvSpPr/>
+              <p:nvPr/>
+            </p:nvSpPr>
+            <p:spPr>
+              <a:xfrm>
+                <a:off x="5240207" y="5801319"/>
+                <a:ext cx="332142" cy="572715"/>
+              </a:xfrm>
+              <a:prstGeom prst="rect">
+                <a:avLst/>
+              </a:prstGeom>
+            </p:spPr>
+            <p:txBody>
+              <a:bodyPr wrap="none">
+                <a:spAutoFit/>
+              </a:bodyPr>
+              <a:lstStyle/>
+              <a:p>
+                <a:r>
+                  <a:rPr lang="en-GB" sz="2400" dirty="0"/>
+                  <a:t>a</a:t>
+                </a:r>
+              </a:p>
+            </p:txBody>
+          </p:sp>
+        </p:grpSp>
+        <p:sp>
+          <p:nvSpPr>
+            <p:cNvPr id="98" name="Rectángulo 97"/>
+            <p:cNvSpPr/>
+            <p:nvPr/>
+          </p:nvSpPr>
+          <p:spPr>
+            <a:xfrm>
+              <a:off x="6526667" y="5415154"/>
+              <a:ext cx="243978" cy="496353"/>
+            </a:xfrm>
+            <a:prstGeom prst="rect">
+              <a:avLst/>
+            </a:prstGeom>
+          </p:spPr>
+          <p:txBody>
+            <a:bodyPr wrap="none">
+              <a:spAutoFit/>
+            </a:bodyPr>
+            <a:lstStyle/>
+            <a:p>
+              <a:r>
+                <a:rPr lang="en-GB" sz="2000" dirty="0"/>
+                <a:t>l</a:t>
+              </a:r>
+            </a:p>
+          </p:txBody>
+        </p:sp>
+      </p:grpSp>
+      <p:cxnSp>
+        <p:nvCxnSpPr>
+          <p:cNvPr id="125" name="Conector recto de flecha 124"/>
+          <p:cNvCxnSpPr>
+            <a:stCxn id="130" idx="3"/>
+            <a:endCxn id="128" idx="1"/>
+          </p:cNvCxnSpPr>
+          <p:nvPr/>
+        </p:nvCxnSpPr>
+        <p:spPr>
+          <a:xfrm>
+            <a:off x="5350807" y="3629132"/>
+            <a:ext cx="1589847" cy="0"/>
+          </a:xfrm>
+          <a:prstGeom prst="straightConnector1">
+            <a:avLst/>
+          </a:prstGeom>
+          <a:ln w="76200">
+            <a:gradFill flip="none" rotWithShape="1">
+              <a:gsLst>
+                <a:gs pos="0">
+                  <a:srgbClr val="FF0066"/>
+                </a:gs>
+                <a:gs pos="100000">
+                  <a:srgbClr val="3399FF"/>
+                </a:gs>
+              </a:gsLst>
+              <a:lin ang="0" scaled="1"/>
+              <a:tileRect/>
+            </a:gradFill>
+            <a:prstDash val="dash"/>
+            <a:headEnd type="none" w="med" len="med"/>
+            <a:tailEnd type="triangle" w="med" len="med"/>
+          </a:ln>
+        </p:spPr>
+        <p:style>
+          <a:lnRef idx="1">
+            <a:schemeClr val="accent1"/>
+          </a:lnRef>
+          <a:fillRef idx="0">
+            <a:schemeClr val="accent1"/>
+          </a:fillRef>
+          <a:effectRef idx="0">
+            <a:schemeClr val="accent1"/>
+          </a:effectRef>
+          <a:fontRef idx="minor">
+            <a:schemeClr val="tx1"/>
+          </a:fontRef>
+        </p:style>
+      </p:cxnSp>
+      <p:grpSp>
+        <p:nvGrpSpPr>
+          <p:cNvPr id="126" name="Grupo 125"/>
+          <p:cNvGrpSpPr/>
+          <p:nvPr/>
+        </p:nvGrpSpPr>
+        <p:grpSpPr>
+          <a:xfrm>
+            <a:off x="3614434" y="3336744"/>
+            <a:ext cx="4876644" cy="584775"/>
+            <a:chOff x="3614434" y="3336744"/>
+            <a:chExt cx="4876644" cy="584775"/>
+          </a:xfrm>
+        </p:grpSpPr>
+        <p:sp>
+          <p:nvSpPr>
+            <p:cNvPr id="128" name="CuadroTexto 127"/>
+            <p:cNvSpPr txBox="1"/>
+            <p:nvPr/>
+          </p:nvSpPr>
+          <p:spPr>
+            <a:xfrm>
+              <a:off x="6940654" y="3336744"/>
+              <a:ext cx="1550424" cy="584775"/>
+            </a:xfrm>
+            <a:prstGeom prst="rect">
+              <a:avLst/>
+            </a:prstGeom>
+            <a:noFill/>
+          </p:spPr>
+          <p:txBody>
+            <a:bodyPr wrap="none" rtlCol="0">
+              <a:spAutoFit/>
+            </a:bodyPr>
+            <a:lstStyle/>
+            <a:p>
+              <a:r>
+                <a:rPr lang="en-GB" sz="3200" dirty="0">
+                  <a:solidFill>
+                    <a:srgbClr val="3399FF"/>
+                  </a:solidFill>
+                  <a:latin typeface="Arial" panose="020B0604020202020204" pitchFamily="34" charset="0"/>
+                  <a:cs typeface="Arial" panose="020B0604020202020204" pitchFamily="34" charset="0"/>
+                </a:rPr>
+                <a:t>/ˈbɒ.təl/</a:t>
+              </a:r>
+            </a:p>
+          </p:txBody>
+        </p:sp>
+        <p:sp>
+          <p:nvSpPr>
+            <p:cNvPr id="130" name="CuadroTexto 129"/>
+            <p:cNvSpPr txBox="1"/>
+            <p:nvPr/>
+          </p:nvSpPr>
+          <p:spPr>
+            <a:xfrm>
+              <a:off x="3614434" y="3336744"/>
+              <a:ext cx="1736373" cy="584775"/>
+            </a:xfrm>
+            <a:prstGeom prst="rect">
+              <a:avLst/>
+            </a:prstGeom>
+            <a:noFill/>
+          </p:spPr>
+          <p:txBody>
+            <a:bodyPr wrap="none" rtlCol="0">
+              <a:spAutoFit/>
+            </a:bodyPr>
+            <a:lstStyle/>
+            <a:p>
+              <a:r>
+                <a:rPr lang="en-GB" sz="3200" dirty="0">
+                  <a:solidFill>
+                    <a:srgbClr val="FF0066"/>
+                  </a:solidFill>
+                  <a:latin typeface="Arial" panose="020B0604020202020204" pitchFamily="34" charset="0"/>
+                  <a:cs typeface="Arial" panose="020B0604020202020204" pitchFamily="34" charset="0"/>
+                </a:rPr>
+                <a:t>/boˈteʝa/</a:t>
+              </a:r>
+            </a:p>
+          </p:txBody>
+        </p:sp>
+      </p:grpSp>
+      <p:sp>
+        <p:nvSpPr>
+          <p:cNvPr id="41" name="CuadroTexto 40"/>
+          <p:cNvSpPr txBox="1"/>
+          <p:nvPr/>
+        </p:nvSpPr>
+        <p:spPr>
+          <a:xfrm>
+            <a:off x="5203711" y="2903219"/>
+            <a:ext cx="1694883" cy="369332"/>
+          </a:xfrm>
+          <a:prstGeom prst="rect">
+            <a:avLst/>
+          </a:prstGeom>
+          <a:noFill/>
+        </p:spPr>
+        <p:txBody>
+          <a:bodyPr wrap="square" rtlCol="0">
+            <a:spAutoFit/>
+          </a:bodyPr>
+          <a:lstStyle/>
+          <a:p>
+            <a:pPr algn="ctr"/>
+            <a:r>
+              <a:rPr lang="es-ES" dirty="0" smtClean="0">
+                <a:latin typeface="Arial" panose="020B0604020202020204" pitchFamily="34" charset="0"/>
+                <a:cs typeface="Arial" panose="020B0604020202020204" pitchFamily="34" charset="0"/>
+              </a:rPr>
+              <a:t>Lexical route</a:t>
+            </a:r>
+            <a:endParaRPr lang="en-GB" dirty="0">
+              <a:latin typeface="Arial" panose="020B0604020202020204" pitchFamily="34" charset="0"/>
+              <a:cs typeface="Arial" panose="020B0604020202020204" pitchFamily="34" charset="0"/>
+            </a:endParaRPr>
+          </a:p>
+        </p:txBody>
+      </p:sp>
+    </p:spTree>
+    <p:extLst>
+      <p:ext uri="{BB962C8B-B14F-4D97-AF65-F5344CB8AC3E}">
+        <p14:creationId xmlns:p14="http://schemas.microsoft.com/office/powerpoint/2010/main" val="1774711533"/>
+      </p:ext>
+    </p:extLst>
+  </p:cSld>
+  <p:clrMapOvr>
+    <a:masterClrMapping/>
+  </p:clrMapOvr>
+  <p:timing>
+    <p:tnLst>
+      <p:par>
+        <p:cTn id="1" dur="indefinite" restart="never" nodeType="tmRoot"/>
+      </p:par>
+    </p:tnLst>
+  </p:timing>
+</p:sld>
+</file>
+
+<file path=ppt/slides/slide5.xml><?xml version="1.0" encoding="utf-8"?>
+<p:sld xmlns:a="http://schemas.openxmlformats.org/drawingml/2006/main" xmlns:r="http://schemas.openxmlformats.org/officeDocument/2006/relationships" xmlns:p="http://schemas.openxmlformats.org/presentationml/2006/main">
+  <p:cSld>
+    <p:spTree>
+      <p:nvGrpSpPr>
+        <p:cNvPr id="1" name=""/>
+        <p:cNvGrpSpPr/>
+        <p:nvPr/>
+      </p:nvGrpSpPr>
+      <p:grpSpPr>
+        <a:xfrm>
+          <a:off x="0" y="0"/>
+          <a:ext cx="0" cy="0"/>
+          <a:chOff x="0" y="0"/>
+          <a:chExt cx="0" cy="0"/>
+        </a:xfrm>
+      </p:grpSpPr>
+      <p:grpSp>
+        <p:nvGrpSpPr>
+          <p:cNvPr id="83" name="Grupo 82"/>
+          <p:cNvGrpSpPr/>
+          <p:nvPr/>
+        </p:nvGrpSpPr>
+        <p:grpSpPr>
+          <a:xfrm>
+            <a:off x="3135086" y="369662"/>
+            <a:ext cx="5775649" cy="2419003"/>
+            <a:chOff x="2252748" y="714895"/>
+            <a:chExt cx="7531334" cy="2419003"/>
+          </a:xfrm>
+        </p:grpSpPr>
+        <p:sp>
+          <p:nvSpPr>
+            <p:cNvPr id="49" name="Rectángulo 48"/>
+            <p:cNvSpPr/>
+            <p:nvPr/>
+          </p:nvSpPr>
+          <p:spPr>
+            <a:xfrm>
+              <a:off x="2252748" y="714895"/>
+              <a:ext cx="7531334" cy="2419003"/>
+            </a:xfrm>
+            <a:prstGeom prst="rect">
+              <a:avLst/>
+            </a:prstGeom>
+            <a:noFill/>
+            <a:ln w="28575">
+              <a:solidFill>
+                <a:schemeClr val="tx1"/>
+              </a:solidFill>
+            </a:ln>
+          </p:spPr>
+          <p:style>
+            <a:lnRef idx="2">
+              <a:schemeClr val="accent1">
+                <a:shade val="50000"/>
+              </a:schemeClr>
+            </a:lnRef>
+            <a:fillRef idx="1">
+              <a:schemeClr val="accent1"/>
+            </a:fillRef>
+            <a:effectRef idx="0">
+              <a:schemeClr val="accent1"/>
+            </a:effectRef>
+            <a:fontRef idx="minor">
+              <a:schemeClr val="lt1"/>
+            </a:fontRef>
+          </p:style>
+          <p:txBody>
+            <a:bodyPr rtlCol="0" anchor="ctr"/>
+            <a:lstStyle/>
+            <a:p>
+              <a:pPr algn="ctr"/>
+              <a:endParaRPr lang="en-GB" sz="2000"/>
+            </a:p>
+          </p:txBody>
+        </p:sp>
+        <p:sp>
+          <p:nvSpPr>
+            <p:cNvPr id="53" name="CuadroTexto 52"/>
+            <p:cNvSpPr txBox="1"/>
+            <p:nvPr/>
+          </p:nvSpPr>
+          <p:spPr>
+            <a:xfrm>
+              <a:off x="2252748" y="753968"/>
+              <a:ext cx="1848231" cy="461665"/>
+            </a:xfrm>
+            <a:prstGeom prst="rect">
+              <a:avLst/>
+            </a:prstGeom>
+            <a:noFill/>
+          </p:spPr>
+          <p:txBody>
+            <a:bodyPr wrap="none" rtlCol="0">
+              <a:spAutoFit/>
+            </a:bodyPr>
+            <a:lstStyle/>
+            <a:p>
+              <a:r>
+                <a:rPr lang="en-GB" sz="2400" dirty="0" smtClean="0">
+                  <a:latin typeface="Arial" panose="020B0604020202020204" pitchFamily="34" charset="0"/>
+                  <a:cs typeface="Arial" panose="020B0604020202020204" pitchFamily="34" charset="0"/>
+                </a:rPr>
+                <a:t>concepts</a:t>
+              </a:r>
+              <a:endParaRPr lang="en-GB" sz="2400" dirty="0">
+                <a:latin typeface="Arial" panose="020B0604020202020204" pitchFamily="34" charset="0"/>
+                <a:cs typeface="Arial" panose="020B0604020202020204" pitchFamily="34" charset="0"/>
+              </a:endParaRPr>
+            </a:p>
+          </p:txBody>
+        </p:sp>
+      </p:grpSp>
+      <p:grpSp>
+        <p:nvGrpSpPr>
+          <p:cNvPr id="80" name="Grupo 79"/>
+          <p:cNvGrpSpPr/>
+          <p:nvPr/>
+        </p:nvGrpSpPr>
+        <p:grpSpPr>
+          <a:xfrm>
+            <a:off x="3135086" y="2855167"/>
+            <a:ext cx="5775649" cy="3602777"/>
+            <a:chOff x="2252748" y="3200400"/>
+            <a:chExt cx="7531333" cy="3602777"/>
+          </a:xfrm>
+        </p:grpSpPr>
+        <p:sp>
+          <p:nvSpPr>
+            <p:cNvPr id="50" name="Rectángulo 49"/>
+            <p:cNvSpPr/>
+            <p:nvPr/>
+          </p:nvSpPr>
+          <p:spPr>
+            <a:xfrm>
+              <a:off x="2252749" y="3200400"/>
+              <a:ext cx="7531332" cy="3541222"/>
+            </a:xfrm>
+            <a:prstGeom prst="rect">
+              <a:avLst/>
+            </a:prstGeom>
+            <a:noFill/>
+            <a:ln w="28575">
+              <a:solidFill>
+                <a:schemeClr val="tx1"/>
+              </a:solidFill>
+            </a:ln>
+          </p:spPr>
+          <p:style>
+            <a:lnRef idx="2">
+              <a:schemeClr val="accent1">
+                <a:shade val="50000"/>
+              </a:schemeClr>
+            </a:lnRef>
+            <a:fillRef idx="1">
+              <a:schemeClr val="accent1"/>
+            </a:fillRef>
+            <a:effectRef idx="0">
+              <a:schemeClr val="accent1"/>
+            </a:effectRef>
+            <a:fontRef idx="minor">
+              <a:schemeClr val="lt1"/>
+            </a:fontRef>
+          </p:style>
+          <p:txBody>
+            <a:bodyPr rtlCol="0" anchor="ctr"/>
+            <a:lstStyle/>
+            <a:p>
+              <a:pPr algn="ctr"/>
+              <a:endParaRPr lang="en-GB" sz="2000"/>
+            </a:p>
+          </p:txBody>
+        </p:sp>
+        <p:sp>
+          <p:nvSpPr>
+            <p:cNvPr id="54" name="CuadroTexto 53"/>
+            <p:cNvSpPr txBox="1"/>
+            <p:nvPr/>
+          </p:nvSpPr>
+          <p:spPr>
+            <a:xfrm>
+              <a:off x="2252748" y="6341512"/>
+              <a:ext cx="2249564" cy="461665"/>
+            </a:xfrm>
+            <a:prstGeom prst="rect">
+              <a:avLst/>
+            </a:prstGeom>
+            <a:noFill/>
+          </p:spPr>
+          <p:txBody>
+            <a:bodyPr wrap="none" rtlCol="0">
+              <a:spAutoFit/>
+            </a:bodyPr>
+            <a:lstStyle/>
+            <a:p>
+              <a:r>
+                <a:rPr lang="en-GB" sz="2400" dirty="0" smtClean="0">
+                  <a:latin typeface="Arial" panose="020B0604020202020204" pitchFamily="34" charset="0"/>
+                  <a:cs typeface="Arial" panose="020B0604020202020204" pitchFamily="34" charset="0"/>
+                </a:rPr>
+                <a:t>word-forms</a:t>
+              </a:r>
+              <a:endParaRPr lang="en-GB" sz="2400" dirty="0">
+                <a:latin typeface="Arial" panose="020B0604020202020204" pitchFamily="34" charset="0"/>
+                <a:cs typeface="Arial" panose="020B0604020202020204" pitchFamily="34" charset="0"/>
+              </a:endParaRPr>
+            </a:p>
+          </p:txBody>
+        </p:sp>
+      </p:grpSp>
+      <p:pic>
+        <p:nvPicPr>
+          <p:cNvPr id="51" name="Imagen 50"/>
+          <p:cNvPicPr>
+            <a:picLocks noChangeAspect="1"/>
+          </p:cNvPicPr>
+          <p:nvPr/>
+        </p:nvPicPr>
+        <p:blipFill rotWithShape="1">
+          <a:blip r:embed="rId2" cstate="print">
+            <a:extLst>
+              <a:ext uri="{28A0092B-C50C-407E-A947-70E740481C1C}">
+                <a14:useLocalDpi xmlns:a14="http://schemas.microsoft.com/office/drawing/2010/main" val="0"/>
+              </a:ext>
+            </a:extLst>
+          </a:blip>
+          <a:srcRect l="26943" r="26182"/>
+          <a:stretch/>
+        </p:blipFill>
+        <p:spPr>
+          <a:xfrm>
+            <a:off x="5619262" y="789538"/>
+            <a:ext cx="820615" cy="1750649"/>
+          </a:xfrm>
+          <a:prstGeom prst="rect">
+            <a:avLst/>
+          </a:prstGeom>
+        </p:spPr>
+      </p:pic>
+      <p:grpSp>
+        <p:nvGrpSpPr>
+          <p:cNvPr id="96" name="Grupo 95"/>
+          <p:cNvGrpSpPr/>
+          <p:nvPr/>
+        </p:nvGrpSpPr>
+        <p:grpSpPr>
+          <a:xfrm>
+            <a:off x="5179264" y="3985712"/>
+            <a:ext cx="2146011" cy="2432338"/>
+            <a:chOff x="4973991" y="3676859"/>
+            <a:chExt cx="2146011" cy="2794486"/>
+          </a:xfrm>
+        </p:grpSpPr>
+        <p:grpSp>
+          <p:nvGrpSpPr>
+            <p:cNvPr id="97" name="Grupo 96"/>
+            <p:cNvGrpSpPr/>
+            <p:nvPr/>
+          </p:nvGrpSpPr>
+          <p:grpSpPr>
+            <a:xfrm>
+              <a:off x="4973991" y="3676859"/>
+              <a:ext cx="2146011" cy="2794486"/>
+              <a:chOff x="4973991" y="3676859"/>
+              <a:chExt cx="2146011" cy="2794486"/>
+            </a:xfrm>
+          </p:grpSpPr>
+          <p:sp>
+            <p:nvSpPr>
+              <p:cNvPr id="99" name="Elipse 98"/>
+              <p:cNvSpPr/>
+              <p:nvPr/>
+            </p:nvSpPr>
+            <p:spPr>
+              <a:xfrm>
+                <a:off x="5003383" y="5398853"/>
+                <a:ext cx="2078601" cy="418515"/>
+              </a:xfrm>
+              <a:prstGeom prst="ellipse">
+                <a:avLst/>
+              </a:prstGeom>
+              <a:gradFill>
+                <a:gsLst>
+                  <a:gs pos="0">
+                    <a:srgbClr val="FF0066">
+                      <a:alpha val="0"/>
+                    </a:srgbClr>
+                  </a:gs>
+                  <a:gs pos="100000">
+                    <a:srgbClr val="3399FF">
+                      <a:alpha val="52000"/>
+                    </a:srgbClr>
+                  </a:gs>
+                </a:gsLst>
+                <a:lin ang="0" scaled="1"/>
+              </a:gradFill>
+              <a:ln>
+                <a:noFill/>
+              </a:ln>
+            </p:spPr>
+            <p:style>
+              <a:lnRef idx="2">
+                <a:schemeClr val="accent1">
+                  <a:shade val="50000"/>
+                </a:schemeClr>
+              </a:lnRef>
+              <a:fillRef idx="1">
+                <a:schemeClr val="accent1"/>
+              </a:fillRef>
+              <a:effectRef idx="0">
+                <a:schemeClr val="accent1"/>
+              </a:effectRef>
+              <a:fontRef idx="minor">
+                <a:schemeClr val="lt1"/>
+              </a:fontRef>
+            </p:style>
+            <p:txBody>
+              <a:bodyPr rtlCol="0" anchor="ctr"/>
+              <a:lstStyle/>
+              <a:p>
+                <a:pPr algn="ctr"/>
+                <a:endParaRPr lang="en-GB" sz="2000"/>
+              </a:p>
+            </p:txBody>
+          </p:sp>
+          <p:grpSp>
+            <p:nvGrpSpPr>
+              <p:cNvPr id="100" name="Grupo 99"/>
+              <p:cNvGrpSpPr/>
+              <p:nvPr/>
+            </p:nvGrpSpPr>
+            <p:grpSpPr>
+              <a:xfrm>
+                <a:off x="4973991" y="3676859"/>
+                <a:ext cx="2146011" cy="2794486"/>
+                <a:chOff x="4614947" y="4119742"/>
+                <a:chExt cx="2146011" cy="2794486"/>
+              </a:xfrm>
+            </p:grpSpPr>
+            <p:grpSp>
+              <p:nvGrpSpPr>
+                <p:cNvPr id="105" name="Grupo 104"/>
+                <p:cNvGrpSpPr/>
+                <p:nvPr/>
+              </p:nvGrpSpPr>
+              <p:grpSpPr>
+                <a:xfrm>
+                  <a:off x="4682357" y="4119742"/>
+                  <a:ext cx="2078601" cy="929381"/>
+                  <a:chOff x="4682357" y="4119742"/>
+                  <a:chExt cx="2078601" cy="929381"/>
+                </a:xfrm>
+              </p:grpSpPr>
+              <p:sp>
+                <p:nvSpPr>
+                  <p:cNvPr id="122" name="Elipse 121"/>
+                  <p:cNvSpPr/>
+                  <p:nvPr/>
+                </p:nvSpPr>
+                <p:spPr>
+                  <a:xfrm rot="880948">
+                    <a:off x="4682357" y="4368946"/>
+                    <a:ext cx="2078601" cy="418515"/>
+                  </a:xfrm>
+                  <a:prstGeom prst="ellipse">
+                    <a:avLst/>
+                  </a:prstGeom>
+                  <a:gradFill>
+                    <a:gsLst>
+                      <a:gs pos="0">
+                        <a:srgbClr val="FF0066"/>
+                      </a:gs>
+                      <a:gs pos="100000">
+                        <a:srgbClr val="3399FF"/>
+                      </a:gs>
+                    </a:gsLst>
+                    <a:lin ang="0" scaled="1"/>
+                  </a:gradFill>
+                  <a:ln>
+                    <a:noFill/>
+                  </a:ln>
+                </p:spPr>
+                <p:style>
+                  <a:lnRef idx="2">
+                    <a:schemeClr val="accent1">
+                      <a:shade val="50000"/>
+                    </a:schemeClr>
+                  </a:lnRef>
+                  <a:fillRef idx="1">
+                    <a:schemeClr val="accent1"/>
+                  </a:fillRef>
+                  <a:effectRef idx="0">
+                    <a:schemeClr val="accent1"/>
+                  </a:effectRef>
+                  <a:fontRef idx="minor">
+                    <a:schemeClr val="lt1"/>
+                  </a:fontRef>
+                </p:style>
+                <p:txBody>
+                  <a:bodyPr rtlCol="0" anchor="ctr"/>
+                  <a:lstStyle/>
+                  <a:p>
+                    <a:pPr algn="ctr"/>
+                    <a:endParaRPr lang="en-GB" sz="2000"/>
+                  </a:p>
+                </p:txBody>
+              </p:sp>
+              <p:sp>
+                <p:nvSpPr>
+                  <p:cNvPr id="123" name="CuadroTexto 122"/>
+                  <p:cNvSpPr txBox="1"/>
+                  <p:nvPr/>
+                </p:nvSpPr>
+                <p:spPr>
+                  <a:xfrm>
+                    <a:off x="4879916" y="4119742"/>
+                    <a:ext cx="356188" cy="572715"/>
+                  </a:xfrm>
+                  <a:prstGeom prst="rect">
+                    <a:avLst/>
+                  </a:prstGeom>
+                  <a:noFill/>
+                </p:spPr>
+                <p:txBody>
+                  <a:bodyPr wrap="none" rtlCol="0">
+                    <a:spAutoFit/>
+                  </a:bodyPr>
+                  <a:lstStyle/>
+                  <a:p>
+                    <a:pPr algn="ctr"/>
+                    <a:r>
+                      <a:rPr lang="es-ES" sz="2400" dirty="0">
+                        <a:latin typeface="Arial" panose="020B0604020202020204" pitchFamily="34" charset="0"/>
+                        <a:cs typeface="Arial" panose="020B0604020202020204" pitchFamily="34" charset="0"/>
+                      </a:rPr>
+                      <a:t>b</a:t>
+                    </a:r>
+                    <a:endParaRPr lang="en-GB" sz="2400" dirty="0">
+                      <a:latin typeface="Arial" panose="020B0604020202020204" pitchFamily="34" charset="0"/>
+                      <a:cs typeface="Arial" panose="020B0604020202020204" pitchFamily="34" charset="0"/>
+                    </a:endParaRPr>
+                  </a:p>
+                </p:txBody>
+              </p:sp>
+              <p:sp>
+                <p:nvSpPr>
+                  <p:cNvPr id="124" name="CuadroTexto 123"/>
+                  <p:cNvSpPr txBox="1"/>
+                  <p:nvPr/>
+                </p:nvSpPr>
+                <p:spPr>
+                  <a:xfrm>
+                    <a:off x="6112986" y="4476408"/>
+                    <a:ext cx="356188" cy="572715"/>
+                  </a:xfrm>
+                  <a:prstGeom prst="rect">
+                    <a:avLst/>
+                  </a:prstGeom>
+                  <a:noFill/>
+                </p:spPr>
+                <p:txBody>
+                  <a:bodyPr wrap="none" rtlCol="0">
+                    <a:spAutoFit/>
+                  </a:bodyPr>
+                  <a:lstStyle/>
+                  <a:p>
+                    <a:pPr algn="ctr"/>
+                    <a:r>
+                      <a:rPr lang="es-ES" sz="2400" dirty="0" smtClean="0">
+                        <a:latin typeface="Arial" panose="020B0604020202020204" pitchFamily="34" charset="0"/>
+                        <a:cs typeface="Arial" panose="020B0604020202020204" pitchFamily="34" charset="0"/>
+                      </a:rPr>
+                      <a:t>b</a:t>
+                    </a:r>
+                    <a:endParaRPr lang="en-GB" sz="2400" dirty="0">
+                      <a:latin typeface="Arial" panose="020B0604020202020204" pitchFamily="34" charset="0"/>
+                      <a:cs typeface="Arial" panose="020B0604020202020204" pitchFamily="34" charset="0"/>
+                    </a:endParaRPr>
+                  </a:p>
+                </p:txBody>
+              </p:sp>
+            </p:grpSp>
+            <p:grpSp>
+              <p:nvGrpSpPr>
+                <p:cNvPr id="106" name="Grupo 105"/>
+                <p:cNvGrpSpPr/>
+                <p:nvPr/>
+              </p:nvGrpSpPr>
+              <p:grpSpPr>
+                <a:xfrm>
+                  <a:off x="4644338" y="4429438"/>
+                  <a:ext cx="2078601" cy="903533"/>
+                  <a:chOff x="7428708" y="4289861"/>
+                  <a:chExt cx="2078601" cy="903533"/>
+                </a:xfrm>
+              </p:grpSpPr>
+              <p:sp>
+                <p:nvSpPr>
+                  <p:cNvPr id="118" name="Elipse 117"/>
+                  <p:cNvSpPr/>
+                  <p:nvPr/>
+                </p:nvSpPr>
+                <p:spPr>
+                  <a:xfrm rot="732889">
+                    <a:off x="7428708" y="4557199"/>
+                    <a:ext cx="2078601" cy="418515"/>
+                  </a:xfrm>
+                  <a:prstGeom prst="ellipse">
+                    <a:avLst/>
+                  </a:prstGeom>
+                  <a:gradFill>
+                    <a:gsLst>
+                      <a:gs pos="0">
+                        <a:srgbClr val="FF0066">
+                          <a:alpha val="0"/>
+                        </a:srgbClr>
+                      </a:gs>
+                      <a:gs pos="100000">
+                        <a:srgbClr val="3399FF">
+                          <a:alpha val="47000"/>
+                        </a:srgbClr>
+                      </a:gs>
+                    </a:gsLst>
+                    <a:lin ang="0" scaled="1"/>
+                  </a:gradFill>
+                  <a:ln>
+                    <a:noFill/>
+                  </a:ln>
+                </p:spPr>
+                <p:style>
+                  <a:lnRef idx="2">
+                    <a:schemeClr val="accent1">
+                      <a:shade val="50000"/>
+                    </a:schemeClr>
+                  </a:lnRef>
+                  <a:fillRef idx="1">
+                    <a:schemeClr val="accent1"/>
+                  </a:fillRef>
+                  <a:effectRef idx="0">
+                    <a:schemeClr val="accent1"/>
+                  </a:effectRef>
+                  <a:fontRef idx="minor">
+                    <a:schemeClr val="lt1"/>
+                  </a:fontRef>
+                </p:style>
+                <p:txBody>
+                  <a:bodyPr rtlCol="0" anchor="ctr"/>
+                  <a:lstStyle/>
+                  <a:p>
+                    <a:pPr algn="ctr"/>
+                    <a:endParaRPr lang="en-GB" sz="2000"/>
+                  </a:p>
+                </p:txBody>
+              </p:sp>
+              <p:sp>
+                <p:nvSpPr>
+                  <p:cNvPr id="120" name="CuadroTexto 119"/>
+                  <p:cNvSpPr txBox="1"/>
+                  <p:nvPr/>
+                </p:nvSpPr>
+                <p:spPr>
+                  <a:xfrm>
+                    <a:off x="7664286" y="4289861"/>
+                    <a:ext cx="356188" cy="572715"/>
+                  </a:xfrm>
+                  <a:prstGeom prst="rect">
+                    <a:avLst/>
+                  </a:prstGeom>
+                  <a:noFill/>
+                </p:spPr>
+                <p:txBody>
+                  <a:bodyPr wrap="none" rtlCol="0">
+                    <a:spAutoFit/>
+                  </a:bodyPr>
+                  <a:lstStyle/>
+                  <a:p>
+                    <a:pPr algn="ctr"/>
+                    <a:r>
+                      <a:rPr lang="en-GB" sz="2400" dirty="0" smtClean="0">
+                        <a:latin typeface="Arial" panose="020B0604020202020204" pitchFamily="34" charset="0"/>
+                        <a:cs typeface="Arial" panose="020B0604020202020204" pitchFamily="34" charset="0"/>
+                      </a:rPr>
+                      <a:t>o</a:t>
+                    </a:r>
+                    <a:endParaRPr lang="en-GB" sz="2400" dirty="0">
+                      <a:latin typeface="Arial" panose="020B0604020202020204" pitchFamily="34" charset="0"/>
+                      <a:cs typeface="Arial" panose="020B0604020202020204" pitchFamily="34" charset="0"/>
+                    </a:endParaRPr>
+                  </a:p>
+                </p:txBody>
+              </p:sp>
+              <p:sp>
+                <p:nvSpPr>
+                  <p:cNvPr id="121" name="CuadroTexto 120"/>
+                  <p:cNvSpPr txBox="1"/>
+                  <p:nvPr/>
+                </p:nvSpPr>
+                <p:spPr>
+                  <a:xfrm>
+                    <a:off x="8906603" y="4620680"/>
+                    <a:ext cx="356188" cy="572714"/>
+                  </a:xfrm>
+                  <a:prstGeom prst="rect">
+                    <a:avLst/>
+                  </a:prstGeom>
+                  <a:noFill/>
+                </p:spPr>
+                <p:txBody>
+                  <a:bodyPr wrap="none" rtlCol="0">
+                    <a:spAutoFit/>
+                  </a:bodyPr>
+                  <a:lstStyle/>
+                  <a:p>
+                    <a:pPr algn="ctr"/>
+                    <a:r>
+                      <a:rPr lang="en-GB" sz="2400" dirty="0">
+                        <a:latin typeface="Arial" panose="020B0604020202020204" pitchFamily="34" charset="0"/>
+                        <a:cs typeface="Arial" panose="020B0604020202020204" pitchFamily="34" charset="0"/>
+                      </a:rPr>
+                      <a:t>ɒ</a:t>
+                    </a:r>
+                  </a:p>
+                </p:txBody>
+              </p:sp>
+            </p:grpSp>
+            <p:grpSp>
+              <p:nvGrpSpPr>
+                <p:cNvPr id="107" name="Grupo 106"/>
+                <p:cNvGrpSpPr/>
+                <p:nvPr/>
+              </p:nvGrpSpPr>
+              <p:grpSpPr>
+                <a:xfrm>
+                  <a:off x="4614947" y="4929343"/>
+                  <a:ext cx="2078601" cy="776414"/>
+                  <a:chOff x="4693733" y="4931287"/>
+                  <a:chExt cx="2078601" cy="776414"/>
+                </a:xfrm>
+              </p:grpSpPr>
+              <p:sp>
+                <p:nvSpPr>
+                  <p:cNvPr id="114" name="Elipse 113"/>
+                  <p:cNvSpPr/>
+                  <p:nvPr/>
+                </p:nvSpPr>
+                <p:spPr>
+                  <a:xfrm rot="465407">
+                    <a:off x="4693733" y="5089838"/>
+                    <a:ext cx="2078601" cy="418515"/>
+                  </a:xfrm>
+                  <a:prstGeom prst="ellipse">
+                    <a:avLst/>
+                  </a:prstGeom>
+                  <a:gradFill>
+                    <a:gsLst>
+                      <a:gs pos="0">
+                        <a:srgbClr val="FF0066"/>
+                      </a:gs>
+                      <a:gs pos="100000">
+                        <a:srgbClr val="3399FF"/>
+                      </a:gs>
+                    </a:gsLst>
+                    <a:lin ang="0" scaled="1"/>
+                  </a:gradFill>
+                  <a:ln>
+                    <a:noFill/>
+                  </a:ln>
+                </p:spPr>
+                <p:style>
+                  <a:lnRef idx="2">
+                    <a:schemeClr val="accent1">
+                      <a:shade val="50000"/>
+                    </a:schemeClr>
+                  </a:lnRef>
+                  <a:fillRef idx="1">
+                    <a:schemeClr val="accent1"/>
+                  </a:fillRef>
+                  <a:effectRef idx="0">
+                    <a:schemeClr val="accent1"/>
+                  </a:effectRef>
+                  <a:fontRef idx="minor">
+                    <a:schemeClr val="lt1"/>
+                  </a:fontRef>
+                </p:style>
+                <p:txBody>
+                  <a:bodyPr rtlCol="0" anchor="ctr"/>
+                  <a:lstStyle/>
+                  <a:p>
+                    <a:pPr algn="ctr"/>
+                    <a:endParaRPr lang="en-GB" sz="2000"/>
+                  </a:p>
+                </p:txBody>
+              </p:sp>
+              <p:sp>
+                <p:nvSpPr>
+                  <p:cNvPr id="116" name="CuadroTexto 115"/>
+                  <p:cNvSpPr txBox="1"/>
+                  <p:nvPr/>
+                </p:nvSpPr>
+                <p:spPr>
+                  <a:xfrm>
+                    <a:off x="4998474" y="4931287"/>
+                    <a:ext cx="269626" cy="572715"/>
+                  </a:xfrm>
+                  <a:prstGeom prst="rect">
+                    <a:avLst/>
+                  </a:prstGeom>
+                  <a:noFill/>
+                </p:spPr>
+                <p:txBody>
+                  <a:bodyPr wrap="none" rtlCol="0">
+                    <a:spAutoFit/>
+                  </a:bodyPr>
+                  <a:lstStyle/>
+                  <a:p>
+                    <a:pPr algn="ctr"/>
+                    <a:r>
+                      <a:rPr lang="en-GB" sz="2400" dirty="0" smtClean="0">
+                        <a:latin typeface="Arial" panose="020B0604020202020204" pitchFamily="34" charset="0"/>
+                        <a:cs typeface="Arial" panose="020B0604020202020204" pitchFamily="34" charset="0"/>
+                      </a:rPr>
+                      <a:t>t</a:t>
+                    </a:r>
+                    <a:endParaRPr lang="en-GB" sz="2400" dirty="0">
+                      <a:latin typeface="Arial" panose="020B0604020202020204" pitchFamily="34" charset="0"/>
+                      <a:cs typeface="Arial" panose="020B0604020202020204" pitchFamily="34" charset="0"/>
+                    </a:endParaRPr>
+                  </a:p>
+                </p:txBody>
+              </p:sp>
+              <p:sp>
+                <p:nvSpPr>
+                  <p:cNvPr id="117" name="CuadroTexto 116"/>
+                  <p:cNvSpPr txBox="1"/>
+                  <p:nvPr/>
+                </p:nvSpPr>
+                <p:spPr>
+                  <a:xfrm>
+                    <a:off x="6219942" y="5134986"/>
+                    <a:ext cx="269626" cy="572715"/>
+                  </a:xfrm>
+                  <a:prstGeom prst="rect">
+                    <a:avLst/>
+                  </a:prstGeom>
+                  <a:noFill/>
+                </p:spPr>
+                <p:txBody>
+                  <a:bodyPr wrap="none" rtlCol="0">
+                    <a:spAutoFit/>
+                  </a:bodyPr>
+                  <a:lstStyle/>
+                  <a:p>
+                    <a:pPr algn="ctr"/>
+                    <a:r>
+                      <a:rPr lang="en-GB" sz="2400" dirty="0" smtClean="0">
+                        <a:latin typeface="Arial" panose="020B0604020202020204" pitchFamily="34" charset="0"/>
+                        <a:cs typeface="Arial" panose="020B0604020202020204" pitchFamily="34" charset="0"/>
+                      </a:rPr>
+                      <a:t>t</a:t>
+                    </a:r>
+                    <a:endParaRPr lang="en-GB" sz="2400" dirty="0">
+                      <a:latin typeface="Arial" panose="020B0604020202020204" pitchFamily="34" charset="0"/>
+                      <a:cs typeface="Arial" panose="020B0604020202020204" pitchFamily="34" charset="0"/>
+                    </a:endParaRPr>
+                  </a:p>
+                </p:txBody>
+              </p:sp>
+            </p:grpSp>
+            <p:grpSp>
+              <p:nvGrpSpPr>
+                <p:cNvPr id="108" name="Grupo 107"/>
+                <p:cNvGrpSpPr/>
+                <p:nvPr/>
+              </p:nvGrpSpPr>
+              <p:grpSpPr>
+                <a:xfrm>
+                  <a:off x="4627131" y="5369558"/>
+                  <a:ext cx="2078601" cy="650811"/>
+                  <a:chOff x="4678343" y="5346083"/>
+                  <a:chExt cx="2078601" cy="650811"/>
+                </a:xfrm>
+              </p:grpSpPr>
+              <p:sp>
+                <p:nvSpPr>
+                  <p:cNvPr id="110" name="Elipse 109"/>
                   <p:cNvSpPr/>
                   <p:nvPr/>
                 </p:nvSpPr>
                 <p:spPr>
                   <a:xfrm rot="256085">
-                    <a:off x="4652404" y="5449581"/>
+                    <a:off x="4678343" y="5447112"/>
                     <a:ext cx="2078601" cy="418515"/>
                   </a:xfrm>
                   <a:prstGeom prst="ellipse">
@@ -5426,7 +6356,7 @@
                   <a:lstStyle/>
                   <a:p>
                     <a:pPr algn="ctr"/>
-                    <a:endParaRPr lang="en-GB"/>
+                    <a:endParaRPr lang="en-GB" sz="2000"/>
                   </a:p>
                 </p:txBody>
               </p:sp>
@@ -5438,8 +6368,8 @@
                 </p:nvSpPr>
                 <p:spPr>
                   <a:xfrm>
-                    <a:off x="4945555" y="5346083"/>
-                    <a:ext cx="327334" cy="400110"/>
+                    <a:off x="4931128" y="5346083"/>
+                    <a:ext cx="356188" cy="572715"/>
                   </a:xfrm>
                   <a:prstGeom prst="rect">
                     <a:avLst/>
@@ -5454,16 +6384,12 @@
                   <a:p>
                     <a:pPr algn="ctr"/>
                     <a:r>
-                      <a:rPr lang="en-GB" sz="2000" dirty="0">
+                      <a:rPr lang="en-GB" sz="2400" dirty="0">
                         <a:latin typeface="Arial" panose="020B0604020202020204" pitchFamily="34" charset="0"/>
                         <a:cs typeface="Arial" panose="020B0604020202020204" pitchFamily="34" charset="0"/>
                       </a:rPr>
                       <a:t>e</a:t>
                     </a:r>
-                    <a:endParaRPr lang="en-GB" sz="2000" dirty="0">
-                      <a:latin typeface="Arial" panose="020B0604020202020204" pitchFamily="34" charset="0"/>
-                      <a:cs typeface="Arial" panose="020B0604020202020204" pitchFamily="34" charset="0"/>
-                    </a:endParaRPr>
                   </a:p>
                 </p:txBody>
               </p:sp>
@@ -5475,8 +6401,8 @@
                 </p:nvSpPr>
                 <p:spPr>
                   <a:xfrm>
-                    <a:off x="6173951" y="5456340"/>
-                    <a:ext cx="327334" cy="400110"/>
+                    <a:off x="6159524" y="5424179"/>
+                    <a:ext cx="356188" cy="572715"/>
                   </a:xfrm>
                   <a:prstGeom prst="rect">
                     <a:avLst/>
@@ -5491,16 +6417,12 @@
                   <a:p>
                     <a:pPr algn="ctr"/>
                     <a:r>
-                      <a:rPr lang="en-GB" sz="2000" dirty="0">
+                      <a:rPr lang="en-GB" sz="2400" dirty="0">
                         <a:latin typeface="Arial" panose="020B0604020202020204" pitchFamily="34" charset="0"/>
                         <a:cs typeface="Arial" panose="020B0604020202020204" pitchFamily="34" charset="0"/>
                       </a:rPr>
                       <a:t>ə</a:t>
                     </a:r>
-                    <a:endParaRPr lang="en-GB" sz="2000" dirty="0">
-                      <a:latin typeface="Arial" panose="020B0604020202020204" pitchFamily="34" charset="0"/>
-                      <a:cs typeface="Arial" panose="020B0604020202020204" pitchFamily="34" charset="0"/>
-                    </a:endParaRPr>
                   </a:p>
                 </p:txBody>
               </p:sp>
@@ -5513,8 +6435,8 @@
               </p:nvSpPr>
               <p:spPr>
                 <a:xfrm>
-                  <a:off x="6219879" y="6341512"/>
-                  <a:ext cx="184730" cy="400110"/>
+                  <a:off x="6219879" y="6341513"/>
+                  <a:ext cx="184731" cy="572715"/>
                 </a:xfrm>
                 <a:prstGeom prst="rect">
                   <a:avLst/>
@@ -5528,7 +6450,7 @@
                 <a:lstStyle/>
                 <a:p>
                   <a:pPr algn="ctr"/>
-                  <a:endParaRPr lang="en-GB" sz="2000" dirty="0">
+                  <a:endParaRPr lang="en-GB" sz="2400" dirty="0">
                     <a:latin typeface="Arial" panose="020B0604020202020204" pitchFamily="34" charset="0"/>
                     <a:cs typeface="Arial" panose="020B0604020202020204" pitchFamily="34" charset="0"/>
                   </a:endParaRPr>
@@ -5544,8 +6466,8 @@
             </p:nvSpPr>
             <p:spPr>
               <a:xfrm>
-                <a:off x="5250627" y="5370956"/>
-                <a:ext cx="287258" cy="400109"/>
+                <a:off x="5250340" y="5328075"/>
+                <a:ext cx="306495" cy="572715"/>
               </a:xfrm>
               <a:prstGeom prst="rect">
                 <a:avLst/>
@@ -5560,16 +6482,12 @@
               <a:p>
                 <a:pPr algn="ctr"/>
                 <a:r>
-                  <a:rPr lang="en-GB" sz="2000" dirty="0">
+                  <a:rPr lang="en-GB" sz="2400" dirty="0">
                     <a:latin typeface="Arial" panose="020B0604020202020204" pitchFamily="34" charset="0"/>
                     <a:cs typeface="Arial" panose="020B0604020202020204" pitchFamily="34" charset="0"/>
                   </a:rPr>
                   <a:t>ʝ</a:t>
                 </a:r>
-                <a:endParaRPr lang="en-GB" sz="2000" dirty="0">
-                  <a:latin typeface="Arial" panose="020B0604020202020204" pitchFamily="34" charset="0"/>
-                  <a:cs typeface="Arial" panose="020B0604020202020204" pitchFamily="34" charset="0"/>
-                </a:endParaRPr>
               </a:p>
             </p:txBody>
           </p:sp>
@@ -5582,7 +6500,7 @@
             <p:spPr>
               <a:xfrm>
                 <a:off x="5240207" y="5801319"/>
-                <a:ext cx="308098" cy="400110"/>
+                <a:ext cx="332142" cy="572715"/>
               </a:xfrm>
               <a:prstGeom prst="rect">
                 <a:avLst/>
@@ -5595,7 +6513,7 @@
               <a:lstStyle/>
               <a:p>
                 <a:r>
-                  <a:rPr lang="en-GB" sz="2000" dirty="0"/>
+                  <a:rPr lang="en-GB" sz="2400" dirty="0"/>
                   <a:t>a</a:t>
                 </a:r>
               </a:p>
@@ -5610,8 +6528,8 @@
           </p:nvSpPr>
           <p:spPr>
             <a:xfrm>
-              <a:off x="6526667" y="5458035"/>
-              <a:ext cx="237566" cy="369332"/>
+              <a:off x="6526667" y="5415154"/>
+              <a:ext cx="243978" cy="496353"/>
             </a:xfrm>
             <a:prstGeom prst="rect">
               <a:avLst/>
@@ -5624,7 +6542,7 @@
             <a:lstStyle/>
             <a:p>
               <a:r>
-                <a:rPr lang="en-GB" dirty="0"/>
+                <a:rPr lang="en-GB" sz="2000" dirty="0"/>
                 <a:t>l</a:t>
               </a:r>
             </a:p>
@@ -5634,18 +6552,21 @@
       <p:cxnSp>
         <p:nvCxnSpPr>
           <p:cNvPr id="125" name="Conector recto de flecha 124"/>
-          <p:cNvCxnSpPr/>
+          <p:cNvCxnSpPr>
+            <a:stCxn id="130" idx="3"/>
+            <a:endCxn id="128" idx="1"/>
+          </p:cNvCxnSpPr>
           <p:nvPr/>
         </p:nvCxnSpPr>
         <p:spPr>
           <a:xfrm>
-            <a:off x="5161652" y="3598354"/>
-            <a:ext cx="1779002" cy="0"/>
+            <a:off x="5350807" y="3629132"/>
+            <a:ext cx="1589847" cy="0"/>
           </a:xfrm>
           <a:prstGeom prst="straightConnector1">
             <a:avLst/>
           </a:prstGeom>
-          <a:ln w="57150">
+          <a:ln w="76200">
             <a:gradFill flip="none" rotWithShape="1">
               <a:gsLst>
                 <a:gs pos="0">
@@ -5687,9 +6608,9 @@
         <p:grpSpPr>
           <a:xfrm>
             <a:off x="3614434" y="3336744"/>
-            <a:ext cx="4709932" cy="523220"/>
+            <a:ext cx="4876644" cy="584775"/>
             <a:chOff x="3614434" y="3336744"/>
-            <a:chExt cx="4709932" cy="523220"/>
+            <a:chExt cx="4876644" cy="584775"/>
           </a:xfrm>
         </p:grpSpPr>
         <p:sp>
@@ -5701,7 +6622,7 @@
           <p:spPr>
             <a:xfrm>
               <a:off x="6940654" y="3336744"/>
-              <a:ext cx="1383712" cy="523220"/>
+              <a:ext cx="1550424" cy="584775"/>
             </a:xfrm>
             <a:prstGeom prst="rect">
               <a:avLst/>
@@ -5715,42 +6636,15 @@
             <a:lstStyle/>
             <a:p>
               <a:r>
-                <a:rPr lang="en-GB" sz="2800" dirty="0">
+                <a:rPr lang="en-GB" sz="3200" dirty="0">
                   <a:solidFill>
                     <a:srgbClr val="3399FF"/>
                   </a:solidFill>
                   <a:latin typeface="Arial" panose="020B0604020202020204" pitchFamily="34" charset="0"/>
                   <a:cs typeface="Arial" panose="020B0604020202020204" pitchFamily="34" charset="0"/>
                 </a:rPr>
-                <a:t>/ˈ</a:t>
+                <a:t>/ˈbɒ.təl/</a:t>
               </a:r>
-              <a:r>
-                <a:rPr lang="en-GB" sz="2800" dirty="0" err="1">
-                  <a:solidFill>
-                    <a:srgbClr val="3399FF"/>
-                  </a:solidFill>
-                  <a:latin typeface="Arial" panose="020B0604020202020204" pitchFamily="34" charset="0"/>
-                  <a:cs typeface="Arial" panose="020B0604020202020204" pitchFamily="34" charset="0"/>
-                </a:rPr>
-                <a:t>bɒ.təl</a:t>
-              </a:r>
-              <a:r>
-                <a:rPr lang="en-GB" sz="2800" dirty="0">
-                  <a:solidFill>
-                    <a:srgbClr val="3399FF"/>
-                  </a:solidFill>
-                  <a:latin typeface="Arial" panose="020B0604020202020204" pitchFamily="34" charset="0"/>
-                  <a:cs typeface="Arial" panose="020B0604020202020204" pitchFamily="34" charset="0"/>
-                </a:rPr>
-                <a:t>/</a:t>
-              </a:r>
-              <a:endParaRPr lang="en-GB" sz="2800" dirty="0">
-                <a:solidFill>
-                  <a:srgbClr val="3399FF"/>
-                </a:solidFill>
-                <a:latin typeface="Arial" panose="020B0604020202020204" pitchFamily="34" charset="0"/>
-                <a:cs typeface="Arial" panose="020B0604020202020204" pitchFamily="34" charset="0"/>
-              </a:endParaRPr>
             </a:p>
           </p:txBody>
         </p:sp>
@@ -5763,7 +6657,7 @@
           <p:spPr>
             <a:xfrm>
               <a:off x="3614434" y="3336744"/>
-              <a:ext cx="1547218" cy="523220"/>
+              <a:ext cx="1736373" cy="584775"/>
             </a:xfrm>
             <a:prstGeom prst="rect">
               <a:avLst/>
@@ -5777,50 +6671,218 @@
             <a:lstStyle/>
             <a:p>
               <a:r>
-                <a:rPr lang="en-GB" sz="2800" dirty="0">
+                <a:rPr lang="en-GB" sz="3200" dirty="0">
                   <a:solidFill>
                     <a:srgbClr val="FF0066"/>
                   </a:solidFill>
                   <a:latin typeface="Arial" panose="020B0604020202020204" pitchFamily="34" charset="0"/>
                   <a:cs typeface="Arial" panose="020B0604020202020204" pitchFamily="34" charset="0"/>
                 </a:rPr>
-                <a:t>/</a:t>
+                <a:t>/boˈteʝa/</a:t>
               </a:r>
-              <a:r>
-                <a:rPr lang="en-GB" sz="2800" dirty="0" err="1">
-                  <a:solidFill>
-                    <a:srgbClr val="FF0066"/>
-                  </a:solidFill>
-                  <a:latin typeface="Arial" panose="020B0604020202020204" pitchFamily="34" charset="0"/>
-                  <a:cs typeface="Arial" panose="020B0604020202020204" pitchFamily="34" charset="0"/>
-                </a:rPr>
-                <a:t>boˈteʝa</a:t>
-              </a:r>
-              <a:r>
-                <a:rPr lang="en-GB" sz="2800" dirty="0">
-                  <a:solidFill>
-                    <a:srgbClr val="FF0066"/>
-                  </a:solidFill>
-                  <a:latin typeface="Arial" panose="020B0604020202020204" pitchFamily="34" charset="0"/>
-                  <a:cs typeface="Arial" panose="020B0604020202020204" pitchFamily="34" charset="0"/>
-                </a:rPr>
-                <a:t>/</a:t>
-              </a:r>
-              <a:endParaRPr lang="en-GB" sz="2800" dirty="0">
-                <a:solidFill>
-                  <a:srgbClr val="FF0066"/>
-                </a:solidFill>
-                <a:latin typeface="Arial" panose="020B0604020202020204" pitchFamily="34" charset="0"/>
-                <a:cs typeface="Arial" panose="020B0604020202020204" pitchFamily="34" charset="0"/>
-              </a:endParaRPr>
             </a:p>
           </p:txBody>
         </p:sp>
       </p:grpSp>
+      <p:sp>
+        <p:nvSpPr>
+          <p:cNvPr id="41" name="CuadroTexto 40"/>
+          <p:cNvSpPr txBox="1"/>
+          <p:nvPr/>
+        </p:nvSpPr>
+        <p:spPr>
+          <a:xfrm>
+            <a:off x="5203711" y="2903219"/>
+            <a:ext cx="1694883" cy="369332"/>
+          </a:xfrm>
+          <a:prstGeom prst="rect">
+            <a:avLst/>
+          </a:prstGeom>
+          <a:noFill/>
+        </p:spPr>
+        <p:txBody>
+          <a:bodyPr wrap="square" rtlCol="0">
+            <a:spAutoFit/>
+          </a:bodyPr>
+          <a:lstStyle/>
+          <a:p>
+            <a:pPr algn="ctr"/>
+            <a:r>
+              <a:rPr lang="es-ES" dirty="0" smtClean="0">
+                <a:latin typeface="Arial" panose="020B0604020202020204" pitchFamily="34" charset="0"/>
+                <a:cs typeface="Arial" panose="020B0604020202020204" pitchFamily="34" charset="0"/>
+              </a:rPr>
+              <a:t>Lexical route</a:t>
+            </a:r>
+            <a:endParaRPr lang="en-GB" dirty="0">
+              <a:latin typeface="Arial" panose="020B0604020202020204" pitchFamily="34" charset="0"/>
+              <a:cs typeface="Arial" panose="020B0604020202020204" pitchFamily="34" charset="0"/>
+            </a:endParaRPr>
+          </a:p>
+        </p:txBody>
+      </p:sp>
+      <p:sp>
+        <p:nvSpPr>
+          <p:cNvPr id="38" name="CuadroTexto 37"/>
+          <p:cNvSpPr txBox="1"/>
+          <p:nvPr/>
+        </p:nvSpPr>
+        <p:spPr>
+          <a:xfrm>
+            <a:off x="6707875" y="1179351"/>
+            <a:ext cx="1849271" cy="338554"/>
+          </a:xfrm>
+          <a:prstGeom prst="rect">
+            <a:avLst/>
+          </a:prstGeom>
+          <a:noFill/>
+        </p:spPr>
+        <p:txBody>
+          <a:bodyPr wrap="square" rtlCol="0">
+            <a:spAutoFit/>
+          </a:bodyPr>
+          <a:lstStyle/>
+          <a:p>
+            <a:r>
+              <a:rPr lang="es-ES" sz="1600" dirty="0" smtClean="0">
+                <a:latin typeface="Arial" panose="020B0604020202020204" pitchFamily="34" charset="0"/>
+                <a:cs typeface="Arial" panose="020B0604020202020204" pitchFamily="34" charset="0"/>
+              </a:rPr>
+              <a:t>Conceptual route</a:t>
+            </a:r>
+            <a:endParaRPr lang="en-GB" sz="1600" dirty="0">
+              <a:latin typeface="Arial" panose="020B0604020202020204" pitchFamily="34" charset="0"/>
+              <a:cs typeface="Arial" panose="020B0604020202020204" pitchFamily="34" charset="0"/>
+            </a:endParaRPr>
+          </a:p>
+        </p:txBody>
+      </p:sp>
+      <p:pic>
+        <p:nvPicPr>
+          <p:cNvPr id="39" name="Imagen 38"/>
+          <p:cNvPicPr>
+            <a:picLocks noChangeAspect="1"/>
+          </p:cNvPicPr>
+          <p:nvPr/>
+        </p:nvPicPr>
+        <p:blipFill rotWithShape="1">
+          <a:blip r:embed="rId2" cstate="print">
+            <a:extLst>
+              <a:ext uri="{28A0092B-C50C-407E-A947-70E740481C1C}">
+                <a14:useLocalDpi xmlns:a14="http://schemas.microsoft.com/office/drawing/2010/main" val="0"/>
+              </a:ext>
+            </a:extLst>
+          </a:blip>
+          <a:srcRect l="26943" r="26182"/>
+          <a:stretch/>
+        </p:blipFill>
+        <p:spPr>
+          <a:xfrm>
+            <a:off x="5619262" y="789538"/>
+            <a:ext cx="820615" cy="1750649"/>
+          </a:xfrm>
+          <a:prstGeom prst="rect">
+            <a:avLst/>
+          </a:prstGeom>
+        </p:spPr>
+      </p:pic>
+      <p:grpSp>
+        <p:nvGrpSpPr>
+          <p:cNvPr id="40" name="Grupo 39"/>
+          <p:cNvGrpSpPr/>
+          <p:nvPr/>
+        </p:nvGrpSpPr>
+        <p:grpSpPr>
+          <a:xfrm>
+            <a:off x="4482622" y="1664862"/>
+            <a:ext cx="3233245" cy="1671882"/>
+            <a:chOff x="4482622" y="1664862"/>
+            <a:chExt cx="3233245" cy="1671882"/>
+          </a:xfrm>
+        </p:grpSpPr>
+        <p:cxnSp>
+          <p:nvCxnSpPr>
+            <p:cNvPr id="42" name="Conector angular 41"/>
+            <p:cNvCxnSpPr>
+              <a:stCxn id="128" idx="0"/>
+              <a:endCxn id="39" idx="3"/>
+            </p:cNvCxnSpPr>
+            <p:nvPr/>
+          </p:nvCxnSpPr>
+          <p:spPr>
+            <a:xfrm rot="16200000" flipV="1">
+              <a:off x="6241932" y="1862809"/>
+              <a:ext cx="1671881" cy="1275989"/>
+            </a:xfrm>
+            <a:prstGeom prst="bentConnector2">
+              <a:avLst/>
+            </a:prstGeom>
+            <a:ln w="57150">
+              <a:solidFill>
+                <a:srgbClr val="3399FF"/>
+              </a:solidFill>
+              <a:tailEnd type="triangle"/>
+            </a:ln>
+          </p:spPr>
+          <p:style>
+            <a:lnRef idx="1">
+              <a:schemeClr val="accent1"/>
+            </a:lnRef>
+            <a:fillRef idx="0">
+              <a:schemeClr val="accent1"/>
+            </a:fillRef>
+            <a:effectRef idx="0">
+              <a:schemeClr val="accent1"/>
+            </a:effectRef>
+            <a:fontRef idx="minor">
+              <a:schemeClr val="tx1"/>
+            </a:fontRef>
+          </p:style>
+        </p:cxnSp>
+        <p:cxnSp>
+          <p:nvCxnSpPr>
+            <p:cNvPr id="44" name="Conector angular 43"/>
+            <p:cNvCxnSpPr>
+              <a:stCxn id="39" idx="1"/>
+              <a:endCxn id="130" idx="0"/>
+            </p:cNvCxnSpPr>
+            <p:nvPr/>
+          </p:nvCxnSpPr>
+          <p:spPr>
+            <a:xfrm rot="10800000" flipV="1">
+              <a:off x="4482622" y="1664862"/>
+              <a:ext cx="1136641" cy="1671881"/>
+            </a:xfrm>
+            <a:prstGeom prst="bentConnector2">
+              <a:avLst/>
+            </a:prstGeom>
+            <a:ln w="57150">
+              <a:solidFill>
+                <a:srgbClr val="FF0066"/>
+              </a:solidFill>
+              <a:tailEnd type="triangle"/>
+            </a:ln>
+          </p:spPr>
+          <p:style>
+            <a:lnRef idx="1">
+              <a:schemeClr val="accent1"/>
+            </a:lnRef>
+            <a:fillRef idx="0">
+              <a:schemeClr val="accent1"/>
+            </a:fillRef>
+            <a:effectRef idx="0">
+              <a:schemeClr val="accent1"/>
+            </a:effectRef>
+            <a:fontRef idx="minor">
+              <a:schemeClr val="tx1"/>
+            </a:fontRef>
+          </p:style>
+        </p:cxnSp>
+      </p:grpSp>
     </p:spTree>
     <p:extLst>
       <p:ext uri="{BB962C8B-B14F-4D97-AF65-F5344CB8AC3E}">
-        <p14:creationId xmlns:p14="http://schemas.microsoft.com/office/powerpoint/2010/main" val="1774711533"/>
+        <p14:creationId xmlns:p14="http://schemas.microsoft.com/office/powerpoint/2010/main" val="2619218729"/>
       </p:ext>
     </p:extLst>
   </p:cSld>
@@ -5837,7 +6899,1200 @@
 </p:sld>
 </file>
 
-<file path=ppt/slides/slide5.xml><?xml version="1.0" encoding="utf-8"?>
+<file path=ppt/slides/slide6.xml><?xml version="1.0" encoding="utf-8"?>
+<p:sld xmlns:a="http://schemas.openxmlformats.org/drawingml/2006/main" xmlns:r="http://schemas.openxmlformats.org/officeDocument/2006/relationships" xmlns:p="http://schemas.openxmlformats.org/presentationml/2006/main">
+  <p:cSld>
+    <p:spTree>
+      <p:nvGrpSpPr>
+        <p:cNvPr id="1" name=""/>
+        <p:cNvGrpSpPr/>
+        <p:nvPr/>
+      </p:nvGrpSpPr>
+      <p:grpSpPr>
+        <a:xfrm>
+          <a:off x="0" y="0"/>
+          <a:ext cx="0" cy="0"/>
+          <a:chOff x="0" y="0"/>
+          <a:chExt cx="0" cy="0"/>
+        </a:xfrm>
+      </p:grpSpPr>
+      <p:grpSp>
+        <p:nvGrpSpPr>
+          <p:cNvPr id="83" name="Grupo 82"/>
+          <p:cNvGrpSpPr/>
+          <p:nvPr/>
+        </p:nvGrpSpPr>
+        <p:grpSpPr>
+          <a:xfrm>
+            <a:off x="3135086" y="369662"/>
+            <a:ext cx="5775649" cy="2419003"/>
+            <a:chOff x="2252748" y="714895"/>
+            <a:chExt cx="7531334" cy="2419003"/>
+          </a:xfrm>
+        </p:grpSpPr>
+        <p:sp>
+          <p:nvSpPr>
+            <p:cNvPr id="49" name="Rectángulo 48"/>
+            <p:cNvSpPr/>
+            <p:nvPr/>
+          </p:nvSpPr>
+          <p:spPr>
+            <a:xfrm>
+              <a:off x="2252748" y="714895"/>
+              <a:ext cx="7531334" cy="2419003"/>
+            </a:xfrm>
+            <a:prstGeom prst="rect">
+              <a:avLst/>
+            </a:prstGeom>
+            <a:noFill/>
+            <a:ln w="28575">
+              <a:solidFill>
+                <a:schemeClr val="tx1"/>
+              </a:solidFill>
+            </a:ln>
+          </p:spPr>
+          <p:style>
+            <a:lnRef idx="2">
+              <a:schemeClr val="accent1">
+                <a:shade val="50000"/>
+              </a:schemeClr>
+            </a:lnRef>
+            <a:fillRef idx="1">
+              <a:schemeClr val="accent1"/>
+            </a:fillRef>
+            <a:effectRef idx="0">
+              <a:schemeClr val="accent1"/>
+            </a:effectRef>
+            <a:fontRef idx="minor">
+              <a:schemeClr val="lt1"/>
+            </a:fontRef>
+          </p:style>
+          <p:txBody>
+            <a:bodyPr rtlCol="0" anchor="ctr"/>
+            <a:lstStyle/>
+            <a:p>
+              <a:pPr algn="ctr"/>
+              <a:endParaRPr lang="en-GB" sz="2000"/>
+            </a:p>
+          </p:txBody>
+        </p:sp>
+        <p:sp>
+          <p:nvSpPr>
+            <p:cNvPr id="53" name="CuadroTexto 52"/>
+            <p:cNvSpPr txBox="1"/>
+            <p:nvPr/>
+          </p:nvSpPr>
+          <p:spPr>
+            <a:xfrm>
+              <a:off x="2252748" y="753968"/>
+              <a:ext cx="1848231" cy="461665"/>
+            </a:xfrm>
+            <a:prstGeom prst="rect">
+              <a:avLst/>
+            </a:prstGeom>
+            <a:noFill/>
+          </p:spPr>
+          <p:txBody>
+            <a:bodyPr wrap="none" rtlCol="0">
+              <a:spAutoFit/>
+            </a:bodyPr>
+            <a:lstStyle/>
+            <a:p>
+              <a:r>
+                <a:rPr lang="en-GB" sz="2400" dirty="0" smtClean="0">
+                  <a:latin typeface="Arial" panose="020B0604020202020204" pitchFamily="34" charset="0"/>
+                  <a:cs typeface="Arial" panose="020B0604020202020204" pitchFamily="34" charset="0"/>
+                </a:rPr>
+                <a:t>concepts</a:t>
+              </a:r>
+              <a:endParaRPr lang="en-GB" sz="2400" dirty="0">
+                <a:latin typeface="Arial" panose="020B0604020202020204" pitchFamily="34" charset="0"/>
+                <a:cs typeface="Arial" panose="020B0604020202020204" pitchFamily="34" charset="0"/>
+              </a:endParaRPr>
+            </a:p>
+          </p:txBody>
+        </p:sp>
+      </p:grpSp>
+      <p:grpSp>
+        <p:nvGrpSpPr>
+          <p:cNvPr id="80" name="Grupo 79"/>
+          <p:cNvGrpSpPr/>
+          <p:nvPr/>
+        </p:nvGrpSpPr>
+        <p:grpSpPr>
+          <a:xfrm>
+            <a:off x="3135086" y="2855167"/>
+            <a:ext cx="5775649" cy="3602777"/>
+            <a:chOff x="2252748" y="3200400"/>
+            <a:chExt cx="7531333" cy="3602777"/>
+          </a:xfrm>
+        </p:grpSpPr>
+        <p:sp>
+          <p:nvSpPr>
+            <p:cNvPr id="50" name="Rectángulo 49"/>
+            <p:cNvSpPr/>
+            <p:nvPr/>
+          </p:nvSpPr>
+          <p:spPr>
+            <a:xfrm>
+              <a:off x="2252749" y="3200400"/>
+              <a:ext cx="7531332" cy="3541222"/>
+            </a:xfrm>
+            <a:prstGeom prst="rect">
+              <a:avLst/>
+            </a:prstGeom>
+            <a:noFill/>
+            <a:ln w="28575">
+              <a:solidFill>
+                <a:schemeClr val="tx1"/>
+              </a:solidFill>
+            </a:ln>
+          </p:spPr>
+          <p:style>
+            <a:lnRef idx="2">
+              <a:schemeClr val="accent1">
+                <a:shade val="50000"/>
+              </a:schemeClr>
+            </a:lnRef>
+            <a:fillRef idx="1">
+              <a:schemeClr val="accent1"/>
+            </a:fillRef>
+            <a:effectRef idx="0">
+              <a:schemeClr val="accent1"/>
+            </a:effectRef>
+            <a:fontRef idx="minor">
+              <a:schemeClr val="lt1"/>
+            </a:fontRef>
+          </p:style>
+          <p:txBody>
+            <a:bodyPr rtlCol="0" anchor="ctr"/>
+            <a:lstStyle/>
+            <a:p>
+              <a:pPr algn="ctr"/>
+              <a:endParaRPr lang="en-GB" sz="2000"/>
+            </a:p>
+          </p:txBody>
+        </p:sp>
+        <p:sp>
+          <p:nvSpPr>
+            <p:cNvPr id="54" name="CuadroTexto 53"/>
+            <p:cNvSpPr txBox="1"/>
+            <p:nvPr/>
+          </p:nvSpPr>
+          <p:spPr>
+            <a:xfrm>
+              <a:off x="2252748" y="6341512"/>
+              <a:ext cx="2249564" cy="461665"/>
+            </a:xfrm>
+            <a:prstGeom prst="rect">
+              <a:avLst/>
+            </a:prstGeom>
+            <a:noFill/>
+          </p:spPr>
+          <p:txBody>
+            <a:bodyPr wrap="none" rtlCol="0">
+              <a:spAutoFit/>
+            </a:bodyPr>
+            <a:lstStyle/>
+            <a:p>
+              <a:r>
+                <a:rPr lang="en-GB" sz="2400" dirty="0" smtClean="0">
+                  <a:latin typeface="Arial" panose="020B0604020202020204" pitchFamily="34" charset="0"/>
+                  <a:cs typeface="Arial" panose="020B0604020202020204" pitchFamily="34" charset="0"/>
+                </a:rPr>
+                <a:t>word-forms</a:t>
+              </a:r>
+              <a:endParaRPr lang="en-GB" sz="2400" dirty="0">
+                <a:latin typeface="Arial" panose="020B0604020202020204" pitchFamily="34" charset="0"/>
+                <a:cs typeface="Arial" panose="020B0604020202020204" pitchFamily="34" charset="0"/>
+              </a:endParaRPr>
+            </a:p>
+          </p:txBody>
+        </p:sp>
+      </p:grpSp>
+      <p:grpSp>
+        <p:nvGrpSpPr>
+          <p:cNvPr id="96" name="Grupo 95"/>
+          <p:cNvGrpSpPr/>
+          <p:nvPr/>
+        </p:nvGrpSpPr>
+        <p:grpSpPr>
+          <a:xfrm>
+            <a:off x="5179264" y="3985712"/>
+            <a:ext cx="2146011" cy="2432338"/>
+            <a:chOff x="4973991" y="3676859"/>
+            <a:chExt cx="2146011" cy="2794486"/>
+          </a:xfrm>
+        </p:grpSpPr>
+        <p:grpSp>
+          <p:nvGrpSpPr>
+            <p:cNvPr id="97" name="Grupo 96"/>
+            <p:cNvGrpSpPr/>
+            <p:nvPr/>
+          </p:nvGrpSpPr>
+          <p:grpSpPr>
+            <a:xfrm>
+              <a:off x="4973991" y="3676859"/>
+              <a:ext cx="2146011" cy="2794486"/>
+              <a:chOff x="4973991" y="3676859"/>
+              <a:chExt cx="2146011" cy="2794486"/>
+            </a:xfrm>
+          </p:grpSpPr>
+          <p:sp>
+            <p:nvSpPr>
+              <p:cNvPr id="99" name="Elipse 98"/>
+              <p:cNvSpPr/>
+              <p:nvPr/>
+            </p:nvSpPr>
+            <p:spPr>
+              <a:xfrm>
+                <a:off x="5003383" y="5398853"/>
+                <a:ext cx="2078601" cy="418515"/>
+              </a:xfrm>
+              <a:prstGeom prst="ellipse">
+                <a:avLst/>
+              </a:prstGeom>
+              <a:gradFill>
+                <a:gsLst>
+                  <a:gs pos="0">
+                    <a:srgbClr val="FF0066">
+                      <a:alpha val="0"/>
+                    </a:srgbClr>
+                  </a:gs>
+                  <a:gs pos="100000">
+                    <a:srgbClr val="3399FF">
+                      <a:alpha val="52000"/>
+                    </a:srgbClr>
+                  </a:gs>
+                </a:gsLst>
+                <a:lin ang="0" scaled="1"/>
+              </a:gradFill>
+              <a:ln>
+                <a:noFill/>
+              </a:ln>
+            </p:spPr>
+            <p:style>
+              <a:lnRef idx="2">
+                <a:schemeClr val="accent1">
+                  <a:shade val="50000"/>
+                </a:schemeClr>
+              </a:lnRef>
+              <a:fillRef idx="1">
+                <a:schemeClr val="accent1"/>
+              </a:fillRef>
+              <a:effectRef idx="0">
+                <a:schemeClr val="accent1"/>
+              </a:effectRef>
+              <a:fontRef idx="minor">
+                <a:schemeClr val="lt1"/>
+              </a:fontRef>
+            </p:style>
+            <p:txBody>
+              <a:bodyPr rtlCol="0" anchor="ctr"/>
+              <a:lstStyle/>
+              <a:p>
+                <a:pPr algn="ctr"/>
+                <a:endParaRPr lang="en-GB" sz="2000"/>
+              </a:p>
+            </p:txBody>
+          </p:sp>
+          <p:grpSp>
+            <p:nvGrpSpPr>
+              <p:cNvPr id="100" name="Grupo 99"/>
+              <p:cNvGrpSpPr/>
+              <p:nvPr/>
+            </p:nvGrpSpPr>
+            <p:grpSpPr>
+              <a:xfrm>
+                <a:off x="4973991" y="3676859"/>
+                <a:ext cx="2146011" cy="2794486"/>
+                <a:chOff x="4614947" y="4119742"/>
+                <a:chExt cx="2146011" cy="2794486"/>
+              </a:xfrm>
+            </p:grpSpPr>
+            <p:grpSp>
+              <p:nvGrpSpPr>
+                <p:cNvPr id="105" name="Grupo 104"/>
+                <p:cNvGrpSpPr/>
+                <p:nvPr/>
+              </p:nvGrpSpPr>
+              <p:grpSpPr>
+                <a:xfrm>
+                  <a:off x="4682357" y="4119742"/>
+                  <a:ext cx="2078601" cy="929381"/>
+                  <a:chOff x="4682357" y="4119742"/>
+                  <a:chExt cx="2078601" cy="929381"/>
+                </a:xfrm>
+              </p:grpSpPr>
+              <p:sp>
+                <p:nvSpPr>
+                  <p:cNvPr id="122" name="Elipse 121"/>
+                  <p:cNvSpPr/>
+                  <p:nvPr/>
+                </p:nvSpPr>
+                <p:spPr>
+                  <a:xfrm rot="880948">
+                    <a:off x="4682357" y="4368946"/>
+                    <a:ext cx="2078601" cy="418515"/>
+                  </a:xfrm>
+                  <a:prstGeom prst="ellipse">
+                    <a:avLst/>
+                  </a:prstGeom>
+                  <a:gradFill>
+                    <a:gsLst>
+                      <a:gs pos="0">
+                        <a:srgbClr val="FF0066"/>
+                      </a:gs>
+                      <a:gs pos="100000">
+                        <a:srgbClr val="3399FF"/>
+                      </a:gs>
+                    </a:gsLst>
+                    <a:lin ang="0" scaled="1"/>
+                  </a:gradFill>
+                  <a:ln>
+                    <a:noFill/>
+                  </a:ln>
+                </p:spPr>
+                <p:style>
+                  <a:lnRef idx="2">
+                    <a:schemeClr val="accent1">
+                      <a:shade val="50000"/>
+                    </a:schemeClr>
+                  </a:lnRef>
+                  <a:fillRef idx="1">
+                    <a:schemeClr val="accent1"/>
+                  </a:fillRef>
+                  <a:effectRef idx="0">
+                    <a:schemeClr val="accent1"/>
+                  </a:effectRef>
+                  <a:fontRef idx="minor">
+                    <a:schemeClr val="lt1"/>
+                  </a:fontRef>
+                </p:style>
+                <p:txBody>
+                  <a:bodyPr rtlCol="0" anchor="ctr"/>
+                  <a:lstStyle/>
+                  <a:p>
+                    <a:pPr algn="ctr"/>
+                    <a:endParaRPr lang="en-GB" sz="2000"/>
+                  </a:p>
+                </p:txBody>
+              </p:sp>
+              <p:sp>
+                <p:nvSpPr>
+                  <p:cNvPr id="123" name="CuadroTexto 122"/>
+                  <p:cNvSpPr txBox="1"/>
+                  <p:nvPr/>
+                </p:nvSpPr>
+                <p:spPr>
+                  <a:xfrm>
+                    <a:off x="4879916" y="4119742"/>
+                    <a:ext cx="356188" cy="572715"/>
+                  </a:xfrm>
+                  <a:prstGeom prst="rect">
+                    <a:avLst/>
+                  </a:prstGeom>
+                  <a:noFill/>
+                </p:spPr>
+                <p:txBody>
+                  <a:bodyPr wrap="none" rtlCol="0">
+                    <a:spAutoFit/>
+                  </a:bodyPr>
+                  <a:lstStyle/>
+                  <a:p>
+                    <a:pPr algn="ctr"/>
+                    <a:r>
+                      <a:rPr lang="es-ES" sz="2400" dirty="0">
+                        <a:latin typeface="Arial" panose="020B0604020202020204" pitchFamily="34" charset="0"/>
+                        <a:cs typeface="Arial" panose="020B0604020202020204" pitchFamily="34" charset="0"/>
+                      </a:rPr>
+                      <a:t>b</a:t>
+                    </a:r>
+                    <a:endParaRPr lang="en-GB" sz="2400" dirty="0">
+                      <a:latin typeface="Arial" panose="020B0604020202020204" pitchFamily="34" charset="0"/>
+                      <a:cs typeface="Arial" panose="020B0604020202020204" pitchFamily="34" charset="0"/>
+                    </a:endParaRPr>
+                  </a:p>
+                </p:txBody>
+              </p:sp>
+              <p:sp>
+                <p:nvSpPr>
+                  <p:cNvPr id="124" name="CuadroTexto 123"/>
+                  <p:cNvSpPr txBox="1"/>
+                  <p:nvPr/>
+                </p:nvSpPr>
+                <p:spPr>
+                  <a:xfrm>
+                    <a:off x="6112986" y="4476408"/>
+                    <a:ext cx="356188" cy="572715"/>
+                  </a:xfrm>
+                  <a:prstGeom prst="rect">
+                    <a:avLst/>
+                  </a:prstGeom>
+                  <a:noFill/>
+                </p:spPr>
+                <p:txBody>
+                  <a:bodyPr wrap="none" rtlCol="0">
+                    <a:spAutoFit/>
+                  </a:bodyPr>
+                  <a:lstStyle/>
+                  <a:p>
+                    <a:pPr algn="ctr"/>
+                    <a:r>
+                      <a:rPr lang="es-ES" sz="2400" dirty="0" smtClean="0">
+                        <a:latin typeface="Arial" panose="020B0604020202020204" pitchFamily="34" charset="0"/>
+                        <a:cs typeface="Arial" panose="020B0604020202020204" pitchFamily="34" charset="0"/>
+                      </a:rPr>
+                      <a:t>b</a:t>
+                    </a:r>
+                    <a:endParaRPr lang="en-GB" sz="2400" dirty="0">
+                      <a:latin typeface="Arial" panose="020B0604020202020204" pitchFamily="34" charset="0"/>
+                      <a:cs typeface="Arial" panose="020B0604020202020204" pitchFamily="34" charset="0"/>
+                    </a:endParaRPr>
+                  </a:p>
+                </p:txBody>
+              </p:sp>
+            </p:grpSp>
+            <p:grpSp>
+              <p:nvGrpSpPr>
+                <p:cNvPr id="106" name="Grupo 105"/>
+                <p:cNvGrpSpPr/>
+                <p:nvPr/>
+              </p:nvGrpSpPr>
+              <p:grpSpPr>
+                <a:xfrm>
+                  <a:off x="4644338" y="4429438"/>
+                  <a:ext cx="2078601" cy="903533"/>
+                  <a:chOff x="7428708" y="4289861"/>
+                  <a:chExt cx="2078601" cy="903533"/>
+                </a:xfrm>
+              </p:grpSpPr>
+              <p:sp>
+                <p:nvSpPr>
+                  <p:cNvPr id="118" name="Elipse 117"/>
+                  <p:cNvSpPr/>
+                  <p:nvPr/>
+                </p:nvSpPr>
+                <p:spPr>
+                  <a:xfrm rot="732889">
+                    <a:off x="7428708" y="4557199"/>
+                    <a:ext cx="2078601" cy="418515"/>
+                  </a:xfrm>
+                  <a:prstGeom prst="ellipse">
+                    <a:avLst/>
+                  </a:prstGeom>
+                  <a:gradFill>
+                    <a:gsLst>
+                      <a:gs pos="0">
+                        <a:srgbClr val="FF0066">
+                          <a:alpha val="0"/>
+                        </a:srgbClr>
+                      </a:gs>
+                      <a:gs pos="100000">
+                        <a:srgbClr val="3399FF">
+                          <a:alpha val="47000"/>
+                        </a:srgbClr>
+                      </a:gs>
+                    </a:gsLst>
+                    <a:lin ang="0" scaled="1"/>
+                  </a:gradFill>
+                  <a:ln>
+                    <a:noFill/>
+                  </a:ln>
+                </p:spPr>
+                <p:style>
+                  <a:lnRef idx="2">
+                    <a:schemeClr val="accent1">
+                      <a:shade val="50000"/>
+                    </a:schemeClr>
+                  </a:lnRef>
+                  <a:fillRef idx="1">
+                    <a:schemeClr val="accent1"/>
+                  </a:fillRef>
+                  <a:effectRef idx="0">
+                    <a:schemeClr val="accent1"/>
+                  </a:effectRef>
+                  <a:fontRef idx="minor">
+                    <a:schemeClr val="lt1"/>
+                  </a:fontRef>
+                </p:style>
+                <p:txBody>
+                  <a:bodyPr rtlCol="0" anchor="ctr"/>
+                  <a:lstStyle/>
+                  <a:p>
+                    <a:pPr algn="ctr"/>
+                    <a:endParaRPr lang="en-GB" sz="2000"/>
+                  </a:p>
+                </p:txBody>
+              </p:sp>
+              <p:sp>
+                <p:nvSpPr>
+                  <p:cNvPr id="120" name="CuadroTexto 119"/>
+                  <p:cNvSpPr txBox="1"/>
+                  <p:nvPr/>
+                </p:nvSpPr>
+                <p:spPr>
+                  <a:xfrm>
+                    <a:off x="7664286" y="4289861"/>
+                    <a:ext cx="356188" cy="572715"/>
+                  </a:xfrm>
+                  <a:prstGeom prst="rect">
+                    <a:avLst/>
+                  </a:prstGeom>
+                  <a:noFill/>
+                </p:spPr>
+                <p:txBody>
+                  <a:bodyPr wrap="none" rtlCol="0">
+                    <a:spAutoFit/>
+                  </a:bodyPr>
+                  <a:lstStyle/>
+                  <a:p>
+                    <a:pPr algn="ctr"/>
+                    <a:r>
+                      <a:rPr lang="en-GB" sz="2400" dirty="0" smtClean="0">
+                        <a:latin typeface="Arial" panose="020B0604020202020204" pitchFamily="34" charset="0"/>
+                        <a:cs typeface="Arial" panose="020B0604020202020204" pitchFamily="34" charset="0"/>
+                      </a:rPr>
+                      <a:t>o</a:t>
+                    </a:r>
+                    <a:endParaRPr lang="en-GB" sz="2400" dirty="0">
+                      <a:latin typeface="Arial" panose="020B0604020202020204" pitchFamily="34" charset="0"/>
+                      <a:cs typeface="Arial" panose="020B0604020202020204" pitchFamily="34" charset="0"/>
+                    </a:endParaRPr>
+                  </a:p>
+                </p:txBody>
+              </p:sp>
+              <p:sp>
+                <p:nvSpPr>
+                  <p:cNvPr id="121" name="CuadroTexto 120"/>
+                  <p:cNvSpPr txBox="1"/>
+                  <p:nvPr/>
+                </p:nvSpPr>
+                <p:spPr>
+                  <a:xfrm>
+                    <a:off x="8906603" y="4620680"/>
+                    <a:ext cx="356188" cy="572714"/>
+                  </a:xfrm>
+                  <a:prstGeom prst="rect">
+                    <a:avLst/>
+                  </a:prstGeom>
+                  <a:noFill/>
+                </p:spPr>
+                <p:txBody>
+                  <a:bodyPr wrap="none" rtlCol="0">
+                    <a:spAutoFit/>
+                  </a:bodyPr>
+                  <a:lstStyle/>
+                  <a:p>
+                    <a:pPr algn="ctr"/>
+                    <a:r>
+                      <a:rPr lang="en-GB" sz="2400" dirty="0">
+                        <a:latin typeface="Arial" panose="020B0604020202020204" pitchFamily="34" charset="0"/>
+                        <a:cs typeface="Arial" panose="020B0604020202020204" pitchFamily="34" charset="0"/>
+                      </a:rPr>
+                      <a:t>ɒ</a:t>
+                    </a:r>
+                  </a:p>
+                </p:txBody>
+              </p:sp>
+            </p:grpSp>
+            <p:grpSp>
+              <p:nvGrpSpPr>
+                <p:cNvPr id="107" name="Grupo 106"/>
+                <p:cNvGrpSpPr/>
+                <p:nvPr/>
+              </p:nvGrpSpPr>
+              <p:grpSpPr>
+                <a:xfrm>
+                  <a:off x="4614947" y="4929343"/>
+                  <a:ext cx="2078601" cy="776414"/>
+                  <a:chOff x="4693733" y="4931287"/>
+                  <a:chExt cx="2078601" cy="776414"/>
+                </a:xfrm>
+              </p:grpSpPr>
+              <p:sp>
+                <p:nvSpPr>
+                  <p:cNvPr id="114" name="Elipse 113"/>
+                  <p:cNvSpPr/>
+                  <p:nvPr/>
+                </p:nvSpPr>
+                <p:spPr>
+                  <a:xfrm rot="465407">
+                    <a:off x="4693733" y="5089838"/>
+                    <a:ext cx="2078601" cy="418515"/>
+                  </a:xfrm>
+                  <a:prstGeom prst="ellipse">
+                    <a:avLst/>
+                  </a:prstGeom>
+                  <a:gradFill>
+                    <a:gsLst>
+                      <a:gs pos="0">
+                        <a:srgbClr val="FF0066"/>
+                      </a:gs>
+                      <a:gs pos="100000">
+                        <a:srgbClr val="3399FF"/>
+                      </a:gs>
+                    </a:gsLst>
+                    <a:lin ang="0" scaled="1"/>
+                  </a:gradFill>
+                  <a:ln>
+                    <a:noFill/>
+                  </a:ln>
+                </p:spPr>
+                <p:style>
+                  <a:lnRef idx="2">
+                    <a:schemeClr val="accent1">
+                      <a:shade val="50000"/>
+                    </a:schemeClr>
+                  </a:lnRef>
+                  <a:fillRef idx="1">
+                    <a:schemeClr val="accent1"/>
+                  </a:fillRef>
+                  <a:effectRef idx="0">
+                    <a:schemeClr val="accent1"/>
+                  </a:effectRef>
+                  <a:fontRef idx="minor">
+                    <a:schemeClr val="lt1"/>
+                  </a:fontRef>
+                </p:style>
+                <p:txBody>
+                  <a:bodyPr rtlCol="0" anchor="ctr"/>
+                  <a:lstStyle/>
+                  <a:p>
+                    <a:pPr algn="ctr"/>
+                    <a:endParaRPr lang="en-GB" sz="2000"/>
+                  </a:p>
+                </p:txBody>
+              </p:sp>
+              <p:sp>
+                <p:nvSpPr>
+                  <p:cNvPr id="116" name="CuadroTexto 115"/>
+                  <p:cNvSpPr txBox="1"/>
+                  <p:nvPr/>
+                </p:nvSpPr>
+                <p:spPr>
+                  <a:xfrm>
+                    <a:off x="4998474" y="4931287"/>
+                    <a:ext cx="269626" cy="572715"/>
+                  </a:xfrm>
+                  <a:prstGeom prst="rect">
+                    <a:avLst/>
+                  </a:prstGeom>
+                  <a:noFill/>
+                </p:spPr>
+                <p:txBody>
+                  <a:bodyPr wrap="none" rtlCol="0">
+                    <a:spAutoFit/>
+                  </a:bodyPr>
+                  <a:lstStyle/>
+                  <a:p>
+                    <a:pPr algn="ctr"/>
+                    <a:r>
+                      <a:rPr lang="en-GB" sz="2400" dirty="0" smtClean="0">
+                        <a:latin typeface="Arial" panose="020B0604020202020204" pitchFamily="34" charset="0"/>
+                        <a:cs typeface="Arial" panose="020B0604020202020204" pitchFamily="34" charset="0"/>
+                      </a:rPr>
+                      <a:t>t</a:t>
+                    </a:r>
+                    <a:endParaRPr lang="en-GB" sz="2400" dirty="0">
+                      <a:latin typeface="Arial" panose="020B0604020202020204" pitchFamily="34" charset="0"/>
+                      <a:cs typeface="Arial" panose="020B0604020202020204" pitchFamily="34" charset="0"/>
+                    </a:endParaRPr>
+                  </a:p>
+                </p:txBody>
+              </p:sp>
+              <p:sp>
+                <p:nvSpPr>
+                  <p:cNvPr id="117" name="CuadroTexto 116"/>
+                  <p:cNvSpPr txBox="1"/>
+                  <p:nvPr/>
+                </p:nvSpPr>
+                <p:spPr>
+                  <a:xfrm>
+                    <a:off x="6219942" y="5134986"/>
+                    <a:ext cx="269626" cy="572715"/>
+                  </a:xfrm>
+                  <a:prstGeom prst="rect">
+                    <a:avLst/>
+                  </a:prstGeom>
+                  <a:noFill/>
+                </p:spPr>
+                <p:txBody>
+                  <a:bodyPr wrap="none" rtlCol="0">
+                    <a:spAutoFit/>
+                  </a:bodyPr>
+                  <a:lstStyle/>
+                  <a:p>
+                    <a:pPr algn="ctr"/>
+                    <a:r>
+                      <a:rPr lang="en-GB" sz="2400" dirty="0" smtClean="0">
+                        <a:latin typeface="Arial" panose="020B0604020202020204" pitchFamily="34" charset="0"/>
+                        <a:cs typeface="Arial" panose="020B0604020202020204" pitchFamily="34" charset="0"/>
+                      </a:rPr>
+                      <a:t>t</a:t>
+                    </a:r>
+                    <a:endParaRPr lang="en-GB" sz="2400" dirty="0">
+                      <a:latin typeface="Arial" panose="020B0604020202020204" pitchFamily="34" charset="0"/>
+                      <a:cs typeface="Arial" panose="020B0604020202020204" pitchFamily="34" charset="0"/>
+                    </a:endParaRPr>
+                  </a:p>
+                </p:txBody>
+              </p:sp>
+            </p:grpSp>
+            <p:grpSp>
+              <p:nvGrpSpPr>
+                <p:cNvPr id="108" name="Grupo 107"/>
+                <p:cNvGrpSpPr/>
+                <p:nvPr/>
+              </p:nvGrpSpPr>
+              <p:grpSpPr>
+                <a:xfrm>
+                  <a:off x="4627131" y="5369558"/>
+                  <a:ext cx="2078601" cy="650811"/>
+                  <a:chOff x="4678343" y="5346083"/>
+                  <a:chExt cx="2078601" cy="650811"/>
+                </a:xfrm>
+              </p:grpSpPr>
+              <p:sp>
+                <p:nvSpPr>
+                  <p:cNvPr id="110" name="Elipse 109"/>
+                  <p:cNvSpPr/>
+                  <p:nvPr/>
+                </p:nvSpPr>
+                <p:spPr>
+                  <a:xfrm rot="256085">
+                    <a:off x="4678343" y="5447112"/>
+                    <a:ext cx="2078601" cy="418515"/>
+                  </a:xfrm>
+                  <a:prstGeom prst="ellipse">
+                    <a:avLst/>
+                  </a:prstGeom>
+                  <a:gradFill>
+                    <a:gsLst>
+                      <a:gs pos="0">
+                        <a:srgbClr val="FF0066">
+                          <a:alpha val="28000"/>
+                        </a:srgbClr>
+                      </a:gs>
+                      <a:gs pos="100000">
+                        <a:srgbClr val="3399FF">
+                          <a:alpha val="18000"/>
+                        </a:srgbClr>
+                      </a:gs>
+                    </a:gsLst>
+                    <a:lin ang="0" scaled="1"/>
+                  </a:gradFill>
+                  <a:ln>
+                    <a:noFill/>
+                  </a:ln>
+                </p:spPr>
+                <p:style>
+                  <a:lnRef idx="2">
+                    <a:schemeClr val="accent1">
+                      <a:shade val="50000"/>
+                    </a:schemeClr>
+                  </a:lnRef>
+                  <a:fillRef idx="1">
+                    <a:schemeClr val="accent1"/>
+                  </a:fillRef>
+                  <a:effectRef idx="0">
+                    <a:schemeClr val="accent1"/>
+                  </a:effectRef>
+                  <a:fontRef idx="minor">
+                    <a:schemeClr val="lt1"/>
+                  </a:fontRef>
+                </p:style>
+                <p:txBody>
+                  <a:bodyPr rtlCol="0" anchor="ctr"/>
+                  <a:lstStyle/>
+                  <a:p>
+                    <a:pPr algn="ctr"/>
+                    <a:endParaRPr lang="en-GB" sz="2000"/>
+                  </a:p>
+                </p:txBody>
+              </p:sp>
+              <p:sp>
+                <p:nvSpPr>
+                  <p:cNvPr id="112" name="CuadroTexto 111"/>
+                  <p:cNvSpPr txBox="1"/>
+                  <p:nvPr/>
+                </p:nvSpPr>
+                <p:spPr>
+                  <a:xfrm>
+                    <a:off x="4931128" y="5346083"/>
+                    <a:ext cx="356188" cy="572715"/>
+                  </a:xfrm>
+                  <a:prstGeom prst="rect">
+                    <a:avLst/>
+                  </a:prstGeom>
+                  <a:noFill/>
+                </p:spPr>
+                <p:txBody>
+                  <a:bodyPr wrap="none" rtlCol="0">
+                    <a:spAutoFit/>
+                  </a:bodyPr>
+                  <a:lstStyle/>
+                  <a:p>
+                    <a:pPr algn="ctr"/>
+                    <a:r>
+                      <a:rPr lang="en-GB" sz="2400" dirty="0">
+                        <a:latin typeface="Arial" panose="020B0604020202020204" pitchFamily="34" charset="0"/>
+                        <a:cs typeface="Arial" panose="020B0604020202020204" pitchFamily="34" charset="0"/>
+                      </a:rPr>
+                      <a:t>e</a:t>
+                    </a:r>
+                  </a:p>
+                </p:txBody>
+              </p:sp>
+              <p:sp>
+                <p:nvSpPr>
+                  <p:cNvPr id="113" name="CuadroTexto 112"/>
+                  <p:cNvSpPr txBox="1"/>
+                  <p:nvPr/>
+                </p:nvSpPr>
+                <p:spPr>
+                  <a:xfrm>
+                    <a:off x="6159524" y="5424179"/>
+                    <a:ext cx="356188" cy="572715"/>
+                  </a:xfrm>
+                  <a:prstGeom prst="rect">
+                    <a:avLst/>
+                  </a:prstGeom>
+                  <a:noFill/>
+                </p:spPr>
+                <p:txBody>
+                  <a:bodyPr wrap="none" rtlCol="0">
+                    <a:spAutoFit/>
+                  </a:bodyPr>
+                  <a:lstStyle/>
+                  <a:p>
+                    <a:pPr algn="ctr"/>
+                    <a:r>
+                      <a:rPr lang="en-GB" sz="2400" dirty="0">
+                        <a:latin typeface="Arial" panose="020B0604020202020204" pitchFamily="34" charset="0"/>
+                        <a:cs typeface="Arial" panose="020B0604020202020204" pitchFamily="34" charset="0"/>
+                      </a:rPr>
+                      <a:t>ə</a:t>
+                    </a:r>
+                  </a:p>
+                </p:txBody>
+              </p:sp>
+            </p:grpSp>
+            <p:sp>
+              <p:nvSpPr>
+                <p:cNvPr id="109" name="CuadroTexto 108"/>
+                <p:cNvSpPr txBox="1"/>
+                <p:nvPr/>
+              </p:nvSpPr>
+              <p:spPr>
+                <a:xfrm>
+                  <a:off x="6219879" y="6341513"/>
+                  <a:ext cx="184731" cy="572715"/>
+                </a:xfrm>
+                <a:prstGeom prst="rect">
+                  <a:avLst/>
+                </a:prstGeom>
+                <a:noFill/>
+              </p:spPr>
+              <p:txBody>
+                <a:bodyPr wrap="none" rtlCol="0">
+                  <a:spAutoFit/>
+                </a:bodyPr>
+                <a:lstStyle/>
+                <a:p>
+                  <a:pPr algn="ctr"/>
+                  <a:endParaRPr lang="en-GB" sz="2400" dirty="0">
+                    <a:latin typeface="Arial" panose="020B0604020202020204" pitchFamily="34" charset="0"/>
+                    <a:cs typeface="Arial" panose="020B0604020202020204" pitchFamily="34" charset="0"/>
+                  </a:endParaRPr>
+                </a:p>
+              </p:txBody>
+            </p:sp>
+          </p:grpSp>
+          <p:sp>
+            <p:nvSpPr>
+              <p:cNvPr id="103" name="CuadroTexto 102"/>
+              <p:cNvSpPr txBox="1"/>
+              <p:nvPr/>
+            </p:nvSpPr>
+            <p:spPr>
+              <a:xfrm>
+                <a:off x="5250340" y="5328075"/>
+                <a:ext cx="306495" cy="572715"/>
+              </a:xfrm>
+              <a:prstGeom prst="rect">
+                <a:avLst/>
+              </a:prstGeom>
+              <a:noFill/>
+            </p:spPr>
+            <p:txBody>
+              <a:bodyPr wrap="none" rtlCol="0">
+                <a:spAutoFit/>
+              </a:bodyPr>
+              <a:lstStyle/>
+              <a:p>
+                <a:pPr algn="ctr"/>
+                <a:r>
+                  <a:rPr lang="en-GB" sz="2400" dirty="0">
+                    <a:latin typeface="Arial" panose="020B0604020202020204" pitchFamily="34" charset="0"/>
+                    <a:cs typeface="Arial" panose="020B0604020202020204" pitchFamily="34" charset="0"/>
+                  </a:rPr>
+                  <a:t>ʝ</a:t>
+                </a:r>
+              </a:p>
+            </p:txBody>
+          </p:sp>
+          <p:sp>
+            <p:nvSpPr>
+              <p:cNvPr id="104" name="Rectángulo 103"/>
+              <p:cNvSpPr/>
+              <p:nvPr/>
+            </p:nvSpPr>
+            <p:spPr>
+              <a:xfrm>
+                <a:off x="5240207" y="5801319"/>
+                <a:ext cx="332142" cy="572715"/>
+              </a:xfrm>
+              <a:prstGeom prst="rect">
+                <a:avLst/>
+              </a:prstGeom>
+            </p:spPr>
+            <p:txBody>
+              <a:bodyPr wrap="none">
+                <a:spAutoFit/>
+              </a:bodyPr>
+              <a:lstStyle/>
+              <a:p>
+                <a:r>
+                  <a:rPr lang="en-GB" sz="2400" dirty="0"/>
+                  <a:t>a</a:t>
+                </a:r>
+              </a:p>
+            </p:txBody>
+          </p:sp>
+        </p:grpSp>
+        <p:sp>
+          <p:nvSpPr>
+            <p:cNvPr id="98" name="Rectángulo 97"/>
+            <p:cNvSpPr/>
+            <p:nvPr/>
+          </p:nvSpPr>
+          <p:spPr>
+            <a:xfrm>
+              <a:off x="6526667" y="5415154"/>
+              <a:ext cx="243978" cy="496353"/>
+            </a:xfrm>
+            <a:prstGeom prst="rect">
+              <a:avLst/>
+            </a:prstGeom>
+          </p:spPr>
+          <p:txBody>
+            <a:bodyPr wrap="none">
+              <a:spAutoFit/>
+            </a:bodyPr>
+            <a:lstStyle/>
+            <a:p>
+              <a:r>
+                <a:rPr lang="en-GB" sz="2000" dirty="0"/>
+                <a:t>l</a:t>
+              </a:r>
+            </a:p>
+          </p:txBody>
+        </p:sp>
+      </p:grpSp>
+      <p:cxnSp>
+        <p:nvCxnSpPr>
+          <p:cNvPr id="125" name="Conector recto de flecha 124"/>
+          <p:cNvCxnSpPr>
+            <a:stCxn id="130" idx="3"/>
+            <a:endCxn id="128" idx="1"/>
+          </p:cNvCxnSpPr>
+          <p:nvPr/>
+        </p:nvCxnSpPr>
+        <p:spPr>
+          <a:xfrm>
+            <a:off x="5350807" y="3629132"/>
+            <a:ext cx="1589847" cy="0"/>
+          </a:xfrm>
+          <a:prstGeom prst="straightConnector1">
+            <a:avLst/>
+          </a:prstGeom>
+          <a:ln w="76200">
+            <a:gradFill flip="none" rotWithShape="1">
+              <a:gsLst>
+                <a:gs pos="0">
+                  <a:srgbClr val="FF0066"/>
+                </a:gs>
+                <a:gs pos="100000">
+                  <a:srgbClr val="3399FF"/>
+                </a:gs>
+              </a:gsLst>
+              <a:lin ang="0" scaled="1"/>
+              <a:tileRect/>
+            </a:gradFill>
+            <a:prstDash val="dash"/>
+            <a:headEnd type="none" w="med" len="med"/>
+            <a:tailEnd type="triangle" w="med" len="med"/>
+          </a:ln>
+        </p:spPr>
+        <p:style>
+          <a:lnRef idx="1">
+            <a:schemeClr val="accent1"/>
+          </a:lnRef>
+          <a:fillRef idx="0">
+            <a:schemeClr val="accent1"/>
+          </a:fillRef>
+          <a:effectRef idx="0">
+            <a:schemeClr val="accent1"/>
+          </a:effectRef>
+          <a:fontRef idx="minor">
+            <a:schemeClr val="tx1"/>
+          </a:fontRef>
+        </p:style>
+      </p:cxnSp>
+      <p:grpSp>
+        <p:nvGrpSpPr>
+          <p:cNvPr id="126" name="Grupo 125"/>
+          <p:cNvGrpSpPr/>
+          <p:nvPr/>
+        </p:nvGrpSpPr>
+        <p:grpSpPr>
+          <a:xfrm>
+            <a:off x="3614434" y="3336744"/>
+            <a:ext cx="4876644" cy="584775"/>
+            <a:chOff x="3614434" y="3336744"/>
+            <a:chExt cx="4876644" cy="584775"/>
+          </a:xfrm>
+        </p:grpSpPr>
+        <p:sp>
+          <p:nvSpPr>
+            <p:cNvPr id="128" name="CuadroTexto 127"/>
+            <p:cNvSpPr txBox="1"/>
+            <p:nvPr/>
+          </p:nvSpPr>
+          <p:spPr>
+            <a:xfrm>
+              <a:off x="6940654" y="3336744"/>
+              <a:ext cx="1550424" cy="584775"/>
+            </a:xfrm>
+            <a:prstGeom prst="rect">
+              <a:avLst/>
+            </a:prstGeom>
+            <a:noFill/>
+          </p:spPr>
+          <p:txBody>
+            <a:bodyPr wrap="none" rtlCol="0">
+              <a:spAutoFit/>
+            </a:bodyPr>
+            <a:lstStyle/>
+            <a:p>
+              <a:r>
+                <a:rPr lang="en-GB" sz="3200" dirty="0">
+                  <a:solidFill>
+                    <a:srgbClr val="3399FF"/>
+                  </a:solidFill>
+                  <a:latin typeface="Arial" panose="020B0604020202020204" pitchFamily="34" charset="0"/>
+                  <a:cs typeface="Arial" panose="020B0604020202020204" pitchFamily="34" charset="0"/>
+                </a:rPr>
+                <a:t>/ˈbɒ.təl/</a:t>
+              </a:r>
+            </a:p>
+          </p:txBody>
+        </p:sp>
+        <p:sp>
+          <p:nvSpPr>
+            <p:cNvPr id="130" name="CuadroTexto 129"/>
+            <p:cNvSpPr txBox="1"/>
+            <p:nvPr/>
+          </p:nvSpPr>
+          <p:spPr>
+            <a:xfrm>
+              <a:off x="3614434" y="3336744"/>
+              <a:ext cx="1736373" cy="584775"/>
+            </a:xfrm>
+            <a:prstGeom prst="rect">
+              <a:avLst/>
+            </a:prstGeom>
+            <a:noFill/>
+          </p:spPr>
+          <p:txBody>
+            <a:bodyPr wrap="none" rtlCol="0">
+              <a:spAutoFit/>
+            </a:bodyPr>
+            <a:lstStyle/>
+            <a:p>
+              <a:r>
+                <a:rPr lang="en-GB" sz="3200" dirty="0">
+                  <a:solidFill>
+                    <a:srgbClr val="FF0066"/>
+                  </a:solidFill>
+                  <a:latin typeface="Arial" panose="020B0604020202020204" pitchFamily="34" charset="0"/>
+                  <a:cs typeface="Arial" panose="020B0604020202020204" pitchFamily="34" charset="0"/>
+                </a:rPr>
+                <a:t>/boˈteʝa/</a:t>
+              </a:r>
+            </a:p>
+          </p:txBody>
+        </p:sp>
+      </p:grpSp>
+      <p:sp>
+        <p:nvSpPr>
+          <p:cNvPr id="41" name="CuadroTexto 40"/>
+          <p:cNvSpPr txBox="1"/>
+          <p:nvPr/>
+        </p:nvSpPr>
+        <p:spPr>
+          <a:xfrm>
+            <a:off x="5203711" y="2903219"/>
+            <a:ext cx="1694883" cy="369332"/>
+          </a:xfrm>
+          <a:prstGeom prst="rect">
+            <a:avLst/>
+          </a:prstGeom>
+          <a:noFill/>
+        </p:spPr>
+        <p:txBody>
+          <a:bodyPr wrap="square" rtlCol="0">
+            <a:spAutoFit/>
+          </a:bodyPr>
+          <a:lstStyle/>
+          <a:p>
+            <a:pPr algn="ctr"/>
+            <a:r>
+              <a:rPr lang="es-ES" dirty="0" smtClean="0">
+                <a:latin typeface="Arial" panose="020B0604020202020204" pitchFamily="34" charset="0"/>
+                <a:cs typeface="Arial" panose="020B0604020202020204" pitchFamily="34" charset="0"/>
+              </a:rPr>
+              <a:t>Lexical route</a:t>
+            </a:r>
+            <a:endParaRPr lang="en-GB" dirty="0">
+              <a:latin typeface="Arial" panose="020B0604020202020204" pitchFamily="34" charset="0"/>
+              <a:cs typeface="Arial" panose="020B0604020202020204" pitchFamily="34" charset="0"/>
+            </a:endParaRPr>
+          </a:p>
+        </p:txBody>
+      </p:sp>
+    </p:spTree>
+    <p:extLst>
+      <p:ext uri="{BB962C8B-B14F-4D97-AF65-F5344CB8AC3E}">
+        <p14:creationId xmlns:p14="http://schemas.microsoft.com/office/powerpoint/2010/main" val="3746089578"/>
+      </p:ext>
+    </p:extLst>
+  </p:cSld>
+  <p:clrMapOvr>
+    <a:masterClrMapping/>
+  </p:clrMapOvr>
+  <p:timing>
+    <p:tnLst>
+      <p:par>
+        <p:cTn id="1" dur="indefinite" restart="never" nodeType="tmRoot"/>
+      </p:par>
+    </p:tnLst>
+  </p:timing>
+</p:sld>
+</file>
+
+<file path=ppt/slides/slide7.xml><?xml version="1.0" encoding="utf-8"?>
 <p:sld xmlns:a="http://schemas.openxmlformats.org/drawingml/2006/main" xmlns:r="http://schemas.openxmlformats.org/officeDocument/2006/relationships" xmlns:p="http://schemas.openxmlformats.org/presentationml/2006/main">
   <p:cSld>
     <p:spTree>
@@ -6050,56 +8305,13 @@
       </p:grpSp>
       <p:sp>
         <p:nvSpPr>
-          <p:cNvPr id="101" name="CuadroTexto 100"/>
-          <p:cNvSpPr txBox="1"/>
-          <p:nvPr/>
-        </p:nvSpPr>
-        <p:spPr>
-          <a:xfrm>
-            <a:off x="6707875" y="1179351"/>
-            <a:ext cx="1849271" cy="338554"/>
-          </a:xfrm>
-          <a:prstGeom prst="rect">
-            <a:avLst/>
-          </a:prstGeom>
-          <a:noFill/>
-        </p:spPr>
-        <p:txBody>
-          <a:bodyPr wrap="square" rtlCol="0">
-            <a:spAutoFit/>
-          </a:bodyPr>
-          <a:lstStyle/>
-          <a:p>
-            <a:r>
-              <a:rPr lang="es-ES" sz="1600" dirty="0" smtClean="0">
-                <a:latin typeface="Arial" panose="020B0604020202020204" pitchFamily="34" charset="0"/>
-                <a:cs typeface="Arial" panose="020B0604020202020204" pitchFamily="34" charset="0"/>
-              </a:rPr>
-              <a:t>Conceptual </a:t>
-            </a:r>
-            <a:r>
-              <a:rPr lang="es-ES" sz="1600" dirty="0" err="1" smtClean="0">
-                <a:latin typeface="Arial" panose="020B0604020202020204" pitchFamily="34" charset="0"/>
-                <a:cs typeface="Arial" panose="020B0604020202020204" pitchFamily="34" charset="0"/>
-              </a:rPr>
-              <a:t>route</a:t>
-            </a:r>
-            <a:endParaRPr lang="en-GB" sz="1600" dirty="0">
-              <a:latin typeface="Arial" panose="020B0604020202020204" pitchFamily="34" charset="0"/>
-              <a:cs typeface="Arial" panose="020B0604020202020204" pitchFamily="34" charset="0"/>
-            </a:endParaRPr>
-          </a:p>
-        </p:txBody>
-      </p:sp>
-      <p:sp>
-        <p:nvSpPr>
           <p:cNvPr id="102" name="CuadroTexto 101"/>
           <p:cNvSpPr txBox="1"/>
           <p:nvPr/>
         </p:nvSpPr>
         <p:spPr>
           <a:xfrm>
-            <a:off x="5182127" y="3117499"/>
+            <a:off x="5203711" y="2903219"/>
             <a:ext cx="1694883" cy="338554"/>
           </a:xfrm>
           <a:prstGeom prst="rect">
@@ -6119,14 +8331,7 @@
                 <a:latin typeface="Arial" panose="020B0604020202020204" pitchFamily="34" charset="0"/>
                 <a:cs typeface="Arial" panose="020B0604020202020204" pitchFamily="34" charset="0"/>
               </a:rPr>
-              <a:t>Lexical </a:t>
-            </a:r>
-            <a:r>
-              <a:rPr lang="es-ES" sz="1600" dirty="0" err="1" smtClean="0">
-                <a:latin typeface="Arial" panose="020B0604020202020204" pitchFamily="34" charset="0"/>
-                <a:cs typeface="Arial" panose="020B0604020202020204" pitchFamily="34" charset="0"/>
-              </a:rPr>
-              <a:t>route</a:t>
+              <a:t>Lexical route</a:t>
             </a:r>
             <a:endParaRPr lang="en-GB" sz="1600" dirty="0">
               <a:latin typeface="Arial" panose="020B0604020202020204" pitchFamily="34" charset="0"/>
@@ -6135,18 +8340,197 @@
           </a:p>
         </p:txBody>
       </p:sp>
+      <p:cxnSp>
+        <p:nvCxnSpPr>
+          <p:cNvPr id="107" name="Conector recto de flecha 106"/>
+          <p:cNvCxnSpPr>
+            <a:stCxn id="114" idx="3"/>
+            <a:endCxn id="112" idx="1"/>
+          </p:cNvCxnSpPr>
+          <p:nvPr/>
+        </p:nvCxnSpPr>
+        <p:spPr>
+          <a:xfrm flipV="1">
+            <a:off x="5178959" y="3580542"/>
+            <a:ext cx="2116010" cy="24695"/>
+          </a:xfrm>
+          <a:prstGeom prst="straightConnector1">
+            <a:avLst/>
+          </a:prstGeom>
+          <a:ln w="57150">
+            <a:gradFill flip="none" rotWithShape="1">
+              <a:gsLst>
+                <a:gs pos="0">
+                  <a:srgbClr val="FF0066"/>
+                </a:gs>
+                <a:gs pos="100000">
+                  <a:srgbClr val="3399FF"/>
+                </a:gs>
+              </a:gsLst>
+              <a:lin ang="0" scaled="1"/>
+              <a:tileRect/>
+            </a:gradFill>
+            <a:prstDash val="dash"/>
+            <a:headEnd type="none" w="med" len="med"/>
+            <a:tailEnd type="triangle" w="med" len="med"/>
+          </a:ln>
+        </p:spPr>
+        <p:style>
+          <a:lnRef idx="1">
+            <a:schemeClr val="accent1"/>
+          </a:lnRef>
+          <a:fillRef idx="0">
+            <a:schemeClr val="accent1"/>
+          </a:fillRef>
+          <a:effectRef idx="0">
+            <a:schemeClr val="accent1"/>
+          </a:effectRef>
+          <a:fontRef idx="minor">
+            <a:schemeClr val="tx1"/>
+          </a:fontRef>
+        </p:style>
+      </p:cxnSp>
       <p:grpSp>
         <p:nvGrpSpPr>
-          <p:cNvPr id="21" name="Grupo 20"/>
+          <p:cNvPr id="110" name="Grupo 109"/>
           <p:cNvGrpSpPr/>
           <p:nvPr/>
         </p:nvGrpSpPr>
         <p:grpSpPr>
           <a:xfrm>
-            <a:off x="5153325" y="4165415"/>
-            <a:ext cx="2171950" cy="2113496"/>
-            <a:chOff x="4948052" y="3676859"/>
-            <a:chExt cx="2171950" cy="2621880"/>
+            <a:off x="3434571" y="3318932"/>
+            <a:ext cx="4803285" cy="547915"/>
+            <a:chOff x="3434571" y="3318932"/>
+            <a:chExt cx="4803285" cy="547915"/>
+          </a:xfrm>
+        </p:grpSpPr>
+        <p:sp>
+          <p:nvSpPr>
+            <p:cNvPr id="112" name="CuadroTexto 111"/>
+            <p:cNvSpPr txBox="1"/>
+            <p:nvPr/>
+          </p:nvSpPr>
+          <p:spPr>
+            <a:xfrm>
+              <a:off x="7294969" y="3318932"/>
+              <a:ext cx="942887" cy="523220"/>
+            </a:xfrm>
+            <a:prstGeom prst="rect">
+              <a:avLst/>
+            </a:prstGeom>
+            <a:noFill/>
+          </p:spPr>
+          <p:txBody>
+            <a:bodyPr wrap="none" rtlCol="0">
+              <a:spAutoFit/>
+            </a:bodyPr>
+            <a:lstStyle/>
+            <a:p>
+              <a:r>
+                <a:rPr lang="en-GB" sz="2800" dirty="0" smtClean="0">
+                  <a:solidFill>
+                    <a:srgbClr val="3399FF"/>
+                  </a:solidFill>
+                  <a:latin typeface="Arial" panose="020B0604020202020204" pitchFamily="34" charset="0"/>
+                  <a:cs typeface="Arial" panose="020B0604020202020204" pitchFamily="34" charset="0"/>
+                </a:rPr>
+                <a:t>/</a:t>
+              </a:r>
+              <a:r>
+                <a:rPr lang="en-GB" sz="2800" dirty="0" smtClean="0">
+                  <a:solidFill>
+                    <a:srgbClr val="3399FF"/>
+                  </a:solidFill>
+                  <a:latin typeface="Arial" panose="020B0604020202020204" pitchFamily="34" charset="0"/>
+                  <a:cs typeface="Arial" panose="020B0604020202020204" pitchFamily="34" charset="0"/>
+                </a:rPr>
+                <a:t>sɑk/</a:t>
+              </a:r>
+              <a:endParaRPr lang="en-GB" sz="2800" dirty="0">
+                <a:solidFill>
+                  <a:srgbClr val="3399FF"/>
+                </a:solidFill>
+                <a:latin typeface="Arial" panose="020B0604020202020204" pitchFamily="34" charset="0"/>
+                <a:cs typeface="Arial" panose="020B0604020202020204" pitchFamily="34" charset="0"/>
+              </a:endParaRPr>
+            </a:p>
+          </p:txBody>
+        </p:sp>
+        <p:sp>
+          <p:nvSpPr>
+            <p:cNvPr id="114" name="CuadroTexto 113"/>
+            <p:cNvSpPr txBox="1"/>
+            <p:nvPr/>
+          </p:nvSpPr>
+          <p:spPr>
+            <a:xfrm>
+              <a:off x="3434571" y="3343627"/>
+              <a:ext cx="1744388" cy="523220"/>
+            </a:xfrm>
+            <a:prstGeom prst="rect">
+              <a:avLst/>
+            </a:prstGeom>
+            <a:noFill/>
+          </p:spPr>
+          <p:txBody>
+            <a:bodyPr wrap="none" rtlCol="0">
+              <a:spAutoFit/>
+            </a:bodyPr>
+            <a:lstStyle/>
+            <a:p>
+              <a:r>
+                <a:rPr lang="en-GB" sz="2800" dirty="0">
+                  <a:solidFill>
+                    <a:srgbClr val="FF0066"/>
+                  </a:solidFill>
+                  <a:latin typeface="Arial" panose="020B0604020202020204" pitchFamily="34" charset="0"/>
+                  <a:cs typeface="Arial" panose="020B0604020202020204" pitchFamily="34" charset="0"/>
+                </a:rPr>
+                <a:t>/kal</a:t>
+              </a:r>
+              <a:r>
+                <a:rPr lang="el-GR" sz="2800" dirty="0">
+                  <a:solidFill>
+                    <a:srgbClr val="FF0066"/>
+                  </a:solidFill>
+                  <a:latin typeface="Arial" panose="020B0604020202020204" pitchFamily="34" charset="0"/>
+                  <a:cs typeface="Arial" panose="020B0604020202020204" pitchFamily="34" charset="0"/>
+                </a:rPr>
+                <a:t>θ</a:t>
+              </a:r>
+              <a:r>
+                <a:rPr lang="en-GB" sz="2800" dirty="0">
+                  <a:solidFill>
+                    <a:srgbClr val="FF0066"/>
+                  </a:solidFill>
+                  <a:latin typeface="Arial" panose="020B0604020202020204" pitchFamily="34" charset="0"/>
+                  <a:cs typeface="Arial" panose="020B0604020202020204" pitchFamily="34" charset="0"/>
+                </a:rPr>
+                <a:t>eˈtin/</a:t>
+              </a:r>
+              <a:endParaRPr lang="en-GB" sz="2800" dirty="0">
+                <a:solidFill>
+                  <a:srgbClr val="FF0066"/>
+                </a:solidFill>
+                <a:latin typeface="Arial" panose="020B0604020202020204" pitchFamily="34" charset="0"/>
+                <a:cs typeface="Arial" panose="020B0604020202020204" pitchFamily="34" charset="0"/>
+              </a:endParaRPr>
+            </a:p>
+          </p:txBody>
+        </p:sp>
+      </p:grpSp>
+      <p:grpSp>
+        <p:nvGrpSpPr>
+          <p:cNvPr id="7" name="Grupo 6"/>
+          <p:cNvGrpSpPr/>
+          <p:nvPr/>
+        </p:nvGrpSpPr>
+        <p:grpSpPr>
+          <a:xfrm>
+            <a:off x="5245799" y="3829554"/>
+            <a:ext cx="1551274" cy="2166725"/>
+            <a:chOff x="5446464" y="3798322"/>
+            <a:chExt cx="1551274" cy="2166725"/>
           </a:xfrm>
         </p:grpSpPr>
         <p:grpSp>
@@ -6157,70 +8541,12 @@
           </p:nvGrpSpPr>
           <p:grpSpPr>
             <a:xfrm>
-              <a:off x="4948052" y="3676859"/>
-              <a:ext cx="2171950" cy="2621880"/>
-              <a:chOff x="4948052" y="3676859"/>
-              <a:chExt cx="2171950" cy="2621880"/>
+              <a:off x="5446464" y="3798322"/>
+              <a:ext cx="1551274" cy="2113496"/>
+              <a:chOff x="5255303" y="3676859"/>
+              <a:chExt cx="1551274" cy="2621880"/>
             </a:xfrm>
           </p:grpSpPr>
-          <p:sp>
-            <p:nvSpPr>
-              <p:cNvPr id="103" name="Elipse 102"/>
-              <p:cNvSpPr/>
-              <p:nvPr/>
-            </p:nvSpPr>
-            <p:spPr>
-              <a:xfrm>
-                <a:off x="5003383" y="5398853"/>
-                <a:ext cx="2078601" cy="418515"/>
-              </a:xfrm>
-              <a:prstGeom prst="ellipse">
-                <a:avLst/>
-              </a:prstGeom>
-              <a:gradFill>
-                <a:gsLst>
-                  <a:gs pos="0">
-                    <a:srgbClr val="FF0066">
-                      <a:alpha val="0"/>
-                    </a:srgbClr>
-                  </a:gs>
-                  <a:gs pos="100000">
-                    <a:srgbClr val="3399FF">
-                      <a:alpha val="52000"/>
-                    </a:srgbClr>
-                  </a:gs>
-                </a:gsLst>
-                <a:lin ang="0" scaled="1"/>
-              </a:gradFill>
-              <a:ln>
-                <a:noFill/>
-              </a:ln>
-            </p:spPr>
-            <p:style>
-              <a:lnRef idx="2">
-                <a:schemeClr val="accent1">
-                  <a:shade val="50000"/>
-                </a:schemeClr>
-              </a:lnRef>
-              <a:fillRef idx="1">
-                <a:schemeClr val="accent1"/>
-              </a:fillRef>
-              <a:effectRef idx="0">
-                <a:schemeClr val="accent1"/>
-              </a:effectRef>
-              <a:fontRef idx="minor">
-                <a:schemeClr val="lt1"/>
-              </a:fontRef>
-            </p:style>
-            <p:txBody>
-              <a:bodyPr rtlCol="0" anchor="ctr"/>
-              <a:lstStyle/>
-              <a:p>
-                <a:pPr algn="ctr"/>
-                <a:endParaRPr lang="en-GB"/>
-              </a:p>
-            </p:txBody>
-          </p:sp>
           <p:grpSp>
             <p:nvGrpSpPr>
               <p:cNvPr id="79" name="Grupo 78"/>
@@ -6229,10 +8555,10 @@
             </p:nvGrpSpPr>
             <p:grpSpPr>
               <a:xfrm>
-                <a:off x="4948052" y="3676859"/>
-                <a:ext cx="2171950" cy="2621880"/>
-                <a:chOff x="4589008" y="4119742"/>
-                <a:chExt cx="2171950" cy="2621880"/>
+                <a:off x="5255303" y="3676859"/>
+                <a:ext cx="1551274" cy="2621880"/>
+                <a:chOff x="4896259" y="4119742"/>
+                <a:chExt cx="1551274" cy="2621880"/>
               </a:xfrm>
             </p:grpSpPr>
             <p:grpSp>
@@ -6243,66 +8569,12 @@
               </p:nvGrpSpPr>
               <p:grpSpPr>
                 <a:xfrm>
-                  <a:off x="4682357" y="4119742"/>
-                  <a:ext cx="2078601" cy="778216"/>
-                  <a:chOff x="4682357" y="4119742"/>
-                  <a:chExt cx="2078601" cy="778216"/>
+                  <a:off x="4901557" y="4119742"/>
+                  <a:ext cx="1538762" cy="1024018"/>
+                  <a:chOff x="4901557" y="4119742"/>
+                  <a:chExt cx="1538762" cy="1024018"/>
                 </a:xfrm>
               </p:grpSpPr>
-              <p:sp>
-                <p:nvSpPr>
-                  <p:cNvPr id="68" name="Elipse 67"/>
-                  <p:cNvSpPr/>
-                  <p:nvPr/>
-                </p:nvSpPr>
-                <p:spPr>
-                  <a:xfrm rot="880948">
-                    <a:off x="4682357" y="4368946"/>
-                    <a:ext cx="2078601" cy="418515"/>
-                  </a:xfrm>
-                  <a:prstGeom prst="ellipse">
-                    <a:avLst/>
-                  </a:prstGeom>
-                  <a:gradFill>
-                    <a:gsLst>
-                      <a:gs pos="0">
-                        <a:srgbClr val="FF0066"/>
-                      </a:gs>
-                      <a:gs pos="100000">
-                        <a:srgbClr val="3399FF"/>
-                      </a:gs>
-                    </a:gsLst>
-                    <a:lin ang="0" scaled="1"/>
-                  </a:gradFill>
-                  <a:ln>
-                    <a:noFill/>
-                  </a:ln>
-                </p:spPr>
-                <p:style>
-                  <a:lnRef idx="2">
-                    <a:schemeClr val="accent1">
-                      <a:shade val="50000"/>
-                    </a:schemeClr>
-                  </a:lnRef>
-                  <a:fillRef idx="1">
-                    <a:schemeClr val="accent1"/>
-                  </a:fillRef>
-                  <a:effectRef idx="0">
-                    <a:schemeClr val="accent1"/>
-                  </a:effectRef>
-                  <a:fontRef idx="minor">
-                    <a:schemeClr val="lt1"/>
-                  </a:fontRef>
-                </p:style>
-                <p:txBody>
-                  <a:bodyPr rtlCol="0" anchor="ctr"/>
-                  <a:lstStyle/>
-                  <a:p>
-                    <a:pPr algn="ctr"/>
-                    <a:endParaRPr lang="en-GB"/>
-                  </a:p>
-                </p:txBody>
-              </p:sp>
               <p:sp>
                 <p:nvSpPr>
                   <p:cNvPr id="8" name="CuadroTexto 7"/>
@@ -6311,8 +8583,8 @@
                 </p:nvSpPr>
                 <p:spPr>
                   <a:xfrm>
-                    <a:off x="4894343" y="4119742"/>
-                    <a:ext cx="327334" cy="400111"/>
+                    <a:off x="4901557" y="4119742"/>
+                    <a:ext cx="312907" cy="496354"/>
                   </a:xfrm>
                   <a:prstGeom prst="rect">
                     <a:avLst/>
@@ -6328,12 +8600,18 @@
                     <a:pPr algn="ctr"/>
                     <a:r>
                       <a:rPr lang="es-ES" sz="2000" dirty="0">
+                        <a:solidFill>
+                          <a:srgbClr val="FF0066"/>
+                        </a:solidFill>
                         <a:latin typeface="Arial" panose="020B0604020202020204" pitchFamily="34" charset="0"/>
                         <a:cs typeface="Arial" panose="020B0604020202020204" pitchFamily="34" charset="0"/>
                       </a:rPr>
-                      <a:t>b</a:t>
+                      <a:t>k</a:t>
                     </a:r>
                     <a:endParaRPr lang="en-GB" sz="2000" dirty="0">
+                      <a:solidFill>
+                        <a:srgbClr val="FF0066"/>
+                      </a:solidFill>
                       <a:latin typeface="Arial" panose="020B0604020202020204" pitchFamily="34" charset="0"/>
                       <a:cs typeface="Arial" panose="020B0604020202020204" pitchFamily="34" charset="0"/>
                     </a:endParaRPr>
@@ -6348,8 +8626,8 @@
                 </p:nvSpPr>
                 <p:spPr>
                   <a:xfrm>
-                    <a:off x="6127413" y="4497848"/>
-                    <a:ext cx="327334" cy="400110"/>
+                    <a:off x="6127413" y="4647406"/>
+                    <a:ext cx="312906" cy="496354"/>
                   </a:xfrm>
                   <a:prstGeom prst="rect">
                     <a:avLst/>
@@ -6365,12 +8643,18 @@
                     <a:pPr algn="ctr"/>
                     <a:r>
                       <a:rPr lang="es-ES" sz="2000" dirty="0" smtClean="0">
+                        <a:solidFill>
+                          <a:srgbClr val="3399FF"/>
+                        </a:solidFill>
                         <a:latin typeface="Arial" panose="020B0604020202020204" pitchFamily="34" charset="0"/>
                         <a:cs typeface="Arial" panose="020B0604020202020204" pitchFamily="34" charset="0"/>
                       </a:rPr>
-                      <a:t>b</a:t>
+                      <a:t>s</a:t>
                     </a:r>
                     <a:endParaRPr lang="en-GB" sz="2000" dirty="0">
+                      <a:solidFill>
+                        <a:srgbClr val="3399FF"/>
+                      </a:solidFill>
                       <a:latin typeface="Arial" panose="020B0604020202020204" pitchFamily="34" charset="0"/>
                       <a:cs typeface="Arial" panose="020B0604020202020204" pitchFamily="34" charset="0"/>
                     </a:endParaRPr>
@@ -6386,128 +8670,12 @@
               </p:nvGrpSpPr>
               <p:grpSpPr>
                 <a:xfrm>
-                  <a:off x="4654773" y="4429438"/>
-                  <a:ext cx="2104540" cy="784532"/>
-                  <a:chOff x="7439143" y="4289861"/>
-                  <a:chExt cx="2104540" cy="784532"/>
+                  <a:off x="4896259" y="4387846"/>
+                  <a:ext cx="1551274" cy="1116973"/>
+                  <a:chOff x="7680629" y="4248269"/>
+                  <a:chExt cx="1551274" cy="1116973"/>
                 </a:xfrm>
               </p:grpSpPr>
-              <p:sp>
-                <p:nvSpPr>
-                  <p:cNvPr id="104" name="Elipse 103"/>
-                  <p:cNvSpPr/>
-                  <p:nvPr/>
-                </p:nvSpPr>
-                <p:spPr>
-                  <a:xfrm rot="732889">
-                    <a:off x="7465082" y="4523792"/>
-                    <a:ext cx="2078601" cy="418515"/>
-                  </a:xfrm>
-                  <a:prstGeom prst="ellipse">
-                    <a:avLst/>
-                  </a:prstGeom>
-                  <a:gradFill>
-                    <a:gsLst>
-                      <a:gs pos="0">
-                        <a:srgbClr val="FF0066">
-                          <a:alpha val="0"/>
-                        </a:srgbClr>
-                      </a:gs>
-                      <a:gs pos="100000">
-                        <a:srgbClr val="3399FF">
-                          <a:alpha val="47000"/>
-                        </a:srgbClr>
-                      </a:gs>
-                    </a:gsLst>
-                    <a:lin ang="0" scaled="1"/>
-                  </a:gradFill>
-                  <a:ln>
-                    <a:noFill/>
-                  </a:ln>
-                </p:spPr>
-                <p:style>
-                  <a:lnRef idx="2">
-                    <a:schemeClr val="accent1">
-                      <a:shade val="50000"/>
-                    </a:schemeClr>
-                  </a:lnRef>
-                  <a:fillRef idx="1">
-                    <a:schemeClr val="accent1"/>
-                  </a:fillRef>
-                  <a:effectRef idx="0">
-                    <a:schemeClr val="accent1"/>
-                  </a:effectRef>
-                  <a:fontRef idx="minor">
-                    <a:schemeClr val="lt1"/>
-                  </a:fontRef>
-                </p:style>
-                <p:txBody>
-                  <a:bodyPr rtlCol="0" anchor="ctr"/>
-                  <a:lstStyle/>
-                  <a:p>
-                    <a:pPr algn="ctr"/>
-                    <a:endParaRPr lang="en-GB"/>
-                  </a:p>
-                </p:txBody>
-              </p:sp>
-              <p:sp>
-                <p:nvSpPr>
-                  <p:cNvPr id="70" name="Elipse 69"/>
-                  <p:cNvSpPr/>
-                  <p:nvPr/>
-                </p:nvSpPr>
-                <p:spPr>
-                  <a:xfrm rot="732889">
-                    <a:off x="7439143" y="4526261"/>
-                    <a:ext cx="2078601" cy="418515"/>
-                  </a:xfrm>
-                  <a:prstGeom prst="ellipse">
-                    <a:avLst/>
-                  </a:prstGeom>
-                  <a:gradFill>
-                    <a:gsLst>
-                      <a:gs pos="0">
-                        <a:srgbClr val="FF0066">
-                          <a:alpha val="0"/>
-                        </a:srgbClr>
-                      </a:gs>
-                      <a:gs pos="100000">
-                        <a:srgbClr val="3399FF">
-                          <a:alpha val="47000"/>
-                        </a:srgbClr>
-                      </a:gs>
-                    </a:gsLst>
-                    <a:lin ang="0" scaled="1"/>
-                  </a:gradFill>
-                  <a:ln>
-                    <a:noFill/>
-                  </a:ln>
-                </p:spPr>
-                <p:style>
-                  <a:lnRef idx="2">
-                    <a:schemeClr val="accent1">
-                      <a:shade val="50000"/>
-                    </a:schemeClr>
-                  </a:lnRef>
-                  <a:fillRef idx="1">
-                    <a:schemeClr val="accent1"/>
-                  </a:fillRef>
-                  <a:effectRef idx="0">
-                    <a:schemeClr val="accent1"/>
-                  </a:effectRef>
-                  <a:fontRef idx="minor">
-                    <a:schemeClr val="lt1"/>
-                  </a:fontRef>
-                </p:style>
-                <p:txBody>
-                  <a:bodyPr rtlCol="0" anchor="ctr"/>
-                  <a:lstStyle/>
-                  <a:p>
-                    <a:pPr algn="ctr"/>
-                    <a:endParaRPr lang="en-GB"/>
-                  </a:p>
-                </p:txBody>
-              </p:sp>
               <p:sp>
                 <p:nvSpPr>
                   <p:cNvPr id="9" name="CuadroTexto 8"/>
@@ -6516,8 +8684,8 @@
                 </p:nvSpPr>
                 <p:spPr>
                   <a:xfrm>
-                    <a:off x="7678713" y="4289861"/>
-                    <a:ext cx="327334" cy="400111"/>
+                    <a:off x="7680629" y="4248269"/>
+                    <a:ext cx="327334" cy="496353"/>
                   </a:xfrm>
                   <a:prstGeom prst="rect">
                     <a:avLst/>
@@ -6532,13 +8700,19 @@
                   <a:p>
                     <a:pPr algn="ctr"/>
                     <a:r>
-                      <a:rPr lang="en-GB" sz="2000" dirty="0" smtClean="0">
+                      <a:rPr lang="es-ES" sz="2000" dirty="0" smtClean="0">
+                        <a:solidFill>
+                          <a:srgbClr val="FF0066"/>
+                        </a:solidFill>
                         <a:latin typeface="Arial" panose="020B0604020202020204" pitchFamily="34" charset="0"/>
                         <a:cs typeface="Arial" panose="020B0604020202020204" pitchFamily="34" charset="0"/>
                       </a:rPr>
-                      <a:t>o</a:t>
+                      <a:t>a</a:t>
                     </a:r>
                     <a:endParaRPr lang="en-GB" sz="2000" dirty="0">
+                      <a:solidFill>
+                        <a:srgbClr val="FF0066"/>
+                      </a:solidFill>
                       <a:latin typeface="Arial" panose="020B0604020202020204" pitchFamily="34" charset="0"/>
                       <a:cs typeface="Arial" panose="020B0604020202020204" pitchFamily="34" charset="0"/>
                     </a:endParaRPr>
@@ -6553,8 +8727,8 @@
                 </p:nvSpPr>
                 <p:spPr>
                   <a:xfrm>
-                    <a:off x="8921030" y="4674283"/>
-                    <a:ext cx="327334" cy="400110"/>
+                    <a:off x="8904570" y="4868889"/>
+                    <a:ext cx="327333" cy="496353"/>
                   </a:xfrm>
                   <a:prstGeom prst="rect">
                     <a:avLst/>
@@ -6570,10 +8744,13 @@
                     <a:pPr algn="ctr"/>
                     <a:r>
                       <a:rPr lang="en-GB" sz="2000" dirty="0">
+                        <a:solidFill>
+                          <a:srgbClr val="3399FF"/>
+                        </a:solidFill>
                         <a:latin typeface="Arial" panose="020B0604020202020204" pitchFamily="34" charset="0"/>
                         <a:cs typeface="Arial" panose="020B0604020202020204" pitchFamily="34" charset="0"/>
                       </a:rPr>
-                      <a:t>ɒ</a:t>
+                      <a:t>ɑ</a:t>
                     </a:r>
                     <a:endParaRPr lang="en-GB" sz="2000" dirty="0">
                       <a:latin typeface="Arial" panose="020B0604020202020204" pitchFamily="34" charset="0"/>
@@ -6591,120 +8768,12 @@
               </p:nvGrpSpPr>
               <p:grpSpPr>
                 <a:xfrm>
-                  <a:off x="4589008" y="4929343"/>
-                  <a:ext cx="2104540" cy="603810"/>
-                  <a:chOff x="4667794" y="4931287"/>
-                  <a:chExt cx="2104540" cy="603810"/>
+                  <a:off x="4936822" y="4698112"/>
+                  <a:ext cx="1503497" cy="1193930"/>
+                  <a:chOff x="5015608" y="4700056"/>
+                  <a:chExt cx="1503497" cy="1193930"/>
                 </a:xfrm>
               </p:grpSpPr>
-              <p:sp>
-                <p:nvSpPr>
-                  <p:cNvPr id="105" name="Elipse 104"/>
-                  <p:cNvSpPr/>
-                  <p:nvPr/>
-                </p:nvSpPr>
-                <p:spPr>
-                  <a:xfrm rot="465407">
-                    <a:off x="4693733" y="5046957"/>
-                    <a:ext cx="2078601" cy="418515"/>
-                  </a:xfrm>
-                  <a:prstGeom prst="ellipse">
-                    <a:avLst/>
-                  </a:prstGeom>
-                  <a:gradFill>
-                    <a:gsLst>
-                      <a:gs pos="0">
-                        <a:srgbClr val="FF0066"/>
-                      </a:gs>
-                      <a:gs pos="100000">
-                        <a:srgbClr val="3399FF"/>
-                      </a:gs>
-                    </a:gsLst>
-                    <a:lin ang="0" scaled="1"/>
-                  </a:gradFill>
-                  <a:ln>
-                    <a:noFill/>
-                  </a:ln>
-                </p:spPr>
-                <p:style>
-                  <a:lnRef idx="2">
-                    <a:schemeClr val="accent1">
-                      <a:shade val="50000"/>
-                    </a:schemeClr>
-                  </a:lnRef>
-                  <a:fillRef idx="1">
-                    <a:schemeClr val="accent1"/>
-                  </a:fillRef>
-                  <a:effectRef idx="0">
-                    <a:schemeClr val="accent1"/>
-                  </a:effectRef>
-                  <a:fontRef idx="minor">
-                    <a:schemeClr val="lt1"/>
-                  </a:fontRef>
-                </p:style>
-                <p:txBody>
-                  <a:bodyPr rtlCol="0" anchor="ctr"/>
-                  <a:lstStyle/>
-                  <a:p>
-                    <a:pPr algn="ctr"/>
-                    <a:endParaRPr lang="en-GB"/>
-                  </a:p>
-                </p:txBody>
-              </p:sp>
-              <p:sp>
-                <p:nvSpPr>
-                  <p:cNvPr id="74" name="Elipse 73"/>
-                  <p:cNvSpPr/>
-                  <p:nvPr/>
-                </p:nvSpPr>
-                <p:spPr>
-                  <a:xfrm rot="465407">
-                    <a:off x="4667794" y="5049426"/>
-                    <a:ext cx="2078601" cy="418515"/>
-                  </a:xfrm>
-                  <a:prstGeom prst="ellipse">
-                    <a:avLst/>
-                  </a:prstGeom>
-                  <a:gradFill>
-                    <a:gsLst>
-                      <a:gs pos="0">
-                        <a:srgbClr val="FF0066"/>
-                      </a:gs>
-                      <a:gs pos="100000">
-                        <a:srgbClr val="3399FF"/>
-                      </a:gs>
-                    </a:gsLst>
-                    <a:lin ang="0" scaled="1"/>
-                  </a:gradFill>
-                  <a:ln>
-                    <a:noFill/>
-                  </a:ln>
-                </p:spPr>
-                <p:style>
-                  <a:lnRef idx="2">
-                    <a:schemeClr val="accent1">
-                      <a:shade val="50000"/>
-                    </a:schemeClr>
-                  </a:lnRef>
-                  <a:fillRef idx="1">
-                    <a:schemeClr val="accent1"/>
-                  </a:fillRef>
-                  <a:effectRef idx="0">
-                    <a:schemeClr val="accent1"/>
-                  </a:effectRef>
-                  <a:fontRef idx="minor">
-                    <a:schemeClr val="lt1"/>
-                  </a:fontRef>
-                </p:style>
-                <p:txBody>
-                  <a:bodyPr rtlCol="0" anchor="ctr"/>
-                  <a:lstStyle/>
-                  <a:p>
-                    <a:pPr algn="ctr"/>
-                    <a:endParaRPr lang="en-GB"/>
-                  </a:p>
-                </p:txBody>
-              </p:sp>
               <p:sp>
                 <p:nvSpPr>
                   <p:cNvPr id="10" name="CuadroTexto 9"/>
@@ -6713,8 +8782,51 @@
                 </p:nvSpPr>
                 <p:spPr>
                   <a:xfrm>
-                    <a:off x="5005688" y="4931287"/>
-                    <a:ext cx="255198" cy="400111"/>
+                    <a:off x="5015608" y="4700056"/>
+                    <a:ext cx="242375" cy="496353"/>
+                  </a:xfrm>
+                  <a:prstGeom prst="rect">
+                    <a:avLst/>
+                  </a:prstGeom>
+                  <a:noFill/>
+                </p:spPr>
+                <p:txBody>
+                  <a:bodyPr wrap="none" rtlCol="0">
+                    <a:spAutoFit/>
+                  </a:bodyPr>
+                  <a:lstStyle/>
+                  <a:p>
+                    <a:pPr algn="ctr"/>
+                    <a:r>
+                      <a:rPr lang="es-ES" sz="2000" dirty="0">
+                        <a:solidFill>
+                          <a:srgbClr val="FF0066"/>
+                        </a:solidFill>
+                        <a:latin typeface="Arial" panose="020B0604020202020204" pitchFamily="34" charset="0"/>
+                        <a:cs typeface="Arial" panose="020B0604020202020204" pitchFamily="34" charset="0"/>
+                      </a:rPr>
+                      <a:t>l</a:t>
+                    </a:r>
+                    <a:endParaRPr lang="en-GB" sz="2000" dirty="0">
+                      <a:solidFill>
+                        <a:srgbClr val="FF0066"/>
+                      </a:solidFill>
+                      <a:latin typeface="Arial" panose="020B0604020202020204" pitchFamily="34" charset="0"/>
+                      <a:cs typeface="Arial" panose="020B0604020202020204" pitchFamily="34" charset="0"/>
+                    </a:endParaRPr>
+                  </a:p>
+                </p:txBody>
+              </p:sp>
+              <p:sp>
+                <p:nvSpPr>
+                  <p:cNvPr id="17" name="CuadroTexto 16"/>
+                  <p:cNvSpPr txBox="1"/>
+                  <p:nvPr/>
+                </p:nvSpPr>
+                <p:spPr>
+                  <a:xfrm>
+                    <a:off x="6206198" y="5397633"/>
+                    <a:ext cx="312907" cy="496353"/>
                   </a:xfrm>
                   <a:prstGeom prst="rect">
                     <a:avLst/>
@@ -6730,49 +8842,18 @@
                     <a:pPr algn="ctr"/>
                     <a:r>
                       <a:rPr lang="en-GB" sz="2000" dirty="0" smtClean="0">
+                        <a:solidFill>
+                          <a:srgbClr val="3399FF"/>
+                        </a:solidFill>
                         <a:latin typeface="Arial" panose="020B0604020202020204" pitchFamily="34" charset="0"/>
                         <a:cs typeface="Arial" panose="020B0604020202020204" pitchFamily="34" charset="0"/>
                       </a:rPr>
-                      <a:t>t</a:t>
+                      <a:t>k</a:t>
                     </a:r>
                     <a:endParaRPr lang="en-GB" sz="2000" dirty="0">
-                      <a:latin typeface="Arial" panose="020B0604020202020204" pitchFamily="34" charset="0"/>
-                      <a:cs typeface="Arial" panose="020B0604020202020204" pitchFamily="34" charset="0"/>
-                    </a:endParaRPr>
-                  </a:p>
-                </p:txBody>
-              </p:sp>
-              <p:sp>
-                <p:nvSpPr>
-                  <p:cNvPr id="17" name="CuadroTexto 16"/>
-                  <p:cNvSpPr txBox="1"/>
-                  <p:nvPr/>
-                </p:nvSpPr>
-                <p:spPr>
-                  <a:xfrm>
-                    <a:off x="6227156" y="5134987"/>
-                    <a:ext cx="255198" cy="400110"/>
-                  </a:xfrm>
-                  <a:prstGeom prst="rect">
-                    <a:avLst/>
-                  </a:prstGeom>
-                  <a:noFill/>
-                </p:spPr>
-                <p:txBody>
-                  <a:bodyPr wrap="none" rtlCol="0">
-                    <a:spAutoFit/>
-                  </a:bodyPr>
-                  <a:lstStyle/>
-                  <a:p>
-                    <a:pPr algn="ctr"/>
-                    <a:r>
-                      <a:rPr lang="en-GB" sz="2000" dirty="0" smtClean="0">
-                        <a:latin typeface="Arial" panose="020B0604020202020204" pitchFamily="34" charset="0"/>
-                        <a:cs typeface="Arial" panose="020B0604020202020204" pitchFamily="34" charset="0"/>
-                      </a:rPr>
-                      <a:t>t</a:t>
-                    </a:r>
-                    <a:endParaRPr lang="en-GB" sz="2000" dirty="0">
+                      <a:solidFill>
+                        <a:srgbClr val="3399FF"/>
+                      </a:solidFill>
                       <a:latin typeface="Arial" panose="020B0604020202020204" pitchFamily="34" charset="0"/>
                       <a:cs typeface="Arial" panose="020B0604020202020204" pitchFamily="34" charset="0"/>
                     </a:endParaRPr>
@@ -6780,211 +8861,49 @@
                 </p:txBody>
               </p:sp>
             </p:grpSp>
-            <p:grpSp>
-              <p:nvGrpSpPr>
-                <p:cNvPr id="76" name="Grupo 75"/>
-                <p:cNvGrpSpPr/>
+            <p:sp>
+              <p:nvSpPr>
+                <p:cNvPr id="11" name="CuadroTexto 10"/>
+                <p:cNvSpPr txBox="1"/>
                 <p:nvPr/>
-              </p:nvGrpSpPr>
-              <p:grpSpPr>
+              </p:nvSpPr>
+              <p:spPr>
                 <a:xfrm>
-                  <a:off x="4601192" y="5369558"/>
-                  <a:ext cx="2104540" cy="522013"/>
-                  <a:chOff x="4652404" y="5346083"/>
-                  <a:chExt cx="2104540" cy="522013"/>
+                  <a:off x="4904646" y="5018299"/>
+                  <a:ext cx="327334" cy="496354"/>
                 </a:xfrm>
-              </p:grpSpPr>
-              <p:sp>
-                <p:nvSpPr>
-                  <p:cNvPr id="106" name="Elipse 105"/>
-                  <p:cNvSpPr/>
-                  <p:nvPr/>
-                </p:nvSpPr>
-                <p:spPr>
-                  <a:xfrm rot="256085">
-                    <a:off x="4678343" y="5447112"/>
-                    <a:ext cx="2078601" cy="418515"/>
-                  </a:xfrm>
-                  <a:prstGeom prst="ellipse">
-                    <a:avLst/>
-                  </a:prstGeom>
-                  <a:gradFill>
-                    <a:gsLst>
-                      <a:gs pos="0">
-                        <a:srgbClr val="FF0066">
-                          <a:alpha val="28000"/>
-                        </a:srgbClr>
-                      </a:gs>
-                      <a:gs pos="100000">
-                        <a:srgbClr val="3399FF">
-                          <a:alpha val="18000"/>
-                        </a:srgbClr>
-                      </a:gs>
-                    </a:gsLst>
-                    <a:lin ang="0" scaled="1"/>
-                  </a:gradFill>
-                  <a:ln>
-                    <a:noFill/>
-                  </a:ln>
-                </p:spPr>
-                <p:style>
-                  <a:lnRef idx="2">
-                    <a:schemeClr val="accent1">
-                      <a:shade val="50000"/>
-                    </a:schemeClr>
-                  </a:lnRef>
-                  <a:fillRef idx="1">
-                    <a:schemeClr val="accent1"/>
-                  </a:fillRef>
-                  <a:effectRef idx="0">
-                    <a:schemeClr val="accent1"/>
-                  </a:effectRef>
-                  <a:fontRef idx="minor">
-                    <a:schemeClr val="lt1"/>
-                  </a:fontRef>
-                </p:style>
-                <p:txBody>
-                  <a:bodyPr rtlCol="0" anchor="ctr"/>
-                  <a:lstStyle/>
-                  <a:p>
-                    <a:pPr algn="ctr"/>
-                    <a:endParaRPr lang="en-GB"/>
-                  </a:p>
-                </p:txBody>
-              </p:sp>
-              <p:sp>
-                <p:nvSpPr>
-                  <p:cNvPr id="69" name="Elipse 68"/>
-                  <p:cNvSpPr/>
-                  <p:nvPr/>
-                </p:nvSpPr>
-                <p:spPr>
-                  <a:xfrm rot="256085">
-                    <a:off x="4652404" y="5449581"/>
-                    <a:ext cx="2078601" cy="418515"/>
-                  </a:xfrm>
-                  <a:prstGeom prst="ellipse">
-                    <a:avLst/>
-                  </a:prstGeom>
-                  <a:gradFill>
-                    <a:gsLst>
-                      <a:gs pos="0">
-                        <a:srgbClr val="FF0066">
-                          <a:alpha val="28000"/>
-                        </a:srgbClr>
-                      </a:gs>
-                      <a:gs pos="100000">
-                        <a:srgbClr val="3399FF">
-                          <a:alpha val="18000"/>
-                        </a:srgbClr>
-                      </a:gs>
-                    </a:gsLst>
-                    <a:lin ang="0" scaled="1"/>
-                  </a:gradFill>
-                  <a:ln>
-                    <a:noFill/>
-                  </a:ln>
-                </p:spPr>
-                <p:style>
-                  <a:lnRef idx="2">
-                    <a:schemeClr val="accent1">
-                      <a:shade val="50000"/>
-                    </a:schemeClr>
-                  </a:lnRef>
-                  <a:fillRef idx="1">
-                    <a:schemeClr val="accent1"/>
-                  </a:fillRef>
-                  <a:effectRef idx="0">
-                    <a:schemeClr val="accent1"/>
-                  </a:effectRef>
-                  <a:fontRef idx="minor">
-                    <a:schemeClr val="lt1"/>
-                  </a:fontRef>
-                </p:style>
-                <p:txBody>
-                  <a:bodyPr rtlCol="0" anchor="ctr"/>
-                  <a:lstStyle/>
-                  <a:p>
-                    <a:pPr algn="ctr"/>
-                    <a:endParaRPr lang="en-GB"/>
-                  </a:p>
-                </p:txBody>
-              </p:sp>
-              <p:sp>
-                <p:nvSpPr>
-                  <p:cNvPr id="11" name="CuadroTexto 10"/>
-                  <p:cNvSpPr txBox="1"/>
-                  <p:nvPr/>
-                </p:nvSpPr>
-                <p:spPr>
-                  <a:xfrm>
-                    <a:off x="4945555" y="5346083"/>
-                    <a:ext cx="327334" cy="400110"/>
-                  </a:xfrm>
-                  <a:prstGeom prst="rect">
-                    <a:avLst/>
-                  </a:prstGeom>
-                  <a:noFill/>
-                </p:spPr>
-                <p:txBody>
-                  <a:bodyPr wrap="none" rtlCol="0">
-                    <a:spAutoFit/>
-                  </a:bodyPr>
-                  <a:lstStyle/>
-                  <a:p>
-                    <a:pPr algn="ctr"/>
-                    <a:r>
-                      <a:rPr lang="en-GB" sz="2000" dirty="0">
-                        <a:latin typeface="Arial" panose="020B0604020202020204" pitchFamily="34" charset="0"/>
-                        <a:cs typeface="Arial" panose="020B0604020202020204" pitchFamily="34" charset="0"/>
-                      </a:rPr>
-                      <a:t>e</a:t>
-                    </a:r>
-                    <a:endParaRPr lang="en-GB" sz="2000" dirty="0">
+                <a:prstGeom prst="rect">
+                  <a:avLst/>
+                </a:prstGeom>
+                <a:noFill/>
+              </p:spPr>
+              <p:txBody>
+                <a:bodyPr wrap="none" rtlCol="0">
+                  <a:spAutoFit/>
+                </a:bodyPr>
+                <a:lstStyle/>
+                <a:p>
+                  <a:pPr algn="ctr"/>
+                  <a:r>
+                    <a:rPr lang="el-GR" sz="2000" dirty="0">
+                      <a:solidFill>
+                        <a:srgbClr val="FF0066"/>
+                      </a:solidFill>
                       <a:latin typeface="Arial" panose="020B0604020202020204" pitchFamily="34" charset="0"/>
                       <a:cs typeface="Arial" panose="020B0604020202020204" pitchFamily="34" charset="0"/>
-                    </a:endParaRPr>
-                  </a:p>
-                </p:txBody>
-              </p:sp>
-              <p:sp>
-                <p:nvSpPr>
-                  <p:cNvPr id="18" name="CuadroTexto 17"/>
-                  <p:cNvSpPr txBox="1"/>
-                  <p:nvPr/>
-                </p:nvSpPr>
-                <p:spPr>
-                  <a:xfrm>
-                    <a:off x="6173951" y="5456340"/>
-                    <a:ext cx="327334" cy="400110"/>
-                  </a:xfrm>
-                  <a:prstGeom prst="rect">
-                    <a:avLst/>
-                  </a:prstGeom>
-                  <a:noFill/>
-                </p:spPr>
-                <p:txBody>
-                  <a:bodyPr wrap="none" rtlCol="0">
-                    <a:spAutoFit/>
-                  </a:bodyPr>
-                  <a:lstStyle/>
-                  <a:p>
-                    <a:pPr algn="ctr"/>
-                    <a:r>
-                      <a:rPr lang="en-GB" sz="2000" dirty="0">
-                        <a:latin typeface="Arial" panose="020B0604020202020204" pitchFamily="34" charset="0"/>
-                        <a:cs typeface="Arial" panose="020B0604020202020204" pitchFamily="34" charset="0"/>
-                      </a:rPr>
-                      <a:t>ə</a:t>
-                    </a:r>
-                    <a:endParaRPr lang="en-GB" sz="2000" dirty="0">
-                      <a:latin typeface="Arial" panose="020B0604020202020204" pitchFamily="34" charset="0"/>
-                      <a:cs typeface="Arial" panose="020B0604020202020204" pitchFamily="34" charset="0"/>
-                    </a:endParaRPr>
-                  </a:p>
-                </p:txBody>
-              </p:sp>
-            </p:grpSp>
+                    </a:rPr>
+                    <a:t>θ</a:t>
+                  </a:r>
+                  <a:endParaRPr lang="en-GB" sz="2000" dirty="0">
+                    <a:solidFill>
+                      <a:srgbClr val="FF0066"/>
+                    </a:solidFill>
+                    <a:latin typeface="Arial" panose="020B0604020202020204" pitchFamily="34" charset="0"/>
+                    <a:cs typeface="Arial" panose="020B0604020202020204" pitchFamily="34" charset="0"/>
+                  </a:endParaRPr>
+                </a:p>
+              </p:txBody>
+            </p:sp>
             <p:sp>
               <p:nvSpPr>
                 <p:cNvPr id="19" name="CuadroTexto 18"/>
@@ -7024,8 +8943,8 @@
             </p:nvSpPr>
             <p:spPr>
               <a:xfrm>
-                <a:off x="5250627" y="5370956"/>
-                <a:ext cx="287258" cy="400109"/>
+                <a:off x="5263690" y="4896258"/>
+                <a:ext cx="327334" cy="496353"/>
               </a:xfrm>
               <a:prstGeom prst="rect">
                 <a:avLst/>
@@ -7040,13 +8959,19 @@
               <a:p>
                 <a:pPr algn="ctr"/>
                 <a:r>
-                  <a:rPr lang="en-GB" sz="2000" dirty="0">
+                  <a:rPr lang="es-ES" sz="2000" dirty="0" smtClean="0">
+                    <a:solidFill>
+                      <a:srgbClr val="FF0066"/>
+                    </a:solidFill>
                     <a:latin typeface="Arial" panose="020B0604020202020204" pitchFamily="34" charset="0"/>
                     <a:cs typeface="Arial" panose="020B0604020202020204" pitchFamily="34" charset="0"/>
                   </a:rPr>
-                  <a:t>ʝ</a:t>
+                  <a:t>e</a:t>
                 </a:r>
                 <a:endParaRPr lang="en-GB" sz="2000" dirty="0">
+                  <a:solidFill>
+                    <a:srgbClr val="FF0066"/>
+                  </a:solidFill>
                   <a:latin typeface="Arial" panose="020B0604020202020204" pitchFamily="34" charset="0"/>
                   <a:cs typeface="Arial" panose="020B0604020202020204" pitchFamily="34" charset="0"/>
                 </a:endParaRPr>
@@ -7061,8 +8986,8 @@
             </p:nvSpPr>
             <p:spPr>
               <a:xfrm>
-                <a:off x="5240207" y="5801319"/>
-                <a:ext cx="308098" cy="400110"/>
+                <a:off x="5296956" y="5216446"/>
+                <a:ext cx="271228" cy="496353"/>
               </a:xfrm>
               <a:prstGeom prst="rect">
                 <a:avLst/>
@@ -7075,23 +9000,32 @@
               <a:lstStyle/>
               <a:p>
                 <a:r>
-                  <a:rPr lang="en-GB" sz="2000" dirty="0"/>
-                  <a:t>a</a:t>
+                  <a:rPr lang="es-ES" sz="2000" dirty="0">
+                    <a:solidFill>
+                      <a:srgbClr val="FF0066"/>
+                    </a:solidFill>
+                  </a:rPr>
+                  <a:t>t</a:t>
                 </a:r>
+                <a:endParaRPr lang="en-GB" sz="2000" dirty="0">
+                  <a:solidFill>
+                    <a:srgbClr val="FF0066"/>
+                  </a:solidFill>
+                </a:endParaRPr>
               </a:p>
             </p:txBody>
           </p:sp>
         </p:grpSp>
         <p:sp>
           <p:nvSpPr>
-            <p:cNvPr id="12" name="Rectángulo 11"/>
+            <p:cNvPr id="52" name="Rectángulo 51"/>
             <p:cNvSpPr/>
             <p:nvPr/>
           </p:nvSpPr>
           <p:spPr>
             <a:xfrm>
-              <a:off x="6526667" y="5458035"/>
-              <a:ext cx="237566" cy="369332"/>
+              <a:off x="5490866" y="5295943"/>
+              <a:ext cx="243978" cy="400110"/>
             </a:xfrm>
             <a:prstGeom prst="rect">
               <a:avLst/>
@@ -7104,26 +9038,158 @@
             <a:lstStyle/>
             <a:p>
               <a:r>
-                <a:rPr lang="en-GB" dirty="0"/>
-                <a:t>l</a:t>
+                <a:rPr lang="es-ES" sz="2000" dirty="0" smtClean="0">
+                  <a:solidFill>
+                    <a:srgbClr val="FF0066"/>
+                  </a:solidFill>
+                </a:rPr>
+                <a:t>i</a:t>
               </a:r>
+              <a:endParaRPr lang="en-GB" sz="2000" dirty="0">
+                <a:solidFill>
+                  <a:srgbClr val="FF0066"/>
+                </a:solidFill>
+              </a:endParaRPr>
+            </a:p>
+          </p:txBody>
+        </p:sp>
+        <p:sp>
+          <p:nvSpPr>
+            <p:cNvPr id="55" name="Rectángulo 54"/>
+            <p:cNvSpPr/>
+            <p:nvPr/>
+          </p:nvSpPr>
+          <p:spPr>
+            <a:xfrm>
+              <a:off x="5460485" y="5564937"/>
+              <a:ext cx="319318" cy="400110"/>
+            </a:xfrm>
+            <a:prstGeom prst="rect">
+              <a:avLst/>
+            </a:prstGeom>
+          </p:spPr>
+          <p:txBody>
+            <a:bodyPr wrap="none">
+              <a:spAutoFit/>
+            </a:bodyPr>
+            <a:lstStyle/>
+            <a:p>
+              <a:r>
+                <a:rPr lang="es-ES" sz="2000" dirty="0">
+                  <a:solidFill>
+                    <a:srgbClr val="FF0066"/>
+                  </a:solidFill>
+                </a:rPr>
+                <a:t>n</a:t>
+              </a:r>
+              <a:endParaRPr lang="en-GB" sz="2000" dirty="0">
+                <a:solidFill>
+                  <a:srgbClr val="FF0066"/>
+                </a:solidFill>
+              </a:endParaRPr>
             </a:p>
           </p:txBody>
         </p:sp>
       </p:grpSp>
+      <p:sp>
+        <p:nvSpPr>
+          <p:cNvPr id="22" name="Cruz 21"/>
+          <p:cNvSpPr/>
+          <p:nvPr/>
+        </p:nvSpPr>
+        <p:spPr>
+          <a:xfrm rot="2733729">
+            <a:off x="5625579" y="3194131"/>
+            <a:ext cx="914400" cy="914400"/>
+          </a:xfrm>
+          <a:prstGeom prst="plus">
+            <a:avLst>
+              <a:gd name="adj" fmla="val 40306"/>
+            </a:avLst>
+          </a:prstGeom>
+          <a:solidFill>
+            <a:srgbClr val="FF0066"/>
+          </a:solidFill>
+          <a:ln>
+            <a:solidFill>
+              <a:srgbClr val="FF0066"/>
+            </a:solidFill>
+          </a:ln>
+        </p:spPr>
+        <p:style>
+          <a:lnRef idx="2">
+            <a:schemeClr val="accent1">
+              <a:shade val="50000"/>
+            </a:schemeClr>
+          </a:lnRef>
+          <a:fillRef idx="1">
+            <a:schemeClr val="accent1"/>
+          </a:fillRef>
+          <a:effectRef idx="0">
+            <a:schemeClr val="accent1"/>
+          </a:effectRef>
+          <a:fontRef idx="minor">
+            <a:schemeClr val="lt1"/>
+          </a:fontRef>
+        </p:style>
+        <p:txBody>
+          <a:bodyPr rtlCol="0" anchor="ctr"/>
+          <a:lstStyle/>
+          <a:p>
+            <a:pPr algn="ctr"/>
+            <a:endParaRPr lang="en-GB"/>
+          </a:p>
+        </p:txBody>
+      </p:sp>
+    </p:spTree>
+    <p:extLst>
+      <p:ext uri="{BB962C8B-B14F-4D97-AF65-F5344CB8AC3E}">
+        <p14:creationId xmlns:p14="http://schemas.microsoft.com/office/powerpoint/2010/main" val="1335501572"/>
+      </p:ext>
+    </p:extLst>
+  </p:cSld>
+  <p:clrMapOvr>
+    <a:masterClrMapping/>
+  </p:clrMapOvr>
+  <p:timing>
+    <p:tnLst>
+      <p:par>
+        <p:cTn id="1" dur="indefinite" restart="never" nodeType="tmRoot"/>
+      </p:par>
+    </p:tnLst>
+  </p:timing>
+</p:sld>
+</file>
+
+<file path=ppt/slides/slide8.xml><?xml version="1.0" encoding="utf-8"?>
+<p:sld xmlns:a="http://schemas.openxmlformats.org/drawingml/2006/main" xmlns:r="http://schemas.openxmlformats.org/officeDocument/2006/relationships" xmlns:p="http://schemas.openxmlformats.org/presentationml/2006/main">
+  <p:cSld>
+    <p:spTree>
+      <p:nvGrpSpPr>
+        <p:cNvPr id="1" name=""/>
+        <p:cNvGrpSpPr/>
+        <p:nvPr/>
+      </p:nvGrpSpPr>
+      <p:grpSpPr>
+        <a:xfrm>
+          <a:off x="0" y="0"/>
+          <a:ext cx="0" cy="0"/>
+          <a:chOff x="0" y="0"/>
+          <a:chExt cx="0" cy="0"/>
+        </a:xfrm>
+      </p:grpSpPr>
       <p:cxnSp>
         <p:nvCxnSpPr>
-          <p:cNvPr id="107" name="Conector recto de flecha 106"/>
+          <p:cNvPr id="9" name="Conector recto de flecha 8"/>
           <p:cNvCxnSpPr>
-            <a:stCxn id="114" idx="3"/>
-            <a:endCxn id="112" idx="1"/>
+            <a:stCxn id="31" idx="3"/>
           </p:cNvCxnSpPr>
           <p:nvPr/>
         </p:nvCxnSpPr>
         <p:spPr>
-          <a:xfrm>
-            <a:off x="5161652" y="3598354"/>
-            <a:ext cx="1779002" cy="0"/>
+          <a:xfrm flipV="1">
+            <a:off x="4598672" y="3580543"/>
+            <a:ext cx="2696297" cy="24694"/>
           </a:xfrm>
           <a:prstGeom prst="straightConnector1">
             <a:avLst/>
@@ -7161,97 +9227,188 @@
           </a:fontRef>
         </p:style>
       </p:cxnSp>
-      <p:pic>
-        <p:nvPicPr>
-          <p:cNvPr id="108" name="Imagen 107"/>
-          <p:cNvPicPr>
-            <a:picLocks noChangeAspect="1"/>
-          </p:cNvPicPr>
+      <p:sp>
+        <p:nvSpPr>
+          <p:cNvPr id="34" name="Elipse 33"/>
+          <p:cNvSpPr/>
           <p:nvPr/>
-        </p:nvPicPr>
-        <p:blipFill rotWithShape="1">
-          <a:blip r:embed="rId2" cstate="print">
-            <a:extLst>
-              <a:ext uri="{28A0092B-C50C-407E-A947-70E740481C1C}">
-                <a14:useLocalDpi xmlns:a14="http://schemas.microsoft.com/office/drawing/2010/main" val="0"/>
-              </a:ext>
-            </a:extLst>
-          </a:blip>
-          <a:srcRect l="26943" r="26182"/>
-          <a:stretch/>
-        </p:blipFill>
+        </p:nvSpPr>
         <p:spPr>
-          <a:xfrm>
-            <a:off x="5619262" y="789538"/>
-            <a:ext cx="820615" cy="1750649"/>
+          <a:xfrm rot="980560">
+            <a:off x="5011853" y="4762147"/>
+            <a:ext cx="2078601" cy="337364"/>
           </a:xfrm>
-          <a:prstGeom prst="rect">
+          <a:prstGeom prst="ellipse">
             <a:avLst/>
           </a:prstGeom>
+          <a:gradFill>
+            <a:gsLst>
+              <a:gs pos="0">
+                <a:srgbClr val="FF0066">
+                  <a:alpha val="45000"/>
+                </a:srgbClr>
+              </a:gs>
+              <a:gs pos="100000">
+                <a:srgbClr val="3399FF">
+                  <a:alpha val="39000"/>
+                </a:srgbClr>
+              </a:gs>
+            </a:gsLst>
+            <a:lin ang="0" scaled="1"/>
+          </a:gradFill>
+          <a:ln>
+            <a:noFill/>
+          </a:ln>
         </p:spPr>
-      </p:pic>
+        <p:style>
+          <a:lnRef idx="2">
+            <a:schemeClr val="accent1">
+              <a:shade val="50000"/>
+            </a:schemeClr>
+          </a:lnRef>
+          <a:fillRef idx="1">
+            <a:schemeClr val="accent1"/>
+          </a:fillRef>
+          <a:effectRef idx="0">
+            <a:schemeClr val="accent1"/>
+          </a:effectRef>
+          <a:fontRef idx="minor">
+            <a:schemeClr val="lt1"/>
+          </a:fontRef>
+        </p:style>
+        <p:txBody>
+          <a:bodyPr rtlCol="0" anchor="ctr"/>
+          <a:lstStyle/>
+          <a:p>
+            <a:pPr algn="ctr"/>
+            <a:endParaRPr lang="en-GB"/>
+          </a:p>
+        </p:txBody>
+      </p:sp>
+      <p:sp>
+        <p:nvSpPr>
+          <p:cNvPr id="33" name="Elipse 32"/>
+          <p:cNvSpPr/>
+          <p:nvPr/>
+        </p:nvSpPr>
+        <p:spPr>
+          <a:xfrm rot="150217">
+            <a:off x="5097046" y="4285548"/>
+            <a:ext cx="2078601" cy="337364"/>
+          </a:xfrm>
+          <a:prstGeom prst="ellipse">
+            <a:avLst/>
+          </a:prstGeom>
+          <a:gradFill>
+            <a:gsLst>
+              <a:gs pos="0">
+                <a:srgbClr val="FF0066"/>
+              </a:gs>
+              <a:gs pos="100000">
+                <a:srgbClr val="3399FF"/>
+              </a:gs>
+            </a:gsLst>
+            <a:lin ang="0" scaled="1"/>
+          </a:gradFill>
+          <a:ln>
+            <a:noFill/>
+          </a:ln>
+        </p:spPr>
+        <p:style>
+          <a:lnRef idx="2">
+            <a:schemeClr val="accent1">
+              <a:shade val="50000"/>
+            </a:schemeClr>
+          </a:lnRef>
+          <a:fillRef idx="1">
+            <a:schemeClr val="accent1"/>
+          </a:fillRef>
+          <a:effectRef idx="0">
+            <a:schemeClr val="accent1"/>
+          </a:effectRef>
+          <a:fontRef idx="minor">
+            <a:schemeClr val="lt1"/>
+          </a:fontRef>
+        </p:style>
+        <p:txBody>
+          <a:bodyPr rtlCol="0" anchor="ctr"/>
+          <a:lstStyle/>
+          <a:p>
+            <a:pPr algn="ctr"/>
+            <a:endParaRPr lang="en-GB"/>
+          </a:p>
+        </p:txBody>
+      </p:sp>
       <p:grpSp>
         <p:nvGrpSpPr>
-          <p:cNvPr id="110" name="Grupo 109"/>
+          <p:cNvPr id="2" name="Grupo 1"/>
           <p:cNvGrpSpPr/>
           <p:nvPr/>
         </p:nvGrpSpPr>
         <p:grpSpPr>
           <a:xfrm>
-            <a:off x="3614434" y="1664863"/>
-            <a:ext cx="4709932" cy="2195101"/>
-            <a:chOff x="3614434" y="1664863"/>
-            <a:chExt cx="4709932" cy="2195101"/>
+            <a:off x="3135086" y="369662"/>
+            <a:ext cx="5775649" cy="2419003"/>
+            <a:chOff x="2252748" y="714895"/>
+            <a:chExt cx="7531334" cy="2419003"/>
           </a:xfrm>
         </p:grpSpPr>
-        <p:cxnSp>
-          <p:nvCxnSpPr>
-            <p:cNvPr id="111" name="Conector angular 110"/>
-            <p:cNvCxnSpPr>
-              <a:endCxn id="112" idx="0"/>
-            </p:cNvCxnSpPr>
+        <p:sp>
+          <p:nvSpPr>
+            <p:cNvPr id="3" name="Rectángulo 2"/>
+            <p:cNvSpPr/>
             <p:nvPr/>
-          </p:nvCxnSpPr>
+          </p:nvSpPr>
           <p:spPr>
             <a:xfrm>
-              <a:off x="6439877" y="1664863"/>
-              <a:ext cx="1192633" cy="1671881"/>
+              <a:off x="2252748" y="714895"/>
+              <a:ext cx="7531334" cy="2419003"/>
             </a:xfrm>
-            <a:prstGeom prst="bentConnector2">
+            <a:prstGeom prst="rect">
               <a:avLst/>
             </a:prstGeom>
-            <a:ln w="38100">
+            <a:noFill/>
+            <a:ln w="28575">
               <a:solidFill>
-                <a:srgbClr val="3399FF"/>
+                <a:schemeClr val="tx1"/>
               </a:solidFill>
-              <a:tailEnd type="triangle"/>
             </a:ln>
           </p:spPr>
           <p:style>
-            <a:lnRef idx="1">
-              <a:schemeClr val="accent1"/>
+            <a:lnRef idx="2">
+              <a:schemeClr val="accent1">
+                <a:shade val="50000"/>
+              </a:schemeClr>
             </a:lnRef>
-            <a:fillRef idx="0">
+            <a:fillRef idx="1">
               <a:schemeClr val="accent1"/>
             </a:fillRef>
             <a:effectRef idx="0">
               <a:schemeClr val="accent1"/>
             </a:effectRef>
             <a:fontRef idx="minor">
-              <a:schemeClr val="tx1"/>
+              <a:schemeClr val="lt1"/>
             </a:fontRef>
           </p:style>
-        </p:cxnSp>
+          <p:txBody>
+            <a:bodyPr rtlCol="0" anchor="ctr"/>
+            <a:lstStyle/>
+            <a:p>
+              <a:pPr algn="ctr"/>
+              <a:endParaRPr lang="en-GB"/>
+            </a:p>
+          </p:txBody>
+        </p:sp>
         <p:sp>
           <p:nvSpPr>
-            <p:cNvPr id="112" name="CuadroTexto 111"/>
+            <p:cNvPr id="4" name="CuadroTexto 3"/>
             <p:cNvSpPr txBox="1"/>
             <p:nvPr/>
           </p:nvSpPr>
           <p:spPr>
             <a:xfrm>
-              <a:off x="6940654" y="3336744"/>
-              <a:ext cx="1383712" cy="523220"/>
+              <a:off x="2252748" y="753968"/>
+              <a:ext cx="1210588" cy="400110"/>
             </a:xfrm>
             <a:prstGeom prst="rect">
               <a:avLst/>
@@ -7265,93 +9422,90 @@
             <a:lstStyle/>
             <a:p>
               <a:r>
-                <a:rPr lang="en-GB" sz="2800" dirty="0">
-                  <a:solidFill>
-                    <a:srgbClr val="3399FF"/>
-                  </a:solidFill>
+                <a:rPr lang="en-GB" sz="2000" dirty="0" smtClean="0">
                   <a:latin typeface="Arial" panose="020B0604020202020204" pitchFamily="34" charset="0"/>
                   <a:cs typeface="Arial" panose="020B0604020202020204" pitchFamily="34" charset="0"/>
                 </a:rPr>
-                <a:t>/ˈ</a:t>
+                <a:t>concepts</a:t>
               </a:r>
-              <a:r>
-                <a:rPr lang="en-GB" sz="2800" dirty="0" err="1">
-                  <a:solidFill>
-                    <a:srgbClr val="3399FF"/>
-                  </a:solidFill>
-                  <a:latin typeface="Arial" panose="020B0604020202020204" pitchFamily="34" charset="0"/>
-                  <a:cs typeface="Arial" panose="020B0604020202020204" pitchFamily="34" charset="0"/>
-                </a:rPr>
-                <a:t>bɒ.təl</a:t>
-              </a:r>
-              <a:r>
-                <a:rPr lang="en-GB" sz="2800" dirty="0">
-                  <a:solidFill>
-                    <a:srgbClr val="3399FF"/>
-                  </a:solidFill>
-                  <a:latin typeface="Arial" panose="020B0604020202020204" pitchFamily="34" charset="0"/>
-                  <a:cs typeface="Arial" panose="020B0604020202020204" pitchFamily="34" charset="0"/>
-                </a:rPr>
-                <a:t>/</a:t>
-              </a:r>
-              <a:endParaRPr lang="en-GB" sz="2800" dirty="0">
-                <a:solidFill>
-                  <a:srgbClr val="3399FF"/>
-                </a:solidFill>
+              <a:endParaRPr lang="en-GB" sz="2000" dirty="0">
                 <a:latin typeface="Arial" panose="020B0604020202020204" pitchFamily="34" charset="0"/>
                 <a:cs typeface="Arial" panose="020B0604020202020204" pitchFamily="34" charset="0"/>
               </a:endParaRPr>
             </a:p>
           </p:txBody>
         </p:sp>
-        <p:cxnSp>
-          <p:nvCxnSpPr>
-            <p:cNvPr id="113" name="Conector angular 112"/>
-            <p:cNvCxnSpPr>
-              <a:stCxn id="114" idx="0"/>
-            </p:cNvCxnSpPr>
+      </p:grpSp>
+      <p:grpSp>
+        <p:nvGrpSpPr>
+          <p:cNvPr id="5" name="Grupo 4"/>
+          <p:cNvGrpSpPr/>
+          <p:nvPr/>
+        </p:nvGrpSpPr>
+        <p:grpSpPr>
+          <a:xfrm>
+            <a:off x="3135086" y="2855167"/>
+            <a:ext cx="5775649" cy="3541222"/>
+            <a:chOff x="2252748" y="3200400"/>
+            <a:chExt cx="7531333" cy="3541222"/>
+          </a:xfrm>
+        </p:grpSpPr>
+        <p:sp>
+          <p:nvSpPr>
+            <p:cNvPr id="6" name="Rectángulo 5"/>
+            <p:cNvSpPr/>
             <p:nvPr/>
-          </p:nvCxnSpPr>
+          </p:nvSpPr>
           <p:spPr>
-            <a:xfrm rot="5400000" flipH="1" flipV="1">
-              <a:off x="4167712" y="1885195"/>
-              <a:ext cx="1671881" cy="1231219"/>
+            <a:xfrm>
+              <a:off x="2252749" y="3200400"/>
+              <a:ext cx="7531332" cy="3541222"/>
             </a:xfrm>
-            <a:prstGeom prst="bentConnector2">
+            <a:prstGeom prst="rect">
               <a:avLst/>
             </a:prstGeom>
-            <a:ln w="38100">
+            <a:noFill/>
+            <a:ln w="28575">
               <a:solidFill>
-                <a:srgbClr val="FF0066"/>
+                <a:schemeClr val="tx1"/>
               </a:solidFill>
-              <a:tailEnd type="triangle"/>
             </a:ln>
           </p:spPr>
           <p:style>
-            <a:lnRef idx="1">
-              <a:schemeClr val="accent1"/>
+            <a:lnRef idx="2">
+              <a:schemeClr val="accent1">
+                <a:shade val="50000"/>
+              </a:schemeClr>
             </a:lnRef>
-            <a:fillRef idx="0">
+            <a:fillRef idx="1">
               <a:schemeClr val="accent1"/>
             </a:fillRef>
             <a:effectRef idx="0">
               <a:schemeClr val="accent1"/>
             </a:effectRef>
             <a:fontRef idx="minor">
-              <a:schemeClr val="tx1"/>
+              <a:schemeClr val="lt1"/>
             </a:fontRef>
           </p:style>
-        </p:cxnSp>
+          <p:txBody>
+            <a:bodyPr rtlCol="0" anchor="ctr"/>
+            <a:lstStyle/>
+            <a:p>
+              <a:pPr algn="ctr"/>
+              <a:endParaRPr lang="en-GB"/>
+            </a:p>
+          </p:txBody>
+        </p:sp>
         <p:sp>
           <p:nvSpPr>
-            <p:cNvPr id="114" name="CuadroTexto 113"/>
+            <p:cNvPr id="7" name="CuadroTexto 6"/>
             <p:cNvSpPr txBox="1"/>
             <p:nvPr/>
           </p:nvSpPr>
           <p:spPr>
             <a:xfrm>
-              <a:off x="3614434" y="3336744"/>
-              <a:ext cx="1547218" cy="523220"/>
+              <a:off x="2252748" y="6341512"/>
+              <a:ext cx="1465466" cy="400110"/>
             </a:xfrm>
             <a:prstGeom prst="rect">
               <a:avLst/>
@@ -7365,9 +9519,438 @@
             <a:lstStyle/>
             <a:p>
               <a:r>
-                <a:rPr lang="en-GB" sz="2800" dirty="0">
+                <a:rPr lang="en-GB" sz="2000" dirty="0" smtClean="0">
+                  <a:latin typeface="Arial" panose="020B0604020202020204" pitchFamily="34" charset="0"/>
+                  <a:cs typeface="Arial" panose="020B0604020202020204" pitchFamily="34" charset="0"/>
+                </a:rPr>
+                <a:t>word-forms</a:t>
+              </a:r>
+              <a:endParaRPr lang="en-GB" sz="2000" dirty="0">
+                <a:latin typeface="Arial" panose="020B0604020202020204" pitchFamily="34" charset="0"/>
+                <a:cs typeface="Arial" panose="020B0604020202020204" pitchFamily="34" charset="0"/>
+              </a:endParaRPr>
+            </a:p>
+          </p:txBody>
+        </p:sp>
+      </p:grpSp>
+      <p:sp>
+        <p:nvSpPr>
+          <p:cNvPr id="8" name="CuadroTexto 7"/>
+          <p:cNvSpPr txBox="1"/>
+          <p:nvPr/>
+        </p:nvSpPr>
+        <p:spPr>
+          <a:xfrm>
+            <a:off x="5203711" y="2903219"/>
+            <a:ext cx="1694883" cy="338554"/>
+          </a:xfrm>
+          <a:prstGeom prst="rect">
+            <a:avLst/>
+          </a:prstGeom>
+          <a:noFill/>
+        </p:spPr>
+        <p:txBody>
+          <a:bodyPr wrap="square" rtlCol="0">
+            <a:spAutoFit/>
+          </a:bodyPr>
+          <a:lstStyle/>
+          <a:p>
+            <a:pPr algn="ctr"/>
+            <a:r>
+              <a:rPr lang="es-ES" sz="1600" dirty="0" smtClean="0">
+                <a:latin typeface="Arial" panose="020B0604020202020204" pitchFamily="34" charset="0"/>
+                <a:cs typeface="Arial" panose="020B0604020202020204" pitchFamily="34" charset="0"/>
+              </a:rPr>
+              <a:t>Lexical route</a:t>
+            </a:r>
+            <a:endParaRPr lang="en-GB" sz="1600" dirty="0">
+              <a:latin typeface="Arial" panose="020B0604020202020204" pitchFamily="34" charset="0"/>
+              <a:cs typeface="Arial" panose="020B0604020202020204" pitchFamily="34" charset="0"/>
+            </a:endParaRPr>
+          </a:p>
+        </p:txBody>
+      </p:sp>
+      <p:grpSp>
+        <p:nvGrpSpPr>
+          <p:cNvPr id="10" name="Grupo 9"/>
+          <p:cNvGrpSpPr/>
+          <p:nvPr/>
+        </p:nvGrpSpPr>
+        <p:grpSpPr>
+          <a:xfrm>
+            <a:off x="5256718" y="4224676"/>
+            <a:ext cx="1573158" cy="1718373"/>
+            <a:chOff x="5457383" y="4193444"/>
+            <a:chExt cx="1573158" cy="1718373"/>
+          </a:xfrm>
+        </p:grpSpPr>
+        <p:grpSp>
+          <p:nvGrpSpPr>
+            <p:cNvPr id="14" name="Grupo 13"/>
+            <p:cNvGrpSpPr/>
+            <p:nvPr/>
+          </p:nvGrpSpPr>
+          <p:grpSpPr>
+            <a:xfrm>
+              <a:off x="5457383" y="4193444"/>
+              <a:ext cx="1573158" cy="1718373"/>
+              <a:chOff x="4907178" y="4609908"/>
+              <a:chExt cx="1573158" cy="2131714"/>
+            </a:xfrm>
+          </p:grpSpPr>
+          <p:grpSp>
+            <p:nvGrpSpPr>
+              <p:cNvPr id="17" name="Grupo 16"/>
+              <p:cNvGrpSpPr/>
+              <p:nvPr/>
+            </p:nvGrpSpPr>
+            <p:grpSpPr>
+              <a:xfrm>
+                <a:off x="4907179" y="4609908"/>
+                <a:ext cx="1573157" cy="515746"/>
+                <a:chOff x="4907179" y="4609908"/>
+                <a:chExt cx="1573157" cy="515746"/>
+              </a:xfrm>
+            </p:grpSpPr>
+            <p:sp>
+              <p:nvSpPr>
+                <p:cNvPr id="26" name="CuadroTexto 25"/>
+                <p:cNvSpPr txBox="1"/>
+                <p:nvPr/>
+              </p:nvSpPr>
+              <p:spPr>
+                <a:xfrm>
+                  <a:off x="4907179" y="4609908"/>
+                  <a:ext cx="327333" cy="496353"/>
+                </a:xfrm>
+                <a:prstGeom prst="rect">
+                  <a:avLst/>
+                </a:prstGeom>
+                <a:noFill/>
+              </p:spPr>
+              <p:txBody>
+                <a:bodyPr wrap="none" rtlCol="0">
+                  <a:spAutoFit/>
+                </a:bodyPr>
+                <a:lstStyle/>
+                <a:p>
+                  <a:pPr algn="ctr"/>
+                  <a:r>
+                    <a:rPr lang="en-GB" sz="2000" dirty="0">
+                      <a:latin typeface="Arial" panose="020B0604020202020204" pitchFamily="34" charset="0"/>
+                      <a:cs typeface="Arial" panose="020B0604020202020204" pitchFamily="34" charset="0"/>
+                    </a:rPr>
+                    <a:t>b</a:t>
+                  </a:r>
+                  <a:endParaRPr lang="en-GB" sz="2000" dirty="0">
+                    <a:latin typeface="Arial" panose="020B0604020202020204" pitchFamily="34" charset="0"/>
+                    <a:cs typeface="Arial" panose="020B0604020202020204" pitchFamily="34" charset="0"/>
+                  </a:endParaRPr>
+                </a:p>
+              </p:txBody>
+            </p:sp>
+            <p:sp>
+              <p:nvSpPr>
+                <p:cNvPr id="27" name="CuadroTexto 26"/>
+                <p:cNvSpPr txBox="1"/>
+                <p:nvPr/>
+              </p:nvSpPr>
+              <p:spPr>
+                <a:xfrm>
+                  <a:off x="6153003" y="4629301"/>
+                  <a:ext cx="327333" cy="496353"/>
+                </a:xfrm>
+                <a:prstGeom prst="rect">
+                  <a:avLst/>
+                </a:prstGeom>
+                <a:noFill/>
+              </p:spPr>
+              <p:txBody>
+                <a:bodyPr wrap="none" rtlCol="0">
+                  <a:spAutoFit/>
+                </a:bodyPr>
+                <a:lstStyle/>
+                <a:p>
+                  <a:pPr algn="ctr"/>
+                  <a:r>
+                    <a:rPr lang="en-GB" sz="2000" dirty="0">
+                      <a:latin typeface="Arial" panose="020B0604020202020204" pitchFamily="34" charset="0"/>
+                      <a:cs typeface="Arial" panose="020B0604020202020204" pitchFamily="34" charset="0"/>
+                    </a:rPr>
+                    <a:t>b</a:t>
+                  </a:r>
+                  <a:endParaRPr lang="en-GB" sz="2000" dirty="0">
+                    <a:latin typeface="Arial" panose="020B0604020202020204" pitchFamily="34" charset="0"/>
+                    <a:cs typeface="Arial" panose="020B0604020202020204" pitchFamily="34" charset="0"/>
+                  </a:endParaRPr>
+                </a:p>
+              </p:txBody>
+            </p:sp>
+          </p:grpSp>
+          <p:grpSp>
+            <p:nvGrpSpPr>
+              <p:cNvPr id="18" name="Grupo 17"/>
+              <p:cNvGrpSpPr/>
+              <p:nvPr/>
+            </p:nvGrpSpPr>
+            <p:grpSpPr>
+              <a:xfrm>
+                <a:off x="4948856" y="5002798"/>
+                <a:ext cx="1526448" cy="503949"/>
+                <a:chOff x="7733226" y="4863221"/>
+                <a:chExt cx="1526448" cy="503949"/>
+              </a:xfrm>
+            </p:grpSpPr>
+            <p:sp>
+              <p:nvSpPr>
+                <p:cNvPr id="24" name="CuadroTexto 23"/>
+                <p:cNvSpPr txBox="1"/>
+                <p:nvPr/>
+              </p:nvSpPr>
+              <p:spPr>
+                <a:xfrm>
+                  <a:off x="7733226" y="4863221"/>
+                  <a:ext cx="242374" cy="496353"/>
+                </a:xfrm>
+                <a:prstGeom prst="rect">
+                  <a:avLst/>
+                </a:prstGeom>
+                <a:noFill/>
+              </p:spPr>
+              <p:txBody>
+                <a:bodyPr wrap="none" rtlCol="0">
+                  <a:spAutoFit/>
+                </a:bodyPr>
+                <a:lstStyle/>
+                <a:p>
+                  <a:pPr algn="ctr"/>
+                  <a:r>
+                    <a:rPr lang="en-GB" sz="2000" dirty="0" err="1">
+                      <a:latin typeface="Arial" panose="020B0604020202020204" pitchFamily="34" charset="0"/>
+                      <a:cs typeface="Arial" panose="020B0604020202020204" pitchFamily="34" charset="0"/>
+                    </a:rPr>
+                    <a:t>i</a:t>
+                  </a:r>
+                  <a:endParaRPr lang="en-GB" sz="2000" dirty="0">
+                    <a:latin typeface="Arial" panose="020B0604020202020204" pitchFamily="34" charset="0"/>
+                    <a:cs typeface="Arial" panose="020B0604020202020204" pitchFamily="34" charset="0"/>
+                  </a:endParaRPr>
+                </a:p>
+              </p:txBody>
+            </p:sp>
+            <p:sp>
+              <p:nvSpPr>
+                <p:cNvPr id="25" name="CuadroTexto 24"/>
+                <p:cNvSpPr txBox="1"/>
+                <p:nvPr/>
+              </p:nvSpPr>
+              <p:spPr>
+                <a:xfrm>
+                  <a:off x="8932341" y="4870817"/>
+                  <a:ext cx="327333" cy="496353"/>
+                </a:xfrm>
+                <a:prstGeom prst="rect">
+                  <a:avLst/>
+                </a:prstGeom>
+                <a:noFill/>
+              </p:spPr>
+              <p:txBody>
+                <a:bodyPr wrap="none" rtlCol="0">
+                  <a:spAutoFit/>
+                </a:bodyPr>
+                <a:lstStyle/>
+                <a:p>
+                  <a:pPr algn="ctr"/>
+                  <a:r>
+                    <a:rPr lang="en-GB" sz="2000" dirty="0">
+                      <a:latin typeface="Arial" panose="020B0604020202020204" pitchFamily="34" charset="0"/>
+                      <a:cs typeface="Arial" panose="020B0604020202020204" pitchFamily="34" charset="0"/>
+                    </a:rPr>
+                    <a:t>a</a:t>
+                  </a:r>
+                  <a:endParaRPr lang="en-GB" sz="2000" dirty="0">
+                    <a:latin typeface="Arial" panose="020B0604020202020204" pitchFamily="34" charset="0"/>
+                    <a:cs typeface="Arial" panose="020B0604020202020204" pitchFamily="34" charset="0"/>
+                  </a:endParaRPr>
+                </a:p>
+              </p:txBody>
+            </p:sp>
+          </p:grpSp>
+          <p:sp>
+            <p:nvSpPr>
+              <p:cNvPr id="23" name="CuadroTexto 22"/>
+              <p:cNvSpPr txBox="1"/>
+              <p:nvPr/>
+            </p:nvSpPr>
+            <p:spPr>
+              <a:xfrm>
+                <a:off x="6163482" y="5395688"/>
+                <a:ext cx="276038" cy="496353"/>
+              </a:xfrm>
+              <a:prstGeom prst="rect">
+                <a:avLst/>
+              </a:prstGeom>
+              <a:noFill/>
+            </p:spPr>
+            <p:txBody>
+              <a:bodyPr wrap="none" rtlCol="0">
+                <a:spAutoFit/>
+              </a:bodyPr>
+              <a:lstStyle/>
+              <a:p>
+                <a:pPr algn="ctr"/>
+                <a:r>
+                  <a:rPr lang="en-GB" sz="2000" dirty="0">
+                    <a:latin typeface="Arial" panose="020B0604020202020204" pitchFamily="34" charset="0"/>
+                    <a:cs typeface="Arial" panose="020B0604020202020204" pitchFamily="34" charset="0"/>
+                  </a:rPr>
+                  <a:t>ɪ</a:t>
+                </a:r>
+                <a:endParaRPr lang="en-GB" sz="2000" dirty="0">
+                  <a:latin typeface="Arial" panose="020B0604020202020204" pitchFamily="34" charset="0"/>
+                  <a:cs typeface="Arial" panose="020B0604020202020204" pitchFamily="34" charset="0"/>
+                </a:endParaRPr>
+              </a:p>
+            </p:txBody>
+          </p:sp>
+          <p:sp>
+            <p:nvSpPr>
+              <p:cNvPr id="20" name="CuadroTexto 19"/>
+              <p:cNvSpPr txBox="1"/>
+              <p:nvPr/>
+            </p:nvSpPr>
+            <p:spPr>
+              <a:xfrm>
+                <a:off x="4907178" y="5395688"/>
+                <a:ext cx="327334" cy="496354"/>
+              </a:xfrm>
+              <a:prstGeom prst="rect">
+                <a:avLst/>
+              </a:prstGeom>
+              <a:noFill/>
+            </p:spPr>
+            <p:txBody>
+              <a:bodyPr wrap="none" rtlCol="0">
+                <a:spAutoFit/>
+              </a:bodyPr>
+              <a:lstStyle/>
+              <a:p>
+                <a:pPr algn="ctr"/>
+                <a:r>
+                  <a:rPr lang="el-GR" sz="2000" dirty="0">
+                    <a:latin typeface="Arial" panose="020B0604020202020204" pitchFamily="34" charset="0"/>
+                    <a:cs typeface="Arial" panose="020B0604020202020204" pitchFamily="34" charset="0"/>
+                  </a:rPr>
+                  <a:t>θ</a:t>
+                </a:r>
+                <a:endParaRPr lang="en-GB" sz="2000" dirty="0">
+                  <a:latin typeface="Arial" panose="020B0604020202020204" pitchFamily="34" charset="0"/>
+                  <a:cs typeface="Arial" panose="020B0604020202020204" pitchFamily="34" charset="0"/>
+                </a:endParaRPr>
+              </a:p>
+            </p:txBody>
+          </p:sp>
+          <p:sp>
+            <p:nvSpPr>
+              <p:cNvPr id="21" name="CuadroTexto 20"/>
+              <p:cNvSpPr txBox="1"/>
+              <p:nvPr/>
+            </p:nvSpPr>
+            <p:spPr>
+              <a:xfrm>
+                <a:off x="6219879" y="6341512"/>
+                <a:ext cx="184730" cy="400110"/>
+              </a:xfrm>
+              <a:prstGeom prst="rect">
+                <a:avLst/>
+              </a:prstGeom>
+              <a:noFill/>
+            </p:spPr>
+            <p:txBody>
+              <a:bodyPr wrap="none" rtlCol="0">
+                <a:spAutoFit/>
+              </a:bodyPr>
+              <a:lstStyle/>
+              <a:p>
+                <a:pPr algn="ctr"/>
+                <a:endParaRPr lang="en-GB" sz="2000" dirty="0">
+                  <a:latin typeface="Arial" panose="020B0604020202020204" pitchFamily="34" charset="0"/>
+                  <a:cs typeface="Arial" panose="020B0604020202020204" pitchFamily="34" charset="0"/>
+                </a:endParaRPr>
+              </a:p>
+            </p:txBody>
+          </p:sp>
+        </p:grpSp>
+        <p:sp>
+          <p:nvSpPr>
+            <p:cNvPr id="12" name="Rectángulo 11"/>
+            <p:cNvSpPr/>
+            <p:nvPr/>
+          </p:nvSpPr>
+          <p:spPr>
+            <a:xfrm>
+              <a:off x="5499061" y="5181429"/>
+              <a:ext cx="243978" cy="400110"/>
+            </a:xfrm>
+            <a:prstGeom prst="rect">
+              <a:avLst/>
+            </a:prstGeom>
+          </p:spPr>
+          <p:txBody>
+            <a:bodyPr wrap="none">
+              <a:spAutoFit/>
+            </a:bodyPr>
+            <a:lstStyle/>
+            <a:p>
+              <a:r>
+                <a:rPr lang="es-ES" sz="2000" dirty="0" smtClean="0"/>
+                <a:t>i</a:t>
+              </a:r>
+              <a:endParaRPr lang="en-GB" sz="2000" dirty="0"/>
+            </a:p>
+          </p:txBody>
+        </p:sp>
+      </p:grpSp>
+      <p:grpSp>
+        <p:nvGrpSpPr>
+          <p:cNvPr id="29" name="Grupo 28"/>
+          <p:cNvGrpSpPr/>
+          <p:nvPr/>
+        </p:nvGrpSpPr>
+        <p:grpSpPr>
+          <a:xfrm>
+            <a:off x="3434571" y="3331280"/>
+            <a:ext cx="4952364" cy="535567"/>
+            <a:chOff x="3434571" y="3331280"/>
+            <a:chExt cx="4952364" cy="535567"/>
+          </a:xfrm>
+        </p:grpSpPr>
+        <p:sp>
+          <p:nvSpPr>
+            <p:cNvPr id="30" name="CuadroTexto 29"/>
+            <p:cNvSpPr txBox="1"/>
+            <p:nvPr/>
+          </p:nvSpPr>
+          <p:spPr>
+            <a:xfrm>
+              <a:off x="7294969" y="3331280"/>
+              <a:ext cx="1091966" cy="523220"/>
+            </a:xfrm>
+            <a:prstGeom prst="rect">
+              <a:avLst/>
+            </a:prstGeom>
+            <a:noFill/>
+          </p:spPr>
+          <p:txBody>
+            <a:bodyPr wrap="none" rtlCol="0">
+              <a:spAutoFit/>
+            </a:bodyPr>
+            <a:lstStyle/>
+            <a:p>
+              <a:r>
+                <a:rPr lang="en-GB" sz="2800" dirty="0" smtClean="0">
                   <a:solidFill>
-                    <a:srgbClr val="FF0066"/>
+                    <a:srgbClr val="3399FF"/>
                   </a:solidFill>
                   <a:latin typeface="Arial" panose="020B0604020202020204" pitchFamily="34" charset="0"/>
                   <a:cs typeface="Arial" panose="020B0604020202020204" pitchFamily="34" charset="0"/>
@@ -7375,17 +9958,79 @@
                 <a:t>/</a:t>
               </a:r>
               <a:r>
-                <a:rPr lang="en-GB" sz="2800" dirty="0" err="1">
+                <a:rPr lang="en-GB" sz="2800" dirty="0">
+                  <a:solidFill>
+                    <a:srgbClr val="3399FF"/>
+                  </a:solidFill>
+                  <a:latin typeface="Arial" panose="020B0604020202020204" pitchFamily="34" charset="0"/>
+                  <a:cs typeface="Arial" panose="020B0604020202020204" pitchFamily="34" charset="0"/>
+                </a:rPr>
+                <a:t>baɪk/</a:t>
+              </a:r>
+              <a:endParaRPr lang="en-GB" sz="2800" dirty="0">
+                <a:solidFill>
+                  <a:srgbClr val="3399FF"/>
+                </a:solidFill>
+                <a:latin typeface="Arial" panose="020B0604020202020204" pitchFamily="34" charset="0"/>
+                <a:cs typeface="Arial" panose="020B0604020202020204" pitchFamily="34" charset="0"/>
+              </a:endParaRPr>
+            </a:p>
+          </p:txBody>
+        </p:sp>
+        <p:sp>
+          <p:nvSpPr>
+            <p:cNvPr id="31" name="CuadroTexto 30"/>
+            <p:cNvSpPr txBox="1"/>
+            <p:nvPr/>
+          </p:nvSpPr>
+          <p:spPr>
+            <a:xfrm>
+              <a:off x="3434571" y="3343627"/>
+              <a:ext cx="1164101" cy="523220"/>
+            </a:xfrm>
+            <a:prstGeom prst="rect">
+              <a:avLst/>
+            </a:prstGeom>
+            <a:noFill/>
+          </p:spPr>
+          <p:txBody>
+            <a:bodyPr wrap="none" rtlCol="0">
+              <a:spAutoFit/>
+            </a:bodyPr>
+            <a:lstStyle/>
+            <a:p>
+              <a:r>
+                <a:rPr lang="en-GB" sz="2800" dirty="0" smtClean="0">
                   <a:solidFill>
                     <a:srgbClr val="FF0066"/>
                   </a:solidFill>
                   <a:latin typeface="Arial" panose="020B0604020202020204" pitchFamily="34" charset="0"/>
                   <a:cs typeface="Arial" panose="020B0604020202020204" pitchFamily="34" charset="0"/>
                 </a:rPr>
-                <a:t>boˈteʝa</a:t>
+                <a:t>/ˈbi.</a:t>
               </a:r>
               <a:r>
-                <a:rPr lang="en-GB" sz="2800" dirty="0">
+                <a:rPr lang="el-GR" sz="2800" dirty="0" smtClean="0">
+                  <a:solidFill>
+                    <a:srgbClr val="FF0066"/>
+                  </a:solidFill>
+                  <a:latin typeface="Arial" panose="020B0604020202020204" pitchFamily="34" charset="0"/>
+                  <a:cs typeface="Arial" panose="020B0604020202020204" pitchFamily="34" charset="0"/>
+                </a:rPr>
+                <a:t>θ</a:t>
+              </a:r>
+              <a:r>
+                <a:rPr lang="en-GB" sz="2800" dirty="0" err="1" smtClean="0">
+                  <a:solidFill>
+                    <a:srgbClr val="FF0066"/>
+                  </a:solidFill>
+                  <a:latin typeface="Arial" panose="020B0604020202020204" pitchFamily="34" charset="0"/>
+                  <a:cs typeface="Arial" panose="020B0604020202020204" pitchFamily="34" charset="0"/>
+                </a:rPr>
+                <a:t>i</a:t>
+              </a:r>
+              <a:r>
+                <a:rPr lang="en-GB" sz="2800" dirty="0" smtClean="0">
                   <a:solidFill>
                     <a:srgbClr val="FF0066"/>
                   </a:solidFill>
@@ -7405,23 +10050,1483 @@
           </p:txBody>
         </p:sp>
       </p:grpSp>
+      <p:sp>
+        <p:nvSpPr>
+          <p:cNvPr id="32" name="CuadroTexto 31"/>
+          <p:cNvSpPr txBox="1"/>
+          <p:nvPr/>
+        </p:nvSpPr>
+        <p:spPr>
+          <a:xfrm>
+            <a:off x="6500250" y="5212661"/>
+            <a:ext cx="312906" cy="400110"/>
+          </a:xfrm>
+          <a:prstGeom prst="rect">
+            <a:avLst/>
+          </a:prstGeom>
+          <a:noFill/>
+        </p:spPr>
+        <p:txBody>
+          <a:bodyPr wrap="none" rtlCol="0">
+            <a:spAutoFit/>
+          </a:bodyPr>
+          <a:lstStyle/>
+          <a:p>
+            <a:pPr algn="ctr"/>
+            <a:r>
+              <a:rPr lang="en-GB" sz="2000" dirty="0">
+                <a:latin typeface="Arial" panose="020B0604020202020204" pitchFamily="34" charset="0"/>
+                <a:cs typeface="Arial" panose="020B0604020202020204" pitchFamily="34" charset="0"/>
+              </a:rPr>
+              <a:t>k</a:t>
+            </a:r>
+            <a:endParaRPr lang="en-GB" sz="2000" dirty="0">
+              <a:latin typeface="Arial" panose="020B0604020202020204" pitchFamily="34" charset="0"/>
+              <a:cs typeface="Arial" panose="020B0604020202020204" pitchFamily="34" charset="0"/>
+            </a:endParaRPr>
+          </a:p>
+        </p:txBody>
+      </p:sp>
+      <p:sp>
+        <p:nvSpPr>
+          <p:cNvPr id="49" name="Elipse 48"/>
+          <p:cNvSpPr/>
+          <p:nvPr/>
+        </p:nvSpPr>
+        <p:spPr>
+          <a:xfrm rot="20810437">
+            <a:off x="4976472" y="5097271"/>
+            <a:ext cx="2078601" cy="337364"/>
+          </a:xfrm>
+          <a:prstGeom prst="ellipse">
+            <a:avLst/>
+          </a:prstGeom>
+          <a:gradFill>
+            <a:gsLst>
+              <a:gs pos="0">
+                <a:srgbClr val="FF0066">
+                  <a:alpha val="45000"/>
+                </a:srgbClr>
+              </a:gs>
+              <a:gs pos="100000">
+                <a:srgbClr val="3399FF">
+                  <a:alpha val="39000"/>
+                </a:srgbClr>
+              </a:gs>
+            </a:gsLst>
+            <a:lin ang="0" scaled="1"/>
+          </a:gradFill>
+          <a:ln>
+            <a:noFill/>
+          </a:ln>
+        </p:spPr>
+        <p:style>
+          <a:lnRef idx="2">
+            <a:schemeClr val="accent1">
+              <a:shade val="50000"/>
+            </a:schemeClr>
+          </a:lnRef>
+          <a:fillRef idx="1">
+            <a:schemeClr val="accent1"/>
+          </a:fillRef>
+          <a:effectRef idx="0">
+            <a:schemeClr val="accent1"/>
+          </a:effectRef>
+          <a:fontRef idx="minor">
+            <a:schemeClr val="lt1"/>
+          </a:fontRef>
+        </p:style>
+        <p:txBody>
+          <a:bodyPr rtlCol="0" anchor="ctr"/>
+          <a:lstStyle/>
+          <a:p>
+            <a:pPr algn="ctr"/>
+            <a:endParaRPr lang="en-GB"/>
+          </a:p>
+        </p:txBody>
+      </p:sp>
     </p:spTree>
     <p:extLst>
       <p:ext uri="{BB962C8B-B14F-4D97-AF65-F5344CB8AC3E}">
-        <p14:creationId xmlns:p14="http://schemas.microsoft.com/office/powerpoint/2010/main" val="1455165679"/>
+        <p14:creationId xmlns:p14="http://schemas.microsoft.com/office/powerpoint/2010/main" val="684041764"/>
       </p:ext>
     </p:extLst>
   </p:cSld>
   <p:clrMapOvr>
     <a:masterClrMapping/>
   </p:clrMapOvr>
-  <p:timing>
-    <p:tnLst>
-      <p:par>
-        <p:cTn id="1" dur="indefinite" restart="never" nodeType="tmRoot"/>
-      </p:par>
-    </p:tnLst>
-  </p:timing>
+</p:sld>
+</file>
+
+<file path=ppt/slides/slide9.xml><?xml version="1.0" encoding="utf-8"?>
+<p:sld xmlns:a="http://schemas.openxmlformats.org/drawingml/2006/main" xmlns:r="http://schemas.openxmlformats.org/officeDocument/2006/relationships" xmlns:p="http://schemas.openxmlformats.org/presentationml/2006/main">
+  <p:cSld>
+    <p:spTree>
+      <p:nvGrpSpPr>
+        <p:cNvPr id="1" name=""/>
+        <p:cNvGrpSpPr/>
+        <p:nvPr/>
+      </p:nvGrpSpPr>
+      <p:grpSpPr>
+        <a:xfrm>
+          <a:off x="0" y="0"/>
+          <a:ext cx="0" cy="0"/>
+          <a:chOff x="0" y="0"/>
+          <a:chExt cx="0" cy="0"/>
+        </a:xfrm>
+      </p:grpSpPr>
+      <p:sp>
+        <p:nvSpPr>
+          <p:cNvPr id="51" name="Elipse 50"/>
+          <p:cNvSpPr/>
+          <p:nvPr/>
+        </p:nvSpPr>
+        <p:spPr>
+          <a:xfrm rot="20810437">
+            <a:off x="4976472" y="5097271"/>
+            <a:ext cx="2078601" cy="337364"/>
+          </a:xfrm>
+          <a:prstGeom prst="ellipse">
+            <a:avLst/>
+          </a:prstGeom>
+          <a:gradFill>
+            <a:gsLst>
+              <a:gs pos="0">
+                <a:srgbClr val="FF0066">
+                  <a:alpha val="45000"/>
+                </a:srgbClr>
+              </a:gs>
+              <a:gs pos="100000">
+                <a:srgbClr val="3399FF">
+                  <a:alpha val="39000"/>
+                </a:srgbClr>
+              </a:gs>
+            </a:gsLst>
+            <a:lin ang="0" scaled="1"/>
+          </a:gradFill>
+          <a:ln>
+            <a:noFill/>
+          </a:ln>
+        </p:spPr>
+        <p:style>
+          <a:lnRef idx="2">
+            <a:schemeClr val="accent1">
+              <a:shade val="50000"/>
+            </a:schemeClr>
+          </a:lnRef>
+          <a:fillRef idx="1">
+            <a:schemeClr val="accent1"/>
+          </a:fillRef>
+          <a:effectRef idx="0">
+            <a:schemeClr val="accent1"/>
+          </a:effectRef>
+          <a:fontRef idx="minor">
+            <a:schemeClr val="lt1"/>
+          </a:fontRef>
+        </p:style>
+        <p:txBody>
+          <a:bodyPr rtlCol="0" anchor="ctr"/>
+          <a:lstStyle/>
+          <a:p>
+            <a:pPr algn="ctr"/>
+            <a:endParaRPr lang="en-GB"/>
+          </a:p>
+        </p:txBody>
+      </p:sp>
+      <p:cxnSp>
+        <p:nvCxnSpPr>
+          <p:cNvPr id="9" name="Conector recto de flecha 8"/>
+          <p:cNvCxnSpPr>
+            <a:stCxn id="31" idx="3"/>
+          </p:cNvCxnSpPr>
+          <p:nvPr/>
+        </p:nvCxnSpPr>
+        <p:spPr>
+          <a:xfrm flipV="1">
+            <a:off x="4598672" y="3580543"/>
+            <a:ext cx="2696297" cy="24694"/>
+          </a:xfrm>
+          <a:prstGeom prst="straightConnector1">
+            <a:avLst/>
+          </a:prstGeom>
+          <a:ln w="57150">
+            <a:gradFill flip="none" rotWithShape="1">
+              <a:gsLst>
+                <a:gs pos="0">
+                  <a:srgbClr val="FF0066"/>
+                </a:gs>
+                <a:gs pos="100000">
+                  <a:srgbClr val="3399FF"/>
+                </a:gs>
+              </a:gsLst>
+              <a:lin ang="0" scaled="1"/>
+              <a:tileRect/>
+            </a:gradFill>
+            <a:prstDash val="dash"/>
+            <a:headEnd type="none" w="med" len="med"/>
+            <a:tailEnd type="triangle" w="med" len="med"/>
+          </a:ln>
+        </p:spPr>
+        <p:style>
+          <a:lnRef idx="1">
+            <a:schemeClr val="accent1"/>
+          </a:lnRef>
+          <a:fillRef idx="0">
+            <a:schemeClr val="accent1"/>
+          </a:fillRef>
+          <a:effectRef idx="0">
+            <a:schemeClr val="accent1"/>
+          </a:effectRef>
+          <a:fontRef idx="minor">
+            <a:schemeClr val="tx1"/>
+          </a:fontRef>
+        </p:style>
+      </p:cxnSp>
+      <p:sp>
+        <p:nvSpPr>
+          <p:cNvPr id="47" name="Elipse 46"/>
+          <p:cNvSpPr/>
+          <p:nvPr/>
+        </p:nvSpPr>
+        <p:spPr>
+          <a:xfrm>
+            <a:off x="6813156" y="2819269"/>
+            <a:ext cx="2154062" cy="1833441"/>
+          </a:xfrm>
+          <a:prstGeom prst="ellipse">
+            <a:avLst/>
+          </a:prstGeom>
+          <a:solidFill>
+            <a:schemeClr val="bg2"/>
+          </a:solidFill>
+          <a:ln>
+            <a:solidFill>
+              <a:schemeClr val="bg1"/>
+            </a:solidFill>
+          </a:ln>
+        </p:spPr>
+        <p:style>
+          <a:lnRef idx="2">
+            <a:schemeClr val="accent1">
+              <a:shade val="50000"/>
+            </a:schemeClr>
+          </a:lnRef>
+          <a:fillRef idx="1">
+            <a:schemeClr val="accent1"/>
+          </a:fillRef>
+          <a:effectRef idx="0">
+            <a:schemeClr val="accent1"/>
+          </a:effectRef>
+          <a:fontRef idx="minor">
+            <a:schemeClr val="lt1"/>
+          </a:fontRef>
+        </p:style>
+        <p:txBody>
+          <a:bodyPr rtlCol="0" anchor="ctr"/>
+          <a:lstStyle/>
+          <a:p>
+            <a:pPr algn="ctr"/>
+            <a:endParaRPr lang="en-GB"/>
+          </a:p>
+        </p:txBody>
+      </p:sp>
+      <p:sp>
+        <p:nvSpPr>
+          <p:cNvPr id="34" name="Elipse 33"/>
+          <p:cNvSpPr/>
+          <p:nvPr/>
+        </p:nvSpPr>
+        <p:spPr>
+          <a:xfrm rot="980560">
+            <a:off x="5011853" y="4762147"/>
+            <a:ext cx="2078601" cy="337364"/>
+          </a:xfrm>
+          <a:prstGeom prst="ellipse">
+            <a:avLst/>
+          </a:prstGeom>
+          <a:gradFill>
+            <a:gsLst>
+              <a:gs pos="0">
+                <a:srgbClr val="FF0066">
+                  <a:alpha val="45000"/>
+                </a:srgbClr>
+              </a:gs>
+              <a:gs pos="100000">
+                <a:srgbClr val="3399FF">
+                  <a:alpha val="39000"/>
+                </a:srgbClr>
+              </a:gs>
+            </a:gsLst>
+            <a:lin ang="0" scaled="1"/>
+          </a:gradFill>
+          <a:ln>
+            <a:noFill/>
+          </a:ln>
+        </p:spPr>
+        <p:style>
+          <a:lnRef idx="2">
+            <a:schemeClr val="accent1">
+              <a:shade val="50000"/>
+            </a:schemeClr>
+          </a:lnRef>
+          <a:fillRef idx="1">
+            <a:schemeClr val="accent1"/>
+          </a:fillRef>
+          <a:effectRef idx="0">
+            <a:schemeClr val="accent1"/>
+          </a:effectRef>
+          <a:fontRef idx="minor">
+            <a:schemeClr val="lt1"/>
+          </a:fontRef>
+        </p:style>
+        <p:txBody>
+          <a:bodyPr rtlCol="0" anchor="ctr"/>
+          <a:lstStyle/>
+          <a:p>
+            <a:pPr algn="ctr"/>
+            <a:endParaRPr lang="en-GB"/>
+          </a:p>
+        </p:txBody>
+      </p:sp>
+      <p:sp>
+        <p:nvSpPr>
+          <p:cNvPr id="33" name="Elipse 32"/>
+          <p:cNvSpPr/>
+          <p:nvPr/>
+        </p:nvSpPr>
+        <p:spPr>
+          <a:xfrm rot="150217">
+            <a:off x="5097046" y="4285548"/>
+            <a:ext cx="2078601" cy="337364"/>
+          </a:xfrm>
+          <a:prstGeom prst="ellipse">
+            <a:avLst/>
+          </a:prstGeom>
+          <a:gradFill>
+            <a:gsLst>
+              <a:gs pos="0">
+                <a:srgbClr val="FF0066"/>
+              </a:gs>
+              <a:gs pos="100000">
+                <a:srgbClr val="3399FF"/>
+              </a:gs>
+            </a:gsLst>
+            <a:lin ang="0" scaled="1"/>
+          </a:gradFill>
+          <a:ln>
+            <a:noFill/>
+          </a:ln>
+        </p:spPr>
+        <p:style>
+          <a:lnRef idx="2">
+            <a:schemeClr val="accent1">
+              <a:shade val="50000"/>
+            </a:schemeClr>
+          </a:lnRef>
+          <a:fillRef idx="1">
+            <a:schemeClr val="accent1"/>
+          </a:fillRef>
+          <a:effectRef idx="0">
+            <a:schemeClr val="accent1"/>
+          </a:effectRef>
+          <a:fontRef idx="minor">
+            <a:schemeClr val="lt1"/>
+          </a:fontRef>
+        </p:style>
+        <p:txBody>
+          <a:bodyPr rtlCol="0" anchor="ctr"/>
+          <a:lstStyle/>
+          <a:p>
+            <a:pPr algn="ctr"/>
+            <a:endParaRPr lang="en-GB"/>
+          </a:p>
+        </p:txBody>
+      </p:sp>
+      <p:grpSp>
+        <p:nvGrpSpPr>
+          <p:cNvPr id="2" name="Grupo 1"/>
+          <p:cNvGrpSpPr/>
+          <p:nvPr/>
+        </p:nvGrpSpPr>
+        <p:grpSpPr>
+          <a:xfrm>
+            <a:off x="3135086" y="369662"/>
+            <a:ext cx="5775649" cy="2419003"/>
+            <a:chOff x="2252748" y="714895"/>
+            <a:chExt cx="7531334" cy="2419003"/>
+          </a:xfrm>
+        </p:grpSpPr>
+        <p:sp>
+          <p:nvSpPr>
+            <p:cNvPr id="3" name="Rectángulo 2"/>
+            <p:cNvSpPr/>
+            <p:nvPr/>
+          </p:nvSpPr>
+          <p:spPr>
+            <a:xfrm>
+              <a:off x="2252748" y="714895"/>
+              <a:ext cx="7531334" cy="2419003"/>
+            </a:xfrm>
+            <a:prstGeom prst="rect">
+              <a:avLst/>
+            </a:prstGeom>
+            <a:noFill/>
+            <a:ln w="28575">
+              <a:solidFill>
+                <a:schemeClr val="tx1"/>
+              </a:solidFill>
+            </a:ln>
+          </p:spPr>
+          <p:style>
+            <a:lnRef idx="2">
+              <a:schemeClr val="accent1">
+                <a:shade val="50000"/>
+              </a:schemeClr>
+            </a:lnRef>
+            <a:fillRef idx="1">
+              <a:schemeClr val="accent1"/>
+            </a:fillRef>
+            <a:effectRef idx="0">
+              <a:schemeClr val="accent1"/>
+            </a:effectRef>
+            <a:fontRef idx="minor">
+              <a:schemeClr val="lt1"/>
+            </a:fontRef>
+          </p:style>
+          <p:txBody>
+            <a:bodyPr rtlCol="0" anchor="ctr"/>
+            <a:lstStyle/>
+            <a:p>
+              <a:pPr algn="ctr"/>
+              <a:endParaRPr lang="en-GB"/>
+            </a:p>
+          </p:txBody>
+        </p:sp>
+        <p:sp>
+          <p:nvSpPr>
+            <p:cNvPr id="4" name="CuadroTexto 3"/>
+            <p:cNvSpPr txBox="1"/>
+            <p:nvPr/>
+          </p:nvSpPr>
+          <p:spPr>
+            <a:xfrm>
+              <a:off x="2252748" y="753968"/>
+              <a:ext cx="1210588" cy="400110"/>
+            </a:xfrm>
+            <a:prstGeom prst="rect">
+              <a:avLst/>
+            </a:prstGeom>
+            <a:noFill/>
+          </p:spPr>
+          <p:txBody>
+            <a:bodyPr wrap="none" rtlCol="0">
+              <a:spAutoFit/>
+            </a:bodyPr>
+            <a:lstStyle/>
+            <a:p>
+              <a:r>
+                <a:rPr lang="en-GB" sz="2000" dirty="0" smtClean="0">
+                  <a:latin typeface="Arial" panose="020B0604020202020204" pitchFamily="34" charset="0"/>
+                  <a:cs typeface="Arial" panose="020B0604020202020204" pitchFamily="34" charset="0"/>
+                </a:rPr>
+                <a:t>concepts</a:t>
+              </a:r>
+              <a:endParaRPr lang="en-GB" sz="2000" dirty="0">
+                <a:latin typeface="Arial" panose="020B0604020202020204" pitchFamily="34" charset="0"/>
+                <a:cs typeface="Arial" panose="020B0604020202020204" pitchFamily="34" charset="0"/>
+              </a:endParaRPr>
+            </a:p>
+          </p:txBody>
+        </p:sp>
+      </p:grpSp>
+      <p:grpSp>
+        <p:nvGrpSpPr>
+          <p:cNvPr id="5" name="Grupo 4"/>
+          <p:cNvGrpSpPr/>
+          <p:nvPr/>
+        </p:nvGrpSpPr>
+        <p:grpSpPr>
+          <a:xfrm>
+            <a:off x="3135086" y="2855167"/>
+            <a:ext cx="5775649" cy="3541222"/>
+            <a:chOff x="2252748" y="3200400"/>
+            <a:chExt cx="7531333" cy="3541222"/>
+          </a:xfrm>
+        </p:grpSpPr>
+        <p:sp>
+          <p:nvSpPr>
+            <p:cNvPr id="6" name="Rectángulo 5"/>
+            <p:cNvSpPr/>
+            <p:nvPr/>
+          </p:nvSpPr>
+          <p:spPr>
+            <a:xfrm>
+              <a:off x="2252749" y="3200400"/>
+              <a:ext cx="7531332" cy="3541222"/>
+            </a:xfrm>
+            <a:prstGeom prst="rect">
+              <a:avLst/>
+            </a:prstGeom>
+            <a:noFill/>
+            <a:ln w="28575">
+              <a:solidFill>
+                <a:schemeClr val="tx1"/>
+              </a:solidFill>
+            </a:ln>
+          </p:spPr>
+          <p:style>
+            <a:lnRef idx="2">
+              <a:schemeClr val="accent1">
+                <a:shade val="50000"/>
+              </a:schemeClr>
+            </a:lnRef>
+            <a:fillRef idx="1">
+              <a:schemeClr val="accent1"/>
+            </a:fillRef>
+            <a:effectRef idx="0">
+              <a:schemeClr val="accent1"/>
+            </a:effectRef>
+            <a:fontRef idx="minor">
+              <a:schemeClr val="lt1"/>
+            </a:fontRef>
+          </p:style>
+          <p:txBody>
+            <a:bodyPr rtlCol="0" anchor="ctr"/>
+            <a:lstStyle/>
+            <a:p>
+              <a:pPr algn="ctr"/>
+              <a:endParaRPr lang="en-GB"/>
+            </a:p>
+          </p:txBody>
+        </p:sp>
+        <p:sp>
+          <p:nvSpPr>
+            <p:cNvPr id="7" name="CuadroTexto 6"/>
+            <p:cNvSpPr txBox="1"/>
+            <p:nvPr/>
+          </p:nvSpPr>
+          <p:spPr>
+            <a:xfrm>
+              <a:off x="2252748" y="6341512"/>
+              <a:ext cx="1465466" cy="400110"/>
+            </a:xfrm>
+            <a:prstGeom prst="rect">
+              <a:avLst/>
+            </a:prstGeom>
+            <a:noFill/>
+          </p:spPr>
+          <p:txBody>
+            <a:bodyPr wrap="none" rtlCol="0">
+              <a:spAutoFit/>
+            </a:bodyPr>
+            <a:lstStyle/>
+            <a:p>
+              <a:r>
+                <a:rPr lang="en-GB" sz="2000" dirty="0" smtClean="0">
+                  <a:latin typeface="Arial" panose="020B0604020202020204" pitchFamily="34" charset="0"/>
+                  <a:cs typeface="Arial" panose="020B0604020202020204" pitchFamily="34" charset="0"/>
+                </a:rPr>
+                <a:t>word-forms</a:t>
+              </a:r>
+              <a:endParaRPr lang="en-GB" sz="2000" dirty="0">
+                <a:latin typeface="Arial" panose="020B0604020202020204" pitchFamily="34" charset="0"/>
+                <a:cs typeface="Arial" panose="020B0604020202020204" pitchFamily="34" charset="0"/>
+              </a:endParaRPr>
+            </a:p>
+          </p:txBody>
+        </p:sp>
+      </p:grpSp>
+      <p:sp>
+        <p:nvSpPr>
+          <p:cNvPr id="8" name="CuadroTexto 7"/>
+          <p:cNvSpPr txBox="1"/>
+          <p:nvPr/>
+        </p:nvSpPr>
+        <p:spPr>
+          <a:xfrm>
+            <a:off x="5203711" y="2903219"/>
+            <a:ext cx="1694883" cy="338554"/>
+          </a:xfrm>
+          <a:prstGeom prst="rect">
+            <a:avLst/>
+          </a:prstGeom>
+          <a:noFill/>
+        </p:spPr>
+        <p:txBody>
+          <a:bodyPr wrap="square" rtlCol="0">
+            <a:spAutoFit/>
+          </a:bodyPr>
+          <a:lstStyle/>
+          <a:p>
+            <a:pPr algn="ctr"/>
+            <a:r>
+              <a:rPr lang="es-ES" sz="1600" dirty="0" smtClean="0">
+                <a:latin typeface="Arial" panose="020B0604020202020204" pitchFamily="34" charset="0"/>
+                <a:cs typeface="Arial" panose="020B0604020202020204" pitchFamily="34" charset="0"/>
+              </a:rPr>
+              <a:t>Lexical route</a:t>
+            </a:r>
+            <a:endParaRPr lang="en-GB" sz="1600" dirty="0">
+              <a:latin typeface="Arial" panose="020B0604020202020204" pitchFamily="34" charset="0"/>
+              <a:cs typeface="Arial" panose="020B0604020202020204" pitchFamily="34" charset="0"/>
+            </a:endParaRPr>
+          </a:p>
+        </p:txBody>
+      </p:sp>
+      <p:grpSp>
+        <p:nvGrpSpPr>
+          <p:cNvPr id="10" name="Grupo 9"/>
+          <p:cNvGrpSpPr/>
+          <p:nvPr/>
+        </p:nvGrpSpPr>
+        <p:grpSpPr>
+          <a:xfrm>
+            <a:off x="5256718" y="4224676"/>
+            <a:ext cx="1573158" cy="1718373"/>
+            <a:chOff x="5457383" y="4193444"/>
+            <a:chExt cx="1573158" cy="1718373"/>
+          </a:xfrm>
+        </p:grpSpPr>
+        <p:grpSp>
+          <p:nvGrpSpPr>
+            <p:cNvPr id="14" name="Grupo 13"/>
+            <p:cNvGrpSpPr/>
+            <p:nvPr/>
+          </p:nvGrpSpPr>
+          <p:grpSpPr>
+            <a:xfrm>
+              <a:off x="5457383" y="4193444"/>
+              <a:ext cx="1573158" cy="1718373"/>
+              <a:chOff x="4907178" y="4609908"/>
+              <a:chExt cx="1573158" cy="2131714"/>
+            </a:xfrm>
+          </p:grpSpPr>
+          <p:grpSp>
+            <p:nvGrpSpPr>
+              <p:cNvPr id="17" name="Grupo 16"/>
+              <p:cNvGrpSpPr/>
+              <p:nvPr/>
+            </p:nvGrpSpPr>
+            <p:grpSpPr>
+              <a:xfrm>
+                <a:off x="4907179" y="4609908"/>
+                <a:ext cx="1573157" cy="515746"/>
+                <a:chOff x="4907179" y="4609908"/>
+                <a:chExt cx="1573157" cy="515746"/>
+              </a:xfrm>
+            </p:grpSpPr>
+            <p:sp>
+              <p:nvSpPr>
+                <p:cNvPr id="26" name="CuadroTexto 25"/>
+                <p:cNvSpPr txBox="1"/>
+                <p:nvPr/>
+              </p:nvSpPr>
+              <p:spPr>
+                <a:xfrm>
+                  <a:off x="4907179" y="4609908"/>
+                  <a:ext cx="327333" cy="496353"/>
+                </a:xfrm>
+                <a:prstGeom prst="rect">
+                  <a:avLst/>
+                </a:prstGeom>
+                <a:noFill/>
+              </p:spPr>
+              <p:txBody>
+                <a:bodyPr wrap="none" rtlCol="0">
+                  <a:spAutoFit/>
+                </a:bodyPr>
+                <a:lstStyle/>
+                <a:p>
+                  <a:pPr algn="ctr"/>
+                  <a:r>
+                    <a:rPr lang="en-GB" sz="2000" dirty="0">
+                      <a:latin typeface="Arial" panose="020B0604020202020204" pitchFamily="34" charset="0"/>
+                      <a:cs typeface="Arial" panose="020B0604020202020204" pitchFamily="34" charset="0"/>
+                    </a:rPr>
+                    <a:t>b</a:t>
+                  </a:r>
+                  <a:endParaRPr lang="en-GB" sz="2000" dirty="0">
+                    <a:latin typeface="Arial" panose="020B0604020202020204" pitchFamily="34" charset="0"/>
+                    <a:cs typeface="Arial" panose="020B0604020202020204" pitchFamily="34" charset="0"/>
+                  </a:endParaRPr>
+                </a:p>
+              </p:txBody>
+            </p:sp>
+            <p:sp>
+              <p:nvSpPr>
+                <p:cNvPr id="27" name="CuadroTexto 26"/>
+                <p:cNvSpPr txBox="1"/>
+                <p:nvPr/>
+              </p:nvSpPr>
+              <p:spPr>
+                <a:xfrm>
+                  <a:off x="6153003" y="4629301"/>
+                  <a:ext cx="327333" cy="496353"/>
+                </a:xfrm>
+                <a:prstGeom prst="rect">
+                  <a:avLst/>
+                </a:prstGeom>
+                <a:noFill/>
+              </p:spPr>
+              <p:txBody>
+                <a:bodyPr wrap="none" rtlCol="0">
+                  <a:spAutoFit/>
+                </a:bodyPr>
+                <a:lstStyle/>
+                <a:p>
+                  <a:pPr algn="ctr"/>
+                  <a:r>
+                    <a:rPr lang="en-GB" sz="2000" dirty="0">
+                      <a:latin typeface="Arial" panose="020B0604020202020204" pitchFamily="34" charset="0"/>
+                      <a:cs typeface="Arial" panose="020B0604020202020204" pitchFamily="34" charset="0"/>
+                    </a:rPr>
+                    <a:t>b</a:t>
+                  </a:r>
+                  <a:endParaRPr lang="en-GB" sz="2000" dirty="0">
+                    <a:latin typeface="Arial" panose="020B0604020202020204" pitchFamily="34" charset="0"/>
+                    <a:cs typeface="Arial" panose="020B0604020202020204" pitchFamily="34" charset="0"/>
+                  </a:endParaRPr>
+                </a:p>
+              </p:txBody>
+            </p:sp>
+          </p:grpSp>
+          <p:grpSp>
+            <p:nvGrpSpPr>
+              <p:cNvPr id="18" name="Grupo 17"/>
+              <p:cNvGrpSpPr/>
+              <p:nvPr/>
+            </p:nvGrpSpPr>
+            <p:grpSpPr>
+              <a:xfrm>
+                <a:off x="4948856" y="5002798"/>
+                <a:ext cx="1526448" cy="503949"/>
+                <a:chOff x="7733226" y="4863221"/>
+                <a:chExt cx="1526448" cy="503949"/>
+              </a:xfrm>
+            </p:grpSpPr>
+            <p:sp>
+              <p:nvSpPr>
+                <p:cNvPr id="24" name="CuadroTexto 23"/>
+                <p:cNvSpPr txBox="1"/>
+                <p:nvPr/>
+              </p:nvSpPr>
+              <p:spPr>
+                <a:xfrm>
+                  <a:off x="7733226" y="4863221"/>
+                  <a:ext cx="242374" cy="496353"/>
+                </a:xfrm>
+                <a:prstGeom prst="rect">
+                  <a:avLst/>
+                </a:prstGeom>
+                <a:noFill/>
+              </p:spPr>
+              <p:txBody>
+                <a:bodyPr wrap="none" rtlCol="0">
+                  <a:spAutoFit/>
+                </a:bodyPr>
+                <a:lstStyle/>
+                <a:p>
+                  <a:pPr algn="ctr"/>
+                  <a:r>
+                    <a:rPr lang="en-GB" sz="2000" dirty="0" err="1">
+                      <a:latin typeface="Arial" panose="020B0604020202020204" pitchFamily="34" charset="0"/>
+                      <a:cs typeface="Arial" panose="020B0604020202020204" pitchFamily="34" charset="0"/>
+                    </a:rPr>
+                    <a:t>i</a:t>
+                  </a:r>
+                  <a:endParaRPr lang="en-GB" sz="2000" dirty="0">
+                    <a:latin typeface="Arial" panose="020B0604020202020204" pitchFamily="34" charset="0"/>
+                    <a:cs typeface="Arial" panose="020B0604020202020204" pitchFamily="34" charset="0"/>
+                  </a:endParaRPr>
+                </a:p>
+              </p:txBody>
+            </p:sp>
+            <p:sp>
+              <p:nvSpPr>
+                <p:cNvPr id="25" name="CuadroTexto 24"/>
+                <p:cNvSpPr txBox="1"/>
+                <p:nvPr/>
+              </p:nvSpPr>
+              <p:spPr>
+                <a:xfrm>
+                  <a:off x="8932341" y="4870817"/>
+                  <a:ext cx="327333" cy="496353"/>
+                </a:xfrm>
+                <a:prstGeom prst="rect">
+                  <a:avLst/>
+                </a:prstGeom>
+                <a:noFill/>
+              </p:spPr>
+              <p:txBody>
+                <a:bodyPr wrap="none" rtlCol="0">
+                  <a:spAutoFit/>
+                </a:bodyPr>
+                <a:lstStyle/>
+                <a:p>
+                  <a:pPr algn="ctr"/>
+                  <a:r>
+                    <a:rPr lang="en-GB" sz="2000" dirty="0">
+                      <a:latin typeface="Arial" panose="020B0604020202020204" pitchFamily="34" charset="0"/>
+                      <a:cs typeface="Arial" panose="020B0604020202020204" pitchFamily="34" charset="0"/>
+                    </a:rPr>
+                    <a:t>a</a:t>
+                  </a:r>
+                  <a:endParaRPr lang="en-GB" sz="2000" dirty="0">
+                    <a:latin typeface="Arial" panose="020B0604020202020204" pitchFamily="34" charset="0"/>
+                    <a:cs typeface="Arial" panose="020B0604020202020204" pitchFamily="34" charset="0"/>
+                  </a:endParaRPr>
+                </a:p>
+              </p:txBody>
+            </p:sp>
+          </p:grpSp>
+          <p:sp>
+            <p:nvSpPr>
+              <p:cNvPr id="23" name="CuadroTexto 22"/>
+              <p:cNvSpPr txBox="1"/>
+              <p:nvPr/>
+            </p:nvSpPr>
+            <p:spPr>
+              <a:xfrm>
+                <a:off x="6163482" y="5395688"/>
+                <a:ext cx="276038" cy="496353"/>
+              </a:xfrm>
+              <a:prstGeom prst="rect">
+                <a:avLst/>
+              </a:prstGeom>
+              <a:noFill/>
+            </p:spPr>
+            <p:txBody>
+              <a:bodyPr wrap="none" rtlCol="0">
+                <a:spAutoFit/>
+              </a:bodyPr>
+              <a:lstStyle/>
+              <a:p>
+                <a:pPr algn="ctr"/>
+                <a:r>
+                  <a:rPr lang="en-GB" sz="2000" dirty="0">
+                    <a:latin typeface="Arial" panose="020B0604020202020204" pitchFamily="34" charset="0"/>
+                    <a:cs typeface="Arial" panose="020B0604020202020204" pitchFamily="34" charset="0"/>
+                  </a:rPr>
+                  <a:t>ɪ</a:t>
+                </a:r>
+                <a:endParaRPr lang="en-GB" sz="2000" dirty="0">
+                  <a:latin typeface="Arial" panose="020B0604020202020204" pitchFamily="34" charset="0"/>
+                  <a:cs typeface="Arial" panose="020B0604020202020204" pitchFamily="34" charset="0"/>
+                </a:endParaRPr>
+              </a:p>
+            </p:txBody>
+          </p:sp>
+          <p:sp>
+            <p:nvSpPr>
+              <p:cNvPr id="20" name="CuadroTexto 19"/>
+              <p:cNvSpPr txBox="1"/>
+              <p:nvPr/>
+            </p:nvSpPr>
+            <p:spPr>
+              <a:xfrm>
+                <a:off x="4907178" y="5395688"/>
+                <a:ext cx="327334" cy="496354"/>
+              </a:xfrm>
+              <a:prstGeom prst="rect">
+                <a:avLst/>
+              </a:prstGeom>
+              <a:noFill/>
+            </p:spPr>
+            <p:txBody>
+              <a:bodyPr wrap="none" rtlCol="0">
+                <a:spAutoFit/>
+              </a:bodyPr>
+              <a:lstStyle/>
+              <a:p>
+                <a:pPr algn="ctr"/>
+                <a:r>
+                  <a:rPr lang="el-GR" sz="2000" dirty="0">
+                    <a:latin typeface="Arial" panose="020B0604020202020204" pitchFamily="34" charset="0"/>
+                    <a:cs typeface="Arial" panose="020B0604020202020204" pitchFamily="34" charset="0"/>
+                  </a:rPr>
+                  <a:t>θ</a:t>
+                </a:r>
+                <a:endParaRPr lang="en-GB" sz="2000" dirty="0">
+                  <a:latin typeface="Arial" panose="020B0604020202020204" pitchFamily="34" charset="0"/>
+                  <a:cs typeface="Arial" panose="020B0604020202020204" pitchFamily="34" charset="0"/>
+                </a:endParaRPr>
+              </a:p>
+            </p:txBody>
+          </p:sp>
+          <p:sp>
+            <p:nvSpPr>
+              <p:cNvPr id="21" name="CuadroTexto 20"/>
+              <p:cNvSpPr txBox="1"/>
+              <p:nvPr/>
+            </p:nvSpPr>
+            <p:spPr>
+              <a:xfrm>
+                <a:off x="6219879" y="6341512"/>
+                <a:ext cx="184730" cy="400110"/>
+              </a:xfrm>
+              <a:prstGeom prst="rect">
+                <a:avLst/>
+              </a:prstGeom>
+              <a:noFill/>
+            </p:spPr>
+            <p:txBody>
+              <a:bodyPr wrap="none" rtlCol="0">
+                <a:spAutoFit/>
+              </a:bodyPr>
+              <a:lstStyle/>
+              <a:p>
+                <a:pPr algn="ctr"/>
+                <a:endParaRPr lang="en-GB" sz="2000" dirty="0">
+                  <a:latin typeface="Arial" panose="020B0604020202020204" pitchFamily="34" charset="0"/>
+                  <a:cs typeface="Arial" panose="020B0604020202020204" pitchFamily="34" charset="0"/>
+                </a:endParaRPr>
+              </a:p>
+            </p:txBody>
+          </p:sp>
+        </p:grpSp>
+        <p:sp>
+          <p:nvSpPr>
+            <p:cNvPr id="12" name="Rectángulo 11"/>
+            <p:cNvSpPr/>
+            <p:nvPr/>
+          </p:nvSpPr>
+          <p:spPr>
+            <a:xfrm>
+              <a:off x="5499061" y="5181429"/>
+              <a:ext cx="243978" cy="400110"/>
+            </a:xfrm>
+            <a:prstGeom prst="rect">
+              <a:avLst/>
+            </a:prstGeom>
+          </p:spPr>
+          <p:txBody>
+            <a:bodyPr wrap="none">
+              <a:spAutoFit/>
+            </a:bodyPr>
+            <a:lstStyle/>
+            <a:p>
+              <a:r>
+                <a:rPr lang="es-ES" sz="2000" dirty="0" smtClean="0"/>
+                <a:t>i</a:t>
+              </a:r>
+              <a:endParaRPr lang="en-GB" sz="2000" dirty="0"/>
+            </a:p>
+          </p:txBody>
+        </p:sp>
+      </p:grpSp>
+      <p:grpSp>
+        <p:nvGrpSpPr>
+          <p:cNvPr id="29" name="Grupo 28"/>
+          <p:cNvGrpSpPr/>
+          <p:nvPr/>
+        </p:nvGrpSpPr>
+        <p:grpSpPr>
+          <a:xfrm>
+            <a:off x="3434571" y="3331280"/>
+            <a:ext cx="4952364" cy="535567"/>
+            <a:chOff x="3434571" y="3331280"/>
+            <a:chExt cx="4952364" cy="535567"/>
+          </a:xfrm>
+        </p:grpSpPr>
+        <p:sp>
+          <p:nvSpPr>
+            <p:cNvPr id="30" name="CuadroTexto 29"/>
+            <p:cNvSpPr txBox="1"/>
+            <p:nvPr/>
+          </p:nvSpPr>
+          <p:spPr>
+            <a:xfrm>
+              <a:off x="7294969" y="3331280"/>
+              <a:ext cx="1091966" cy="523220"/>
+            </a:xfrm>
+            <a:prstGeom prst="rect">
+              <a:avLst/>
+            </a:prstGeom>
+            <a:noFill/>
+          </p:spPr>
+          <p:txBody>
+            <a:bodyPr wrap="none" rtlCol="0">
+              <a:spAutoFit/>
+            </a:bodyPr>
+            <a:lstStyle/>
+            <a:p>
+              <a:r>
+                <a:rPr lang="en-GB" sz="2800" dirty="0" smtClean="0">
+                  <a:solidFill>
+                    <a:srgbClr val="3399FF"/>
+                  </a:solidFill>
+                  <a:latin typeface="Arial" panose="020B0604020202020204" pitchFamily="34" charset="0"/>
+                  <a:cs typeface="Arial" panose="020B0604020202020204" pitchFamily="34" charset="0"/>
+                </a:rPr>
+                <a:t>/</a:t>
+              </a:r>
+              <a:r>
+                <a:rPr lang="en-GB" sz="2800" dirty="0">
+                  <a:solidFill>
+                    <a:srgbClr val="3399FF"/>
+                  </a:solidFill>
+                  <a:latin typeface="Arial" panose="020B0604020202020204" pitchFamily="34" charset="0"/>
+                  <a:cs typeface="Arial" panose="020B0604020202020204" pitchFamily="34" charset="0"/>
+                </a:rPr>
+                <a:t>baɪk/</a:t>
+              </a:r>
+              <a:endParaRPr lang="en-GB" sz="2800" dirty="0">
+                <a:solidFill>
+                  <a:srgbClr val="3399FF"/>
+                </a:solidFill>
+                <a:latin typeface="Arial" panose="020B0604020202020204" pitchFamily="34" charset="0"/>
+                <a:cs typeface="Arial" panose="020B0604020202020204" pitchFamily="34" charset="0"/>
+              </a:endParaRPr>
+            </a:p>
+          </p:txBody>
+        </p:sp>
+        <p:sp>
+          <p:nvSpPr>
+            <p:cNvPr id="31" name="CuadroTexto 30"/>
+            <p:cNvSpPr txBox="1"/>
+            <p:nvPr/>
+          </p:nvSpPr>
+          <p:spPr>
+            <a:xfrm>
+              <a:off x="3434571" y="3343627"/>
+              <a:ext cx="1164101" cy="523220"/>
+            </a:xfrm>
+            <a:prstGeom prst="rect">
+              <a:avLst/>
+            </a:prstGeom>
+            <a:noFill/>
+          </p:spPr>
+          <p:txBody>
+            <a:bodyPr wrap="none" rtlCol="0">
+              <a:spAutoFit/>
+            </a:bodyPr>
+            <a:lstStyle/>
+            <a:p>
+              <a:r>
+                <a:rPr lang="en-GB" sz="2800" dirty="0" smtClean="0">
+                  <a:solidFill>
+                    <a:srgbClr val="FF0066"/>
+                  </a:solidFill>
+                  <a:latin typeface="Arial" panose="020B0604020202020204" pitchFamily="34" charset="0"/>
+                  <a:cs typeface="Arial" panose="020B0604020202020204" pitchFamily="34" charset="0"/>
+                </a:rPr>
+                <a:t>/ˈbi.</a:t>
+              </a:r>
+              <a:r>
+                <a:rPr lang="el-GR" sz="2800" dirty="0" smtClean="0">
+                  <a:solidFill>
+                    <a:srgbClr val="FF0066"/>
+                  </a:solidFill>
+                  <a:latin typeface="Arial" panose="020B0604020202020204" pitchFamily="34" charset="0"/>
+                  <a:cs typeface="Arial" panose="020B0604020202020204" pitchFamily="34" charset="0"/>
+                </a:rPr>
+                <a:t>θ</a:t>
+              </a:r>
+              <a:r>
+                <a:rPr lang="en-GB" sz="2800" dirty="0" err="1" smtClean="0">
+                  <a:solidFill>
+                    <a:srgbClr val="FF0066"/>
+                  </a:solidFill>
+                  <a:latin typeface="Arial" panose="020B0604020202020204" pitchFamily="34" charset="0"/>
+                  <a:cs typeface="Arial" panose="020B0604020202020204" pitchFamily="34" charset="0"/>
+                </a:rPr>
+                <a:t>i</a:t>
+              </a:r>
+              <a:r>
+                <a:rPr lang="en-GB" sz="2800" dirty="0" smtClean="0">
+                  <a:solidFill>
+                    <a:srgbClr val="FF0066"/>
+                  </a:solidFill>
+                  <a:latin typeface="Arial" panose="020B0604020202020204" pitchFamily="34" charset="0"/>
+                  <a:cs typeface="Arial" panose="020B0604020202020204" pitchFamily="34" charset="0"/>
+                </a:rPr>
+                <a:t>/</a:t>
+              </a:r>
+              <a:endParaRPr lang="en-GB" sz="2800" dirty="0">
+                <a:solidFill>
+                  <a:srgbClr val="FF0066"/>
+                </a:solidFill>
+                <a:latin typeface="Arial" panose="020B0604020202020204" pitchFamily="34" charset="0"/>
+                <a:cs typeface="Arial" panose="020B0604020202020204" pitchFamily="34" charset="0"/>
+              </a:endParaRPr>
+            </a:p>
+          </p:txBody>
+        </p:sp>
+      </p:grpSp>
+      <p:sp>
+        <p:nvSpPr>
+          <p:cNvPr id="32" name="CuadroTexto 31"/>
+          <p:cNvSpPr txBox="1"/>
+          <p:nvPr/>
+        </p:nvSpPr>
+        <p:spPr>
+          <a:xfrm>
+            <a:off x="6500250" y="5212661"/>
+            <a:ext cx="312906" cy="400110"/>
+          </a:xfrm>
+          <a:prstGeom prst="rect">
+            <a:avLst/>
+          </a:prstGeom>
+          <a:noFill/>
+        </p:spPr>
+        <p:txBody>
+          <a:bodyPr wrap="none" rtlCol="0">
+            <a:spAutoFit/>
+          </a:bodyPr>
+          <a:lstStyle/>
+          <a:p>
+            <a:pPr algn="ctr"/>
+            <a:r>
+              <a:rPr lang="en-GB" sz="2000" dirty="0">
+                <a:latin typeface="Arial" panose="020B0604020202020204" pitchFamily="34" charset="0"/>
+                <a:cs typeface="Arial" panose="020B0604020202020204" pitchFamily="34" charset="0"/>
+              </a:rPr>
+              <a:t>k</a:t>
+            </a:r>
+            <a:endParaRPr lang="en-GB" sz="2000" dirty="0">
+              <a:latin typeface="Arial" panose="020B0604020202020204" pitchFamily="34" charset="0"/>
+              <a:cs typeface="Arial" panose="020B0604020202020204" pitchFamily="34" charset="0"/>
+            </a:endParaRPr>
+          </a:p>
+        </p:txBody>
+      </p:sp>
+      <p:grpSp>
+        <p:nvGrpSpPr>
+          <p:cNvPr id="46" name="Grupo 45"/>
+          <p:cNvGrpSpPr/>
+          <p:nvPr/>
+        </p:nvGrpSpPr>
+        <p:grpSpPr>
+          <a:xfrm>
+            <a:off x="6807719" y="2883746"/>
+            <a:ext cx="2045884" cy="1601067"/>
+            <a:chOff x="9437871" y="2218233"/>
+            <a:chExt cx="2045884" cy="1601067"/>
+          </a:xfrm>
+          <a:noFill/>
+        </p:grpSpPr>
+        <p:sp>
+          <p:nvSpPr>
+            <p:cNvPr id="37" name="Rectángulo 36"/>
+            <p:cNvSpPr/>
+            <p:nvPr/>
+          </p:nvSpPr>
+          <p:spPr>
+            <a:xfrm>
+              <a:off x="9437871" y="2712554"/>
+              <a:ext cx="502638" cy="369332"/>
+            </a:xfrm>
+            <a:prstGeom prst="rect">
+              <a:avLst/>
+            </a:prstGeom>
+            <a:grpFill/>
+          </p:spPr>
+          <p:txBody>
+            <a:bodyPr wrap="none">
+              <a:spAutoFit/>
+            </a:bodyPr>
+            <a:lstStyle/>
+            <a:p>
+              <a:r>
+                <a:rPr lang="en-GB" dirty="0"/>
+                <a:t>like</a:t>
+              </a:r>
+            </a:p>
+          </p:txBody>
+        </p:sp>
+        <p:sp>
+          <p:nvSpPr>
+            <p:cNvPr id="38" name="Rectángulo 37"/>
+            <p:cNvSpPr/>
+            <p:nvPr/>
+          </p:nvSpPr>
+          <p:spPr>
+            <a:xfrm>
+              <a:off x="10473632" y="3426199"/>
+              <a:ext cx="619080" cy="369332"/>
+            </a:xfrm>
+            <a:prstGeom prst="rect">
+              <a:avLst/>
+            </a:prstGeom>
+            <a:grpFill/>
+          </p:spPr>
+          <p:txBody>
+            <a:bodyPr wrap="none">
+              <a:spAutoFit/>
+            </a:bodyPr>
+            <a:lstStyle/>
+            <a:p>
+              <a:r>
+                <a:rPr lang="en-GB" dirty="0"/>
+                <a:t>back</a:t>
+              </a:r>
+            </a:p>
+          </p:txBody>
+        </p:sp>
+        <p:sp>
+          <p:nvSpPr>
+            <p:cNvPr id="39" name="Rectángulo 38"/>
+            <p:cNvSpPr/>
+            <p:nvPr/>
+          </p:nvSpPr>
+          <p:spPr>
+            <a:xfrm>
+              <a:off x="10773316" y="2412500"/>
+              <a:ext cx="654346" cy="369332"/>
+            </a:xfrm>
+            <a:prstGeom prst="rect">
+              <a:avLst/>
+            </a:prstGeom>
+            <a:grpFill/>
+          </p:spPr>
+          <p:txBody>
+            <a:bodyPr wrap="none">
+              <a:spAutoFit/>
+            </a:bodyPr>
+            <a:lstStyle/>
+            <a:p>
+              <a:r>
+                <a:rPr lang="en-GB" dirty="0"/>
+                <a:t>book</a:t>
+              </a:r>
+            </a:p>
+          </p:txBody>
+        </p:sp>
+        <p:sp>
+          <p:nvSpPr>
+            <p:cNvPr id="40" name="Rectángulo 39"/>
+            <p:cNvSpPr/>
+            <p:nvPr/>
+          </p:nvSpPr>
+          <p:spPr>
+            <a:xfrm>
+              <a:off x="10264063" y="2218233"/>
+              <a:ext cx="634084" cy="369332"/>
+            </a:xfrm>
+            <a:prstGeom prst="rect">
+              <a:avLst/>
+            </a:prstGeom>
+            <a:grpFill/>
+          </p:spPr>
+          <p:txBody>
+            <a:bodyPr wrap="none">
+              <a:spAutoFit/>
+            </a:bodyPr>
+            <a:lstStyle/>
+            <a:p>
+              <a:r>
+                <a:rPr lang="en-GB" dirty="0"/>
+                <a:t>mike</a:t>
+              </a:r>
+            </a:p>
+          </p:txBody>
+        </p:sp>
+        <p:sp>
+          <p:nvSpPr>
+            <p:cNvPr id="41" name="Rectángulo 40"/>
+            <p:cNvSpPr/>
+            <p:nvPr/>
+          </p:nvSpPr>
+          <p:spPr>
+            <a:xfrm>
+              <a:off x="9555208" y="3128666"/>
+              <a:ext cx="549253" cy="369332"/>
+            </a:xfrm>
+            <a:prstGeom prst="rect">
+              <a:avLst/>
+            </a:prstGeom>
+            <a:grpFill/>
+          </p:spPr>
+          <p:txBody>
+            <a:bodyPr wrap="none">
+              <a:spAutoFit/>
+            </a:bodyPr>
+            <a:lstStyle/>
+            <a:p>
+              <a:r>
+                <a:rPr lang="en-GB" dirty="0"/>
+                <a:t>bite</a:t>
+              </a:r>
+            </a:p>
+          </p:txBody>
+        </p:sp>
+        <p:sp>
+          <p:nvSpPr>
+            <p:cNvPr id="42" name="Rectángulo 41"/>
+            <p:cNvSpPr/>
+            <p:nvPr/>
+          </p:nvSpPr>
+          <p:spPr>
+            <a:xfrm>
+              <a:off x="10796444" y="3141469"/>
+              <a:ext cx="630301" cy="369332"/>
+            </a:xfrm>
+            <a:prstGeom prst="rect">
+              <a:avLst/>
+            </a:prstGeom>
+            <a:grpFill/>
+          </p:spPr>
+          <p:txBody>
+            <a:bodyPr wrap="none">
+              <a:spAutoFit/>
+            </a:bodyPr>
+            <a:lstStyle/>
+            <a:p>
+              <a:r>
+                <a:rPr lang="en-GB" dirty="0"/>
+                <a:t>buck</a:t>
+              </a:r>
+            </a:p>
+          </p:txBody>
+        </p:sp>
+        <p:sp>
+          <p:nvSpPr>
+            <p:cNvPr id="43" name="Rectángulo 42"/>
+            <p:cNvSpPr/>
+            <p:nvPr/>
+          </p:nvSpPr>
+          <p:spPr>
+            <a:xfrm>
+              <a:off x="11074219" y="2740690"/>
+              <a:ext cx="409536" cy="369332"/>
+            </a:xfrm>
+            <a:prstGeom prst="rect">
+              <a:avLst/>
+            </a:prstGeom>
+            <a:grpFill/>
+          </p:spPr>
+          <p:txBody>
+            <a:bodyPr wrap="none">
+              <a:spAutoFit/>
+            </a:bodyPr>
+            <a:lstStyle/>
+            <a:p>
+              <a:r>
+                <a:rPr lang="en-GB" dirty="0"/>
+                <a:t>by</a:t>
+              </a:r>
+            </a:p>
+          </p:txBody>
+        </p:sp>
+        <p:sp>
+          <p:nvSpPr>
+            <p:cNvPr id="44" name="Rectángulo 43"/>
+            <p:cNvSpPr/>
+            <p:nvPr/>
+          </p:nvSpPr>
+          <p:spPr>
+            <a:xfrm>
+              <a:off x="9734548" y="2333529"/>
+              <a:ext cx="532518" cy="369332"/>
+            </a:xfrm>
+            <a:prstGeom prst="rect">
+              <a:avLst/>
+            </a:prstGeom>
+            <a:grpFill/>
+          </p:spPr>
+          <p:txBody>
+            <a:bodyPr wrap="none">
+              <a:spAutoFit/>
+            </a:bodyPr>
+            <a:lstStyle/>
+            <a:p>
+              <a:r>
+                <a:rPr lang="en-GB" dirty="0"/>
+                <a:t>buy</a:t>
+              </a:r>
+            </a:p>
+          </p:txBody>
+        </p:sp>
+        <p:sp>
+          <p:nvSpPr>
+            <p:cNvPr id="45" name="Rectángulo 44"/>
+            <p:cNvSpPr/>
+            <p:nvPr/>
+          </p:nvSpPr>
+          <p:spPr>
+            <a:xfrm>
+              <a:off x="9948973" y="3449968"/>
+              <a:ext cx="522131" cy="369332"/>
+            </a:xfrm>
+            <a:prstGeom prst="rect">
+              <a:avLst/>
+            </a:prstGeom>
+            <a:grpFill/>
+          </p:spPr>
+          <p:txBody>
+            <a:bodyPr wrap="none">
+              <a:spAutoFit/>
+            </a:bodyPr>
+            <a:lstStyle/>
+            <a:p>
+              <a:r>
+                <a:rPr lang="en-GB" dirty="0"/>
+                <a:t>bye</a:t>
+              </a:r>
+            </a:p>
+          </p:txBody>
+        </p:sp>
+      </p:grpSp>
+      <p:sp>
+        <p:nvSpPr>
+          <p:cNvPr id="50" name="Cruz 49"/>
+          <p:cNvSpPr/>
+          <p:nvPr/>
+        </p:nvSpPr>
+        <p:spPr>
+          <a:xfrm rot="2733729">
+            <a:off x="5625579" y="3194131"/>
+            <a:ext cx="914400" cy="914400"/>
+          </a:xfrm>
+          <a:prstGeom prst="plus">
+            <a:avLst>
+              <a:gd name="adj" fmla="val 40306"/>
+            </a:avLst>
+          </a:prstGeom>
+          <a:solidFill>
+            <a:srgbClr val="FF0066"/>
+          </a:solidFill>
+          <a:ln>
+            <a:solidFill>
+              <a:srgbClr val="FF0066"/>
+            </a:solidFill>
+          </a:ln>
+        </p:spPr>
+        <p:style>
+          <a:lnRef idx="2">
+            <a:schemeClr val="accent1">
+              <a:shade val="50000"/>
+            </a:schemeClr>
+          </a:lnRef>
+          <a:fillRef idx="1">
+            <a:schemeClr val="accent1"/>
+          </a:fillRef>
+          <a:effectRef idx="0">
+            <a:schemeClr val="accent1"/>
+          </a:effectRef>
+          <a:fontRef idx="minor">
+            <a:schemeClr val="lt1"/>
+          </a:fontRef>
+        </p:style>
+        <p:txBody>
+          <a:bodyPr rtlCol="0" anchor="ctr"/>
+          <a:lstStyle/>
+          <a:p>
+            <a:pPr algn="ctr"/>
+            <a:endParaRPr lang="en-GB"/>
+          </a:p>
+        </p:txBody>
+      </p:sp>
+    </p:spTree>
+    <p:extLst>
+      <p:ext uri="{BB962C8B-B14F-4D97-AF65-F5344CB8AC3E}">
+        <p14:creationId xmlns:p14="http://schemas.microsoft.com/office/powerpoint/2010/main" val="3627532983"/>
+      </p:ext>
+    </p:extLst>
+  </p:cSld>
+  <p:clrMapOvr>
+    <a:masterClrMapping/>
+  </p:clrMapOvr>
 </p:sld>
 </file>
 
